--- a/Part_1_Resources_for_computational_modellers/6_Computing_infrastructure/2_AWS.pptx
+++ b/Part_1_Resources_for_computational_modellers/6_Computing_infrastructure/2_AWS.pptx
@@ -1,26 +1,454 @@
 
 <file path=ppt/presentation.xml><?xml version="1.0" encoding="utf-8"?>
-<p:presentation xmlns:a="http://schemas.openxmlformats.org/drawingml/2006/main" xmlns:p="http://schemas.openxmlformats.org/presentationml/2006/main" xmlns:r="http://schemas.openxmlformats.org/officeDocument/2006/relationships" xmlns:p14="http://schemas.microsoft.com/office/powerpoint/2010/main" xmlns:p15="http://schemas.microsoft.com/office/powerpoint/2012/main" xmlns:mc="http://schemas.openxmlformats.org/markup-compatibility/2006">
+<p:presentation xmlns:a="http://schemas.openxmlformats.org/drawingml/2006/main" xmlns:r="http://schemas.openxmlformats.org/officeDocument/2006/relationships" xmlns:p="http://schemas.openxmlformats.org/presentationml/2006/main" saveSubsetFonts="1">
   <p:sldMasterIdLst>
-    <p:sldMasterId id="2147483648" r:id="rId2"/>
-    <p:sldMasterId id="2147483661" r:id="rId3"/>
+    <p:sldMasterId id="2147483648" r:id="rId1"/>
+    <p:sldMasterId id="2147483661" r:id="rId2"/>
   </p:sldMasterIdLst>
   <p:notesMasterIdLst>
-    <p:notesMasterId r:id="rId4"/>
+    <p:notesMasterId r:id="rId7"/>
   </p:notesMasterIdLst>
   <p:sldIdLst>
-    <p:sldId id="256" r:id="rId5"/>
-    <p:sldId id="257" r:id="rId6"/>
-    <p:sldId id="258" r:id="rId7"/>
-    <p:sldId id="259" r:id="rId8"/>
+    <p:sldId id="256" r:id="rId3"/>
+    <p:sldId id="257" r:id="rId4"/>
+    <p:sldId id="258" r:id="rId5"/>
+    <p:sldId id="259" r:id="rId6"/>
   </p:sldIdLst>
   <p:sldSz cx="10080625" cy="7559675"/>
-  <p:notesSz cx="7559675" cy="10691812"/>
+  <p:notesSz cx="7559675" cy="10691813"/>
+  <p:defaultTextStyle>
+    <a:defPPr>
+      <a:defRPr lang="en-US"/>
+    </a:defPPr>
+    <a:lvl1pPr marL="0" algn="l" defTabSz="914400" rtl="0" eaLnBrk="1" latinLnBrk="0" hangingPunct="1">
+      <a:defRPr sz="1800" kern="1200">
+        <a:solidFill>
+          <a:schemeClr val="tx1"/>
+        </a:solidFill>
+        <a:latin typeface="+mn-lt"/>
+        <a:ea typeface="+mn-ea"/>
+        <a:cs typeface="+mn-cs"/>
+      </a:defRPr>
+    </a:lvl1pPr>
+    <a:lvl2pPr marL="457200" algn="l" defTabSz="914400" rtl="0" eaLnBrk="1" latinLnBrk="0" hangingPunct="1">
+      <a:defRPr sz="1800" kern="1200">
+        <a:solidFill>
+          <a:schemeClr val="tx1"/>
+        </a:solidFill>
+        <a:latin typeface="+mn-lt"/>
+        <a:ea typeface="+mn-ea"/>
+        <a:cs typeface="+mn-cs"/>
+      </a:defRPr>
+    </a:lvl2pPr>
+    <a:lvl3pPr marL="914400" algn="l" defTabSz="914400" rtl="0" eaLnBrk="1" latinLnBrk="0" hangingPunct="1">
+      <a:defRPr sz="1800" kern="1200">
+        <a:solidFill>
+          <a:schemeClr val="tx1"/>
+        </a:solidFill>
+        <a:latin typeface="+mn-lt"/>
+        <a:ea typeface="+mn-ea"/>
+        <a:cs typeface="+mn-cs"/>
+      </a:defRPr>
+    </a:lvl3pPr>
+    <a:lvl4pPr marL="1371600" algn="l" defTabSz="914400" rtl="0" eaLnBrk="1" latinLnBrk="0" hangingPunct="1">
+      <a:defRPr sz="1800" kern="1200">
+        <a:solidFill>
+          <a:schemeClr val="tx1"/>
+        </a:solidFill>
+        <a:latin typeface="+mn-lt"/>
+        <a:ea typeface="+mn-ea"/>
+        <a:cs typeface="+mn-cs"/>
+      </a:defRPr>
+    </a:lvl4pPr>
+    <a:lvl5pPr marL="1828800" algn="l" defTabSz="914400" rtl="0" eaLnBrk="1" latinLnBrk="0" hangingPunct="1">
+      <a:defRPr sz="1800" kern="1200">
+        <a:solidFill>
+          <a:schemeClr val="tx1"/>
+        </a:solidFill>
+        <a:latin typeface="+mn-lt"/>
+        <a:ea typeface="+mn-ea"/>
+        <a:cs typeface="+mn-cs"/>
+      </a:defRPr>
+    </a:lvl5pPr>
+    <a:lvl6pPr marL="2286000" algn="l" defTabSz="914400" rtl="0" eaLnBrk="1" latinLnBrk="0" hangingPunct="1">
+      <a:defRPr sz="1800" kern="1200">
+        <a:solidFill>
+          <a:schemeClr val="tx1"/>
+        </a:solidFill>
+        <a:latin typeface="+mn-lt"/>
+        <a:ea typeface="+mn-ea"/>
+        <a:cs typeface="+mn-cs"/>
+      </a:defRPr>
+    </a:lvl6pPr>
+    <a:lvl7pPr marL="2743200" algn="l" defTabSz="914400" rtl="0" eaLnBrk="1" latinLnBrk="0" hangingPunct="1">
+      <a:defRPr sz="1800" kern="1200">
+        <a:solidFill>
+          <a:schemeClr val="tx1"/>
+        </a:solidFill>
+        <a:latin typeface="+mn-lt"/>
+        <a:ea typeface="+mn-ea"/>
+        <a:cs typeface="+mn-cs"/>
+      </a:defRPr>
+    </a:lvl7pPr>
+    <a:lvl8pPr marL="3200400" algn="l" defTabSz="914400" rtl="0" eaLnBrk="1" latinLnBrk="0" hangingPunct="1">
+      <a:defRPr sz="1800" kern="1200">
+        <a:solidFill>
+          <a:schemeClr val="tx1"/>
+        </a:solidFill>
+        <a:latin typeface="+mn-lt"/>
+        <a:ea typeface="+mn-ea"/>
+        <a:cs typeface="+mn-cs"/>
+      </a:defRPr>
+    </a:lvl8pPr>
+    <a:lvl9pPr marL="3657600" algn="l" defTabSz="914400" rtl="0" eaLnBrk="1" latinLnBrk="0" hangingPunct="1">
+      <a:defRPr sz="1800" kern="1200">
+        <a:solidFill>
+          <a:schemeClr val="tx1"/>
+        </a:solidFill>
+        <a:latin typeface="+mn-lt"/>
+        <a:ea typeface="+mn-ea"/>
+        <a:cs typeface="+mn-cs"/>
+      </a:defRPr>
+    </a:lvl9pPr>
+  </p:defaultTextStyle>
 </p:presentation>
 </file>
 
 <file path=ppt/notesMasters/notesMaster1.xml><?xml version="1.0" encoding="utf-8"?>
-<p:notesMaster xmlns:a="http://schemas.openxmlformats.org/drawingml/2006/main" xmlns:p="http://schemas.openxmlformats.org/presentationml/2006/main" xmlns:r="http://schemas.openxmlformats.org/officeDocument/2006/relationships" xmlns:p14="http://schemas.microsoft.com/office/powerpoint/2010/main" xmlns:p15="http://schemas.microsoft.com/office/powerpoint/2012/main" xmlns:mc="http://schemas.openxmlformats.org/markup-compatibility/2006">
+<p:notesMaster xmlns:a="http://schemas.openxmlformats.org/drawingml/2006/main" xmlns:r="http://schemas.openxmlformats.org/officeDocument/2006/relationships" xmlns:p="http://schemas.openxmlformats.org/presentationml/2006/main">
+  <p:cSld>
+    <p:bg>
+      <p:bgRef idx="1001">
+        <a:schemeClr val="bg1"/>
+      </p:bgRef>
+    </p:bg>
+    <p:spTree>
+      <p:nvGrpSpPr>
+        <p:cNvPr id="1" name=""/>
+        <p:cNvGrpSpPr/>
+        <p:nvPr/>
+      </p:nvGrpSpPr>
+      <p:grpSpPr>
+        <a:xfrm>
+          <a:off x="0" y="0"/>
+          <a:ext cx="0" cy="0"/>
+          <a:chOff x="0" y="0"/>
+          <a:chExt cx="0" cy="0"/>
+        </a:xfrm>
+      </p:grpSpPr>
+      <p:sp>
+        <p:nvSpPr>
+          <p:cNvPr id="72" name="PlaceHolder 1"/>
+          <p:cNvSpPr>
+            <a:spLocks noGrp="1"/>
+          </p:cNvSpPr>
+          <p:nvPr>
+            <p:ph type="body"/>
+          </p:nvPr>
+        </p:nvSpPr>
+        <p:spPr>
+          <a:xfrm>
+            <a:off x="756000" y="5078520"/>
+            <a:ext cx="6047640" cy="4811040"/>
+          </a:xfrm>
+          <a:prstGeom prst="rect">
+            <a:avLst/>
+          </a:prstGeom>
+        </p:spPr>
+        <p:txBody>
+          <a:bodyPr lIns="0" tIns="0" rIns="0" bIns="0"/>
+          <a:lstStyle/>
+          <a:p>
+            <a:r>
+              <a:rPr lang="en-GB" sz="2000" b="0" strike="noStrike" spc="-1">
+                <a:solidFill>
+                  <a:srgbClr val="000000"/>
+                </a:solidFill>
+                <a:uFill>
+                  <a:solidFill>
+                    <a:srgbClr val="FFFFFF"/>
+                  </a:solidFill>
+                </a:uFill>
+                <a:latin typeface="Arial"/>
+              </a:rPr>
+              <a:t>Click to edit the notes format</a:t>
+            </a:r>
+          </a:p>
+        </p:txBody>
+      </p:sp>
+      <p:sp>
+        <p:nvSpPr>
+          <p:cNvPr id="73" name="PlaceHolder 2"/>
+          <p:cNvSpPr>
+            <a:spLocks noGrp="1"/>
+          </p:cNvSpPr>
+          <p:nvPr>
+            <p:ph type="hdr"/>
+          </p:nvPr>
+        </p:nvSpPr>
+        <p:spPr>
+          <a:xfrm>
+            <a:off x="0" y="0"/>
+            <a:ext cx="3280680" cy="534240"/>
+          </a:xfrm>
+          <a:prstGeom prst="rect">
+            <a:avLst/>
+          </a:prstGeom>
+        </p:spPr>
+        <p:txBody>
+          <a:bodyPr lIns="0" tIns="0" rIns="0" bIns="0"/>
+          <a:lstStyle/>
+          <a:p>
+            <a:r>
+              <a:rPr lang="en-GB" sz="1400" b="0" strike="noStrike" spc="-1">
+                <a:solidFill>
+                  <a:srgbClr val="000000"/>
+                </a:solidFill>
+                <a:uFill>
+                  <a:solidFill>
+                    <a:srgbClr val="FFFFFF"/>
+                  </a:solidFill>
+                </a:uFill>
+                <a:latin typeface="Times New Roman"/>
+              </a:rPr>
+              <a:t> </a:t>
+            </a:r>
+          </a:p>
+        </p:txBody>
+      </p:sp>
+      <p:sp>
+        <p:nvSpPr>
+          <p:cNvPr id="74" name="PlaceHolder 3"/>
+          <p:cNvSpPr>
+            <a:spLocks noGrp="1"/>
+          </p:cNvSpPr>
+          <p:nvPr>
+            <p:ph type="dt"/>
+          </p:nvPr>
+        </p:nvSpPr>
+        <p:spPr>
+          <a:xfrm>
+            <a:off x="4278960" y="0"/>
+            <a:ext cx="3280680" cy="534240"/>
+          </a:xfrm>
+          <a:prstGeom prst="rect">
+            <a:avLst/>
+          </a:prstGeom>
+        </p:spPr>
+        <p:txBody>
+          <a:bodyPr lIns="0" tIns="0" rIns="0" bIns="0"/>
+          <a:lstStyle/>
+          <a:p>
+            <a:pPr algn="r"/>
+            <a:r>
+              <a:rPr lang="en-GB" sz="1400" b="0" strike="noStrike" spc="-1">
+                <a:solidFill>
+                  <a:srgbClr val="000000"/>
+                </a:solidFill>
+                <a:uFill>
+                  <a:solidFill>
+                    <a:srgbClr val="FFFFFF"/>
+                  </a:solidFill>
+                </a:uFill>
+                <a:latin typeface="Times New Roman"/>
+              </a:rPr>
+              <a:t> </a:t>
+            </a:r>
+          </a:p>
+        </p:txBody>
+      </p:sp>
+      <p:sp>
+        <p:nvSpPr>
+          <p:cNvPr id="75" name="PlaceHolder 4"/>
+          <p:cNvSpPr>
+            <a:spLocks noGrp="1"/>
+          </p:cNvSpPr>
+          <p:nvPr>
+            <p:ph type="ftr"/>
+          </p:nvPr>
+        </p:nvSpPr>
+        <p:spPr>
+          <a:xfrm>
+            <a:off x="0" y="10157400"/>
+            <a:ext cx="3280680" cy="534240"/>
+          </a:xfrm>
+          <a:prstGeom prst="rect">
+            <a:avLst/>
+          </a:prstGeom>
+        </p:spPr>
+        <p:txBody>
+          <a:bodyPr lIns="0" tIns="0" rIns="0" bIns="0" anchor="b"/>
+          <a:lstStyle/>
+          <a:p>
+            <a:r>
+              <a:rPr lang="en-GB" sz="1400" b="0" strike="noStrike" spc="-1">
+                <a:solidFill>
+                  <a:srgbClr val="000000"/>
+                </a:solidFill>
+                <a:uFill>
+                  <a:solidFill>
+                    <a:srgbClr val="FFFFFF"/>
+                  </a:solidFill>
+                </a:uFill>
+                <a:latin typeface="Times New Roman"/>
+              </a:rPr>
+              <a:t> </a:t>
+            </a:r>
+          </a:p>
+        </p:txBody>
+      </p:sp>
+      <p:sp>
+        <p:nvSpPr>
+          <p:cNvPr id="76" name="PlaceHolder 5"/>
+          <p:cNvSpPr>
+            <a:spLocks noGrp="1"/>
+          </p:cNvSpPr>
+          <p:nvPr>
+            <p:ph type="sldNum"/>
+          </p:nvPr>
+        </p:nvSpPr>
+        <p:spPr>
+          <a:xfrm>
+            <a:off x="4278960" y="10157400"/>
+            <a:ext cx="3280680" cy="534240"/>
+          </a:xfrm>
+          <a:prstGeom prst="rect">
+            <a:avLst/>
+          </a:prstGeom>
+        </p:spPr>
+        <p:txBody>
+          <a:bodyPr lIns="0" tIns="0" rIns="0" bIns="0" anchor="b"/>
+          <a:lstStyle/>
+          <a:p>
+            <a:pPr algn="r"/>
+            <a:fld id="{EB2A7964-3214-4822-945E-7777ADE250E6}" type="slidenum">
+              <a:rPr lang="en-GB" sz="1400" b="0" strike="noStrike" spc="-1">
+                <a:solidFill>
+                  <a:srgbClr val="000000"/>
+                </a:solidFill>
+                <a:uFill>
+                  <a:solidFill>
+                    <a:srgbClr val="FFFFFF"/>
+                  </a:solidFill>
+                </a:uFill>
+                <a:latin typeface="Times New Roman"/>
+              </a:rPr>
+              <a:t>‹#›</a:t>
+            </a:fld>
+            <a:endParaRPr lang="en-GB" sz="1400" b="0" strike="noStrike" spc="-1">
+              <a:solidFill>
+                <a:srgbClr val="000000"/>
+              </a:solidFill>
+              <a:uFill>
+                <a:solidFill>
+                  <a:srgbClr val="FFFFFF"/>
+                </a:solidFill>
+              </a:uFill>
+              <a:latin typeface="Times New Roman"/>
+            </a:endParaRPr>
+          </a:p>
+        </p:txBody>
+      </p:sp>
+    </p:spTree>
+  </p:cSld>
+  <p:clrMap bg1="lt1" tx1="dk1" bg2="lt2" tx2="dk2" accent1="accent1" accent2="accent2" accent3="accent3" accent4="accent4" accent5="accent5" accent6="accent6" hlink="hlink" folHlink="folHlink"/>
+  <p:notesStyle>
+    <a:lvl1pPr marL="0" algn="l" defTabSz="914400" rtl="0" eaLnBrk="1" latinLnBrk="0" hangingPunct="1">
+      <a:defRPr sz="1200" kern="1200">
+        <a:solidFill>
+          <a:schemeClr val="tx1"/>
+        </a:solidFill>
+        <a:latin typeface="+mn-lt"/>
+        <a:ea typeface="+mn-ea"/>
+        <a:cs typeface="+mn-cs"/>
+      </a:defRPr>
+    </a:lvl1pPr>
+    <a:lvl2pPr marL="457200" algn="l" defTabSz="914400" rtl="0" eaLnBrk="1" latinLnBrk="0" hangingPunct="1">
+      <a:defRPr sz="1200" kern="1200">
+        <a:solidFill>
+          <a:schemeClr val="tx1"/>
+        </a:solidFill>
+        <a:latin typeface="+mn-lt"/>
+        <a:ea typeface="+mn-ea"/>
+        <a:cs typeface="+mn-cs"/>
+      </a:defRPr>
+    </a:lvl2pPr>
+    <a:lvl3pPr marL="914400" algn="l" defTabSz="914400" rtl="0" eaLnBrk="1" latinLnBrk="0" hangingPunct="1">
+      <a:defRPr sz="1200" kern="1200">
+        <a:solidFill>
+          <a:schemeClr val="tx1"/>
+        </a:solidFill>
+        <a:latin typeface="+mn-lt"/>
+        <a:ea typeface="+mn-ea"/>
+        <a:cs typeface="+mn-cs"/>
+      </a:defRPr>
+    </a:lvl3pPr>
+    <a:lvl4pPr marL="1371600" algn="l" defTabSz="914400" rtl="0" eaLnBrk="1" latinLnBrk="0" hangingPunct="1">
+      <a:defRPr sz="1200" kern="1200">
+        <a:solidFill>
+          <a:schemeClr val="tx1"/>
+        </a:solidFill>
+        <a:latin typeface="+mn-lt"/>
+        <a:ea typeface="+mn-ea"/>
+        <a:cs typeface="+mn-cs"/>
+      </a:defRPr>
+    </a:lvl4pPr>
+    <a:lvl5pPr marL="1828800" algn="l" defTabSz="914400" rtl="0" eaLnBrk="1" latinLnBrk="0" hangingPunct="1">
+      <a:defRPr sz="1200" kern="1200">
+        <a:solidFill>
+          <a:schemeClr val="tx1"/>
+        </a:solidFill>
+        <a:latin typeface="+mn-lt"/>
+        <a:ea typeface="+mn-ea"/>
+        <a:cs typeface="+mn-cs"/>
+      </a:defRPr>
+    </a:lvl5pPr>
+    <a:lvl6pPr marL="2286000" algn="l" defTabSz="914400" rtl="0" eaLnBrk="1" latinLnBrk="0" hangingPunct="1">
+      <a:defRPr sz="1200" kern="1200">
+        <a:solidFill>
+          <a:schemeClr val="tx1"/>
+        </a:solidFill>
+        <a:latin typeface="+mn-lt"/>
+        <a:ea typeface="+mn-ea"/>
+        <a:cs typeface="+mn-cs"/>
+      </a:defRPr>
+    </a:lvl6pPr>
+    <a:lvl7pPr marL="2743200" algn="l" defTabSz="914400" rtl="0" eaLnBrk="1" latinLnBrk="0" hangingPunct="1">
+      <a:defRPr sz="1200" kern="1200">
+        <a:solidFill>
+          <a:schemeClr val="tx1"/>
+        </a:solidFill>
+        <a:latin typeface="+mn-lt"/>
+        <a:ea typeface="+mn-ea"/>
+        <a:cs typeface="+mn-cs"/>
+      </a:defRPr>
+    </a:lvl7pPr>
+    <a:lvl8pPr marL="3200400" algn="l" defTabSz="914400" rtl="0" eaLnBrk="1" latinLnBrk="0" hangingPunct="1">
+      <a:defRPr sz="1200" kern="1200">
+        <a:solidFill>
+          <a:schemeClr val="tx1"/>
+        </a:solidFill>
+        <a:latin typeface="+mn-lt"/>
+        <a:ea typeface="+mn-ea"/>
+        <a:cs typeface="+mn-cs"/>
+      </a:defRPr>
+    </a:lvl8pPr>
+    <a:lvl9pPr marL="3657600" algn="l" defTabSz="914400" rtl="0" eaLnBrk="1" latinLnBrk="0" hangingPunct="1">
+      <a:defRPr sz="1200" kern="1200">
+        <a:solidFill>
+          <a:schemeClr val="tx1"/>
+        </a:solidFill>
+        <a:latin typeface="+mn-lt"/>
+        <a:ea typeface="+mn-ea"/>
+        <a:cs typeface="+mn-cs"/>
+      </a:defRPr>
+    </a:lvl9pPr>
+  </p:notesStyle>
+</p:notesMaster>
+</file>
+
+<file path=ppt/notesSlides/notesSlide1.xml><?xml version="1.0" encoding="utf-8"?>
+<p:notes xmlns:a="http://schemas.openxmlformats.org/drawingml/2006/main" xmlns:r="http://schemas.openxmlformats.org/officeDocument/2006/relationships" xmlns:p="http://schemas.openxmlformats.org/presentationml/2006/main">
   <p:cSld>
     <p:spTree>
       <p:nvGrpSpPr>
@@ -38,264 +466,120 @@
       </p:grpSpPr>
       <p:sp>
         <p:nvSpPr>
-          <p:cNvPr id="72" name="PlaceHolder 1"/>
-          <p:cNvSpPr>
-            <a:spLocks noGrp="1"/>
-          </p:cNvSpPr>
-          <p:nvPr>
-            <p:ph type="body"/>
-          </p:nvPr>
-        </p:nvSpPr>
-        <p:spPr>
-          <a:xfrm>
-            <a:off x="756000" y="5078520"/>
-            <a:ext cx="6047640" cy="4811040"/>
-          </a:xfrm>
-          <a:prstGeom prst="rect">
-            <a:avLst/>
-          </a:prstGeom>
-        </p:spPr>
-        <p:txBody>
-          <a:bodyPr lIns="0" rIns="0" tIns="0" bIns="0"/>
-          <a:p>
-            <a:r>
-              <a:rPr b="0" lang="en-GB" sz="2000" spc="-1" strike="noStrike">
+          <p:cNvPr id="87" name="CustomShape 1"/>
+          <p:cNvSpPr/>
+          <p:nvPr/>
+        </p:nvSpPr>
+        <p:spPr>
+          <a:xfrm>
+            <a:off x="4278240" y="10156680"/>
+            <a:ext cx="3278880" cy="532800"/>
+          </a:xfrm>
+          <a:prstGeom prst="rect">
+            <a:avLst/>
+          </a:prstGeom>
+          <a:noFill/>
+          <a:ln>
+            <a:noFill/>
+          </a:ln>
+        </p:spPr>
+        <p:style>
+          <a:lnRef idx="0">
+            <a:scrgbClr r="0" g="0" b="0"/>
+          </a:lnRef>
+          <a:fillRef idx="0">
+            <a:scrgbClr r="0" g="0" b="0"/>
+          </a:fillRef>
+          <a:effectRef idx="0">
+            <a:scrgbClr r="0" g="0" b="0"/>
+          </a:effectRef>
+          <a:fontRef idx="minor"/>
+        </p:style>
+        <p:txBody>
+          <a:bodyPr lIns="0" tIns="0" rIns="0" bIns="0" anchor="b"/>
+          <a:lstStyle/>
+          <a:p>
+            <a:pPr algn="r">
+              <a:lnSpc>
+                <a:spcPct val="100000"/>
+              </a:lnSpc>
+            </a:pPr>
+            <a:fld id="{50AE9493-78C1-46CA-9DC1-B1B4F3913C59}" type="slidenum">
+              <a:rPr lang="en-GB" sz="1400" b="0" strike="noStrike" spc="-1">
                 <a:solidFill>
                   <a:srgbClr val="000000"/>
                 </a:solidFill>
                 <a:uFill>
                   <a:solidFill>
-                    <a:srgbClr val="ffffff"/>
-                  </a:solidFill>
-                </a:uFill>
-                <a:latin typeface="Arial"/>
-              </a:rPr>
-              <a:t>Click to edit the notes format</a:t>
-            </a:r>
-            <a:endParaRPr b="0" lang="en-GB" sz="2000" spc="-1" strike="noStrike">
-              <a:solidFill>
-                <a:srgbClr val="000000"/>
-              </a:solidFill>
-              <a:uFill>
-                <a:solidFill>
-                  <a:srgbClr val="ffffff"/>
-                </a:solidFill>
-              </a:uFill>
-              <a:latin typeface="Arial"/>
-            </a:endParaRPr>
-          </a:p>
-        </p:txBody>
-      </p:sp>
-      <p:sp>
-        <p:nvSpPr>
-          <p:cNvPr id="73" name="PlaceHolder 2"/>
-          <p:cNvSpPr>
-            <a:spLocks noGrp="1"/>
-          </p:cNvSpPr>
-          <p:nvPr>
-            <p:ph type="hdr"/>
-          </p:nvPr>
-        </p:nvSpPr>
-        <p:spPr>
-          <a:xfrm>
-            <a:off x="0" y="0"/>
-            <a:ext cx="3280680" cy="534240"/>
-          </a:xfrm>
-          <a:prstGeom prst="rect">
-            <a:avLst/>
-          </a:prstGeom>
-        </p:spPr>
-        <p:txBody>
-          <a:bodyPr lIns="0" rIns="0" tIns="0" bIns="0"/>
-          <a:p>
-            <a:r>
-              <a:rPr b="0" lang="en-GB" sz="1400" spc="-1" strike="noStrike">
-                <a:solidFill>
-                  <a:srgbClr val="000000"/>
-                </a:solidFill>
-                <a:uFill>
-                  <a:solidFill>
-                    <a:srgbClr val="ffffff"/>
+                    <a:srgbClr val="FFFFFF"/>
                   </a:solidFill>
                 </a:uFill>
                 <a:latin typeface="Times New Roman"/>
-              </a:rPr>
-              <a:t> </a:t>
-            </a:r>
-            <a:endParaRPr b="0" lang="en-GB" sz="1400" spc="-1" strike="noStrike">
-              <a:solidFill>
-                <a:srgbClr val="000000"/>
-              </a:solidFill>
-              <a:uFill>
-                <a:solidFill>
-                  <a:srgbClr val="ffffff"/>
-                </a:solidFill>
-              </a:uFill>
-              <a:latin typeface="Times New Roman"/>
-            </a:endParaRPr>
-          </a:p>
-        </p:txBody>
-      </p:sp>
-      <p:sp>
-        <p:nvSpPr>
-          <p:cNvPr id="74" name="PlaceHolder 3"/>
-          <p:cNvSpPr>
-            <a:spLocks noGrp="1"/>
-          </p:cNvSpPr>
-          <p:nvPr>
-            <p:ph type="dt"/>
-          </p:nvPr>
-        </p:nvSpPr>
-        <p:spPr>
-          <a:xfrm>
-            <a:off x="4278960" y="0"/>
-            <a:ext cx="3280680" cy="534240"/>
-          </a:xfrm>
-          <a:prstGeom prst="rect">
-            <a:avLst/>
-          </a:prstGeom>
-        </p:spPr>
-        <p:txBody>
-          <a:bodyPr lIns="0" rIns="0" tIns="0" bIns="0"/>
-          <a:p>
-            <a:pPr algn="r"/>
-            <a:r>
-              <a:rPr b="0" lang="en-GB" sz="1400" spc="-1" strike="noStrike">
-                <a:solidFill>
-                  <a:srgbClr val="000000"/>
-                </a:solidFill>
-                <a:uFill>
-                  <a:solidFill>
-                    <a:srgbClr val="ffffff"/>
-                  </a:solidFill>
-                </a:uFill>
-                <a:latin typeface="Times New Roman"/>
-              </a:rPr>
-              <a:t> </a:t>
-            </a:r>
-            <a:endParaRPr b="0" lang="en-GB" sz="1400" spc="-1" strike="noStrike">
-              <a:solidFill>
-                <a:srgbClr val="000000"/>
-              </a:solidFill>
-              <a:uFill>
-                <a:solidFill>
-                  <a:srgbClr val="ffffff"/>
-                </a:solidFill>
-              </a:uFill>
-              <a:latin typeface="Times New Roman"/>
-            </a:endParaRPr>
-          </a:p>
-        </p:txBody>
-      </p:sp>
-      <p:sp>
-        <p:nvSpPr>
-          <p:cNvPr id="75" name="PlaceHolder 4"/>
-          <p:cNvSpPr>
-            <a:spLocks noGrp="1"/>
-          </p:cNvSpPr>
-          <p:nvPr>
-            <p:ph type="ftr"/>
-          </p:nvPr>
-        </p:nvSpPr>
-        <p:spPr>
-          <a:xfrm>
-            <a:off x="0" y="10157400"/>
-            <a:ext cx="3280680" cy="534240"/>
-          </a:xfrm>
-          <a:prstGeom prst="rect">
-            <a:avLst/>
-          </a:prstGeom>
-        </p:spPr>
-        <p:txBody>
-          <a:bodyPr lIns="0" rIns="0" tIns="0" bIns="0" anchor="b"/>
-          <a:p>
-            <a:r>
-              <a:rPr b="0" lang="en-GB" sz="1400" spc="-1" strike="noStrike">
-                <a:solidFill>
-                  <a:srgbClr val="000000"/>
-                </a:solidFill>
-                <a:uFill>
-                  <a:solidFill>
-                    <a:srgbClr val="ffffff"/>
-                  </a:solidFill>
-                </a:uFill>
-                <a:latin typeface="Times New Roman"/>
-              </a:rPr>
-              <a:t> </a:t>
-            </a:r>
-            <a:endParaRPr b="0" lang="en-GB" sz="1400" spc="-1" strike="noStrike">
-              <a:solidFill>
-                <a:srgbClr val="000000"/>
-              </a:solidFill>
-              <a:uFill>
-                <a:solidFill>
-                  <a:srgbClr val="ffffff"/>
-                </a:solidFill>
-              </a:uFill>
-              <a:latin typeface="Times New Roman"/>
-            </a:endParaRPr>
-          </a:p>
-        </p:txBody>
-      </p:sp>
-      <p:sp>
-        <p:nvSpPr>
-          <p:cNvPr id="76" name="PlaceHolder 5"/>
-          <p:cNvSpPr>
-            <a:spLocks noGrp="1"/>
-          </p:cNvSpPr>
-          <p:nvPr>
-            <p:ph type="sldNum"/>
-          </p:nvPr>
-        </p:nvSpPr>
-        <p:spPr>
-          <a:xfrm>
-            <a:off x="4278960" y="10157400"/>
-            <a:ext cx="3280680" cy="534240"/>
-          </a:xfrm>
-          <a:prstGeom prst="rect">
-            <a:avLst/>
-          </a:prstGeom>
-        </p:spPr>
-        <p:txBody>
-          <a:bodyPr lIns="0" rIns="0" tIns="0" bIns="0" anchor="b"/>
-          <a:p>
-            <a:pPr algn="r"/>
-            <a:fld id="{EB2A7964-3214-4822-945E-7777ADE250E6}" type="slidenum">
-              <a:rPr b="0" lang="en-GB" sz="1400" spc="-1" strike="noStrike">
-                <a:solidFill>
-                  <a:srgbClr val="000000"/>
-                </a:solidFill>
-                <a:uFill>
-                  <a:solidFill>
-                    <a:srgbClr val="ffffff"/>
-                  </a:solidFill>
-                </a:uFill>
-                <a:latin typeface="Times New Roman"/>
+                <a:ea typeface="DejaVu Sans"/>
               </a:rPr>
               <a:t>1</a:t>
             </a:fld>
-            <a:endParaRPr b="0" lang="en-GB" sz="1400" spc="-1" strike="noStrike">
-              <a:solidFill>
-                <a:srgbClr val="000000"/>
-              </a:solidFill>
-              <a:uFill>
-                <a:solidFill>
-                  <a:srgbClr val="ffffff"/>
-                </a:solidFill>
-              </a:uFill>
-              <a:latin typeface="Times New Roman"/>
+            <a:endParaRPr lang="en-GB" sz="1800" b="0" strike="noStrike" spc="-1">
+              <a:solidFill>
+                <a:srgbClr val="000000"/>
+              </a:solidFill>
+              <a:uFill>
+                <a:solidFill>
+                  <a:srgbClr val="FFFFFF"/>
+                </a:solidFill>
+              </a:uFill>
+              <a:latin typeface="Arial"/>
+            </a:endParaRPr>
+          </a:p>
+        </p:txBody>
+      </p:sp>
+      <p:sp>
+        <p:nvSpPr>
+          <p:cNvPr id="88" name="PlaceHolder 2"/>
+          <p:cNvSpPr>
+            <a:spLocks noGrp="1"/>
+          </p:cNvSpPr>
+          <p:nvPr>
+            <p:ph type="body"/>
+          </p:nvPr>
+        </p:nvSpPr>
+        <p:spPr>
+          <a:xfrm>
+            <a:off x="755640" y="5078520"/>
+            <a:ext cx="6047640" cy="4811040"/>
+          </a:xfrm>
+          <a:prstGeom prst="rect">
+            <a:avLst/>
+          </a:prstGeom>
+        </p:spPr>
+        <p:txBody>
+          <a:bodyPr lIns="0" tIns="0" rIns="0" bIns="0" anchor="ctr"/>
+          <a:lstStyle/>
+          <a:p>
+            <a:endParaRPr lang="en-GB" sz="2000" b="0" strike="noStrike" spc="-1">
+              <a:solidFill>
+                <a:srgbClr val="000000"/>
+              </a:solidFill>
+              <a:uFill>
+                <a:solidFill>
+                  <a:srgbClr val="FFFFFF"/>
+                </a:solidFill>
+              </a:uFill>
+              <a:latin typeface="Arial"/>
             </a:endParaRPr>
           </a:p>
         </p:txBody>
       </p:sp>
     </p:spTree>
   </p:cSld>
-  <p:clrMap bg1="lt1" bg2="lt2" tx1="dk1" tx2="dk2" accent1="accent1" accent2="accent2" accent3="accent3" accent4="accent4" accent5="accent5" accent6="accent6" hlink="hlink" folHlink="folHlink"/>
-</p:notesMaster>
+  <p:clrMapOvr>
+    <a:masterClrMapping/>
+  </p:clrMapOvr>
+</p:notes>
 </file>
 
-<file path=ppt/notesSlides/notesSlide1.xml><?xml version="1.0" encoding="utf-8"?>
-<p:notes xmlns:a="http://schemas.openxmlformats.org/drawingml/2006/main" xmlns:p="http://schemas.openxmlformats.org/presentationml/2006/main" xmlns:r="http://schemas.openxmlformats.org/officeDocument/2006/relationships" xmlns:p14="http://schemas.microsoft.com/office/powerpoint/2010/main" xmlns:p15="http://schemas.microsoft.com/office/powerpoint/2012/main" xmlns:mc="http://schemas.openxmlformats.org/markup-compatibility/2006">
+<file path=ppt/notesSlides/notesSlide2.xml><?xml version="1.0" encoding="utf-8"?>
+<p:notes xmlns:a="http://schemas.openxmlformats.org/drawingml/2006/main" xmlns:r="http://schemas.openxmlformats.org/officeDocument/2006/relationships" xmlns:p="http://schemas.openxmlformats.org/presentationml/2006/main">
   <p:cSld>
     <p:spTree>
       <p:nvGrpSpPr>
@@ -313,7 +597,7 @@
       </p:grpSpPr>
       <p:sp>
         <p:nvSpPr>
-          <p:cNvPr id="87" name="CustomShape 1"/>
+          <p:cNvPr id="89" name="CustomShape 1"/>
           <p:cNvSpPr/>
           <p:nvPr/>
         </p:nvSpPr>
@@ -331,133 +615,20 @@
           </a:ln>
         </p:spPr>
         <p:style>
-          <a:lnRef idx="0"/>
-          <a:fillRef idx="0"/>
-          <a:effectRef idx="0"/>
+          <a:lnRef idx="0">
+            <a:scrgbClr r="0" g="0" b="0"/>
+          </a:lnRef>
+          <a:fillRef idx="0">
+            <a:scrgbClr r="0" g="0" b="0"/>
+          </a:fillRef>
+          <a:effectRef idx="0">
+            <a:scrgbClr r="0" g="0" b="0"/>
+          </a:effectRef>
           <a:fontRef idx="minor"/>
         </p:style>
         <p:txBody>
-          <a:bodyPr lIns="0" rIns="0" tIns="0" bIns="0" anchor="b"/>
-          <a:p>
-            <a:pPr algn="r">
-              <a:lnSpc>
-                <a:spcPct val="100000"/>
-              </a:lnSpc>
-            </a:pPr>
-            <a:fld id="{50AE9493-78C1-46CA-9DC1-B1B4F3913C59}" type="slidenum">
-              <a:rPr b="0" lang="en-GB" sz="1400" spc="-1" strike="noStrike">
-                <a:solidFill>
-                  <a:srgbClr val="000000"/>
-                </a:solidFill>
-                <a:uFill>
-                  <a:solidFill>
-                    <a:srgbClr val="ffffff"/>
-                  </a:solidFill>
-                </a:uFill>
-                <a:latin typeface="Times New Roman"/>
-                <a:ea typeface="DejaVu Sans"/>
-              </a:rPr>
-              <a:t>1</a:t>
-            </a:fld>
-            <a:endParaRPr b="0" lang="en-GB" sz="1800" spc="-1" strike="noStrike">
-              <a:solidFill>
-                <a:srgbClr val="000000"/>
-              </a:solidFill>
-              <a:uFill>
-                <a:solidFill>
-                  <a:srgbClr val="ffffff"/>
-                </a:solidFill>
-              </a:uFill>
-              <a:latin typeface="Arial"/>
-            </a:endParaRPr>
-          </a:p>
-        </p:txBody>
-      </p:sp>
-      <p:sp>
-        <p:nvSpPr>
-          <p:cNvPr id="88" name="PlaceHolder 2"/>
-          <p:cNvSpPr>
-            <a:spLocks noGrp="1"/>
-          </p:cNvSpPr>
-          <p:nvPr>
-            <p:ph type="body"/>
-          </p:nvPr>
-        </p:nvSpPr>
-        <p:spPr>
-          <a:xfrm>
-            <a:off x="755640" y="5078520"/>
-            <a:ext cx="6047640" cy="4811040"/>
-          </a:xfrm>
-          <a:prstGeom prst="rect">
-            <a:avLst/>
-          </a:prstGeom>
-        </p:spPr>
-        <p:txBody>
-          <a:bodyPr lIns="0" rIns="0" tIns="0" bIns="0" anchor="ctr"/>
-          <a:p>
-            <a:endParaRPr b="0" lang="en-GB" sz="2000" spc="-1" strike="noStrike">
-              <a:solidFill>
-                <a:srgbClr val="000000"/>
-              </a:solidFill>
-              <a:uFill>
-                <a:solidFill>
-                  <a:srgbClr val="ffffff"/>
-                </a:solidFill>
-              </a:uFill>
-              <a:latin typeface="Arial"/>
-            </a:endParaRPr>
-          </a:p>
-        </p:txBody>
-      </p:sp>
-    </p:spTree>
-  </p:cSld>
-</p:notes>
-</file>
-
-<file path=ppt/notesSlides/notesSlide2.xml><?xml version="1.0" encoding="utf-8"?>
-<p:notes xmlns:a="http://schemas.openxmlformats.org/drawingml/2006/main" xmlns:p="http://schemas.openxmlformats.org/presentationml/2006/main" xmlns:r="http://schemas.openxmlformats.org/officeDocument/2006/relationships" xmlns:p14="http://schemas.microsoft.com/office/powerpoint/2010/main" xmlns:p15="http://schemas.microsoft.com/office/powerpoint/2012/main" xmlns:mc="http://schemas.openxmlformats.org/markup-compatibility/2006">
-  <p:cSld>
-    <p:spTree>
-      <p:nvGrpSpPr>
-        <p:cNvPr id="1" name=""/>
-        <p:cNvGrpSpPr/>
-        <p:nvPr/>
-      </p:nvGrpSpPr>
-      <p:grpSpPr>
-        <a:xfrm>
-          <a:off x="0" y="0"/>
-          <a:ext cx="0" cy="0"/>
-          <a:chOff x="0" y="0"/>
-          <a:chExt cx="0" cy="0"/>
-        </a:xfrm>
-      </p:grpSpPr>
-      <p:sp>
-        <p:nvSpPr>
-          <p:cNvPr id="89" name="CustomShape 1"/>
-          <p:cNvSpPr/>
-          <p:nvPr/>
-        </p:nvSpPr>
-        <p:spPr>
-          <a:xfrm>
-            <a:off x="4278240" y="10156680"/>
-            <a:ext cx="3278880" cy="532800"/>
-          </a:xfrm>
-          <a:prstGeom prst="rect">
-            <a:avLst/>
-          </a:prstGeom>
-          <a:noFill/>
-          <a:ln>
-            <a:noFill/>
-          </a:ln>
-        </p:spPr>
-        <p:style>
-          <a:lnRef idx="0"/>
-          <a:fillRef idx="0"/>
-          <a:effectRef idx="0"/>
-          <a:fontRef idx="minor"/>
-        </p:style>
-        <p:txBody>
-          <a:bodyPr lIns="0" rIns="0" tIns="0" bIns="0" anchor="b"/>
+          <a:bodyPr lIns="0" tIns="0" rIns="0" bIns="0" anchor="b"/>
+          <a:lstStyle/>
           <a:p>
             <a:pPr algn="r">
               <a:lnSpc>
@@ -465,27 +636,27 @@
               </a:lnSpc>
             </a:pPr>
             <a:fld id="{C57FF718-52DE-4664-9E38-C158C4F3D574}" type="slidenum">
-              <a:rPr b="0" lang="en-GB" sz="1400" spc="-1" strike="noStrike">
+              <a:rPr lang="en-GB" sz="1400" b="0" strike="noStrike" spc="-1">
                 <a:solidFill>
                   <a:srgbClr val="000000"/>
                 </a:solidFill>
                 <a:uFill>
                   <a:solidFill>
-                    <a:srgbClr val="ffffff"/>
+                    <a:srgbClr val="FFFFFF"/>
                   </a:solidFill>
                 </a:uFill>
                 <a:latin typeface="Times New Roman"/>
                 <a:ea typeface="DejaVu Sans"/>
               </a:rPr>
-              <a:t>&lt;number&gt;</a:t>
+              <a:t>2</a:t>
             </a:fld>
-            <a:endParaRPr b="0" lang="en-GB" sz="1800" spc="-1" strike="noStrike">
-              <a:solidFill>
-                <a:srgbClr val="000000"/>
-              </a:solidFill>
-              <a:uFill>
-                <a:solidFill>
-                  <a:srgbClr val="ffffff"/>
+            <a:endParaRPr lang="en-GB" sz="1800" b="0" strike="noStrike" spc="-1">
+              <a:solidFill>
+                <a:srgbClr val="000000"/>
+              </a:solidFill>
+              <a:uFill>
+                <a:solidFill>
+                  <a:srgbClr val="FFFFFF"/>
                 </a:solidFill>
               </a:uFill>
               <a:latin typeface="Arial"/>
@@ -513,15 +684,16 @@
           </a:prstGeom>
         </p:spPr>
         <p:txBody>
-          <a:bodyPr lIns="0" rIns="0" tIns="0" bIns="0" anchor="ctr"/>
-          <a:p>
-            <a:endParaRPr b="0" lang="en-GB" sz="2000" spc="-1" strike="noStrike">
-              <a:solidFill>
-                <a:srgbClr val="000000"/>
-              </a:solidFill>
-              <a:uFill>
-                <a:solidFill>
-                  <a:srgbClr val="ffffff"/>
+          <a:bodyPr lIns="0" tIns="0" rIns="0" bIns="0" anchor="ctr"/>
+          <a:lstStyle/>
+          <a:p>
+            <a:endParaRPr lang="en-GB" sz="2000" b="0" strike="noStrike" spc="-1">
+              <a:solidFill>
+                <a:srgbClr val="000000"/>
+              </a:solidFill>
+              <a:uFill>
+                <a:solidFill>
+                  <a:srgbClr val="FFFFFF"/>
                 </a:solidFill>
               </a:uFill>
               <a:latin typeface="Arial"/>
@@ -531,11 +703,14 @@
       </p:sp>
     </p:spTree>
   </p:cSld>
+  <p:clrMapOvr>
+    <a:masterClrMapping/>
+  </p:clrMapOvr>
 </p:notes>
 </file>
 
 <file path=ppt/slideLayouts/slideLayout1.xml><?xml version="1.0" encoding="utf-8"?>
-<p:sldLayout xmlns:a="http://schemas.openxmlformats.org/drawingml/2006/main" xmlns:p="http://schemas.openxmlformats.org/presentationml/2006/main" xmlns:r="http://schemas.openxmlformats.org/officeDocument/2006/relationships" xmlns:p14="http://schemas.microsoft.com/office/powerpoint/2010/main" xmlns:p15="http://schemas.microsoft.com/office/powerpoint/2012/main" xmlns:mc="http://schemas.openxmlformats.org/markup-compatibility/2006" type="blank" preserve="1">
+<p:sldLayout xmlns:a="http://schemas.openxmlformats.org/drawingml/2006/main" xmlns:r="http://schemas.openxmlformats.org/officeDocument/2006/relationships" xmlns:p="http://schemas.openxmlformats.org/presentationml/2006/main" type="blank" preserve="1">
   <p:cSld name="Blank Slide">
     <p:spTree>
       <p:nvGrpSpPr>
@@ -553,11 +728,14 @@
       </p:grpSpPr>
     </p:spTree>
   </p:cSld>
+  <p:clrMapOvr>
+    <a:masterClrMapping/>
+  </p:clrMapOvr>
 </p:sldLayout>
 </file>
 
 <file path=ppt/slideLayouts/slideLayout10.xml><?xml version="1.0" encoding="utf-8"?>
-<p:sldLayout xmlns:a="http://schemas.openxmlformats.org/drawingml/2006/main" xmlns:p="http://schemas.openxmlformats.org/presentationml/2006/main" xmlns:r="http://schemas.openxmlformats.org/officeDocument/2006/relationships" xmlns:p14="http://schemas.microsoft.com/office/powerpoint/2010/main" xmlns:p15="http://schemas.microsoft.com/office/powerpoint/2012/main" xmlns:mc="http://schemas.openxmlformats.org/markup-compatibility/2006" type="objOverTx" preserve="1">
+<p:sldLayout xmlns:a="http://schemas.openxmlformats.org/drawingml/2006/main" xmlns:r="http://schemas.openxmlformats.org/officeDocument/2006/relationships" xmlns:p="http://schemas.openxmlformats.org/presentationml/2006/main" type="objOverTx" preserve="1">
   <p:cSld name="Title, Content over Content">
     <p:spTree>
       <p:nvGrpSpPr>
@@ -593,16 +771,17 @@
           </a:prstGeom>
         </p:spPr>
         <p:txBody>
-          <a:bodyPr lIns="0" rIns="0" tIns="0" bIns="0" anchor="ctr"/>
+          <a:bodyPr lIns="0" tIns="0" rIns="0" bIns="0" anchor="ctr"/>
+          <a:lstStyle/>
           <a:p>
             <a:pPr algn="ctr"/>
-            <a:endParaRPr b="0" lang="en-GB" sz="4400" spc="-1" strike="noStrike">
-              <a:solidFill>
-                <a:srgbClr val="000000"/>
-              </a:solidFill>
-              <a:uFill>
-                <a:solidFill>
-                  <a:srgbClr val="ffffff"/>
+            <a:endParaRPr lang="en-GB" sz="4400" b="0" strike="noStrike" spc="-1">
+              <a:solidFill>
+                <a:srgbClr val="000000"/>
+              </a:solidFill>
+              <a:uFill>
+                <a:solidFill>
+                  <a:srgbClr val="FFFFFF"/>
                 </a:solidFill>
               </a:uFill>
               <a:latin typeface="Arial"/>
@@ -630,15 +809,16 @@
           </a:prstGeom>
         </p:spPr>
         <p:txBody>
-          <a:bodyPr lIns="0" rIns="0" tIns="0" bIns="0"/>
-          <a:p>
-            <a:endParaRPr b="0" lang="en-GB" sz="3200" spc="-1" strike="noStrike">
-              <a:solidFill>
-                <a:srgbClr val="000000"/>
-              </a:solidFill>
-              <a:uFill>
-                <a:solidFill>
-                  <a:srgbClr val="ffffff"/>
+          <a:bodyPr lIns="0" tIns="0" rIns="0" bIns="0"/>
+          <a:lstStyle/>
+          <a:p>
+            <a:endParaRPr lang="en-GB" sz="3200" b="0" strike="noStrike" spc="-1">
+              <a:solidFill>
+                <a:srgbClr val="000000"/>
+              </a:solidFill>
+              <a:uFill>
+                <a:solidFill>
+                  <a:srgbClr val="FFFFFF"/>
                 </a:solidFill>
               </a:uFill>
               <a:latin typeface="Arial"/>
@@ -666,15 +846,16 @@
           </a:prstGeom>
         </p:spPr>
         <p:txBody>
-          <a:bodyPr lIns="0" rIns="0" tIns="0" bIns="0"/>
-          <a:p>
-            <a:endParaRPr b="0" lang="en-GB" sz="3200" spc="-1" strike="noStrike">
-              <a:solidFill>
-                <a:srgbClr val="000000"/>
-              </a:solidFill>
-              <a:uFill>
-                <a:solidFill>
-                  <a:srgbClr val="ffffff"/>
+          <a:bodyPr lIns="0" tIns="0" rIns="0" bIns="0"/>
+          <a:lstStyle/>
+          <a:p>
+            <a:endParaRPr lang="en-GB" sz="3200" b="0" strike="noStrike" spc="-1">
+              <a:solidFill>
+                <a:srgbClr val="000000"/>
+              </a:solidFill>
+              <a:uFill>
+                <a:solidFill>
+                  <a:srgbClr val="FFFFFF"/>
                 </a:solidFill>
               </a:uFill>
               <a:latin typeface="Arial"/>
@@ -684,11 +865,14 @@
       </p:sp>
     </p:spTree>
   </p:cSld>
+  <p:clrMapOvr>
+    <a:masterClrMapping/>
+  </p:clrMapOvr>
 </p:sldLayout>
 </file>
 
 <file path=ppt/slideLayouts/slideLayout11.xml><?xml version="1.0" encoding="utf-8"?>
-<p:sldLayout xmlns:a="http://schemas.openxmlformats.org/drawingml/2006/main" xmlns:p="http://schemas.openxmlformats.org/presentationml/2006/main" xmlns:r="http://schemas.openxmlformats.org/officeDocument/2006/relationships" xmlns:p14="http://schemas.microsoft.com/office/powerpoint/2010/main" xmlns:p15="http://schemas.microsoft.com/office/powerpoint/2012/main" xmlns:mc="http://schemas.openxmlformats.org/markup-compatibility/2006" type="fourObj" preserve="1">
+<p:sldLayout xmlns:a="http://schemas.openxmlformats.org/drawingml/2006/main" xmlns:r="http://schemas.openxmlformats.org/officeDocument/2006/relationships" xmlns:p="http://schemas.openxmlformats.org/presentationml/2006/main" type="fourObj" preserve="1">
   <p:cSld name="Title, 4 Content">
     <p:spTree>
       <p:nvGrpSpPr>
@@ -724,16 +908,17 @@
           </a:prstGeom>
         </p:spPr>
         <p:txBody>
-          <a:bodyPr lIns="0" rIns="0" tIns="0" bIns="0" anchor="ctr"/>
+          <a:bodyPr lIns="0" tIns="0" rIns="0" bIns="0" anchor="ctr"/>
+          <a:lstStyle/>
           <a:p>
             <a:pPr algn="ctr"/>
-            <a:endParaRPr b="0" lang="en-GB" sz="4400" spc="-1" strike="noStrike">
-              <a:solidFill>
-                <a:srgbClr val="000000"/>
-              </a:solidFill>
-              <a:uFill>
-                <a:solidFill>
-                  <a:srgbClr val="ffffff"/>
+            <a:endParaRPr lang="en-GB" sz="4400" b="0" strike="noStrike" spc="-1">
+              <a:solidFill>
+                <a:srgbClr val="000000"/>
+              </a:solidFill>
+              <a:uFill>
+                <a:solidFill>
+                  <a:srgbClr val="FFFFFF"/>
                 </a:solidFill>
               </a:uFill>
               <a:latin typeface="Arial"/>
@@ -761,15 +946,16 @@
           </a:prstGeom>
         </p:spPr>
         <p:txBody>
-          <a:bodyPr lIns="0" rIns="0" tIns="0" bIns="0"/>
-          <a:p>
-            <a:endParaRPr b="0" lang="en-GB" sz="3200" spc="-1" strike="noStrike">
-              <a:solidFill>
-                <a:srgbClr val="000000"/>
-              </a:solidFill>
-              <a:uFill>
-                <a:solidFill>
-                  <a:srgbClr val="ffffff"/>
+          <a:bodyPr lIns="0" tIns="0" rIns="0" bIns="0"/>
+          <a:lstStyle/>
+          <a:p>
+            <a:endParaRPr lang="en-GB" sz="3200" b="0" strike="noStrike" spc="-1">
+              <a:solidFill>
+                <a:srgbClr val="000000"/>
+              </a:solidFill>
+              <a:uFill>
+                <a:solidFill>
+                  <a:srgbClr val="FFFFFF"/>
                 </a:solidFill>
               </a:uFill>
               <a:latin typeface="Arial"/>
@@ -797,15 +983,16 @@
           </a:prstGeom>
         </p:spPr>
         <p:txBody>
-          <a:bodyPr lIns="0" rIns="0" tIns="0" bIns="0"/>
-          <a:p>
-            <a:endParaRPr b="0" lang="en-GB" sz="3200" spc="-1" strike="noStrike">
-              <a:solidFill>
-                <a:srgbClr val="000000"/>
-              </a:solidFill>
-              <a:uFill>
-                <a:solidFill>
-                  <a:srgbClr val="ffffff"/>
+          <a:bodyPr lIns="0" tIns="0" rIns="0" bIns="0"/>
+          <a:lstStyle/>
+          <a:p>
+            <a:endParaRPr lang="en-GB" sz="3200" b="0" strike="noStrike" spc="-1">
+              <a:solidFill>
+                <a:srgbClr val="000000"/>
+              </a:solidFill>
+              <a:uFill>
+                <a:solidFill>
+                  <a:srgbClr val="FFFFFF"/>
                 </a:solidFill>
               </a:uFill>
               <a:latin typeface="Arial"/>
@@ -833,15 +1020,16 @@
           </a:prstGeom>
         </p:spPr>
         <p:txBody>
-          <a:bodyPr lIns="0" rIns="0" tIns="0" bIns="0"/>
-          <a:p>
-            <a:endParaRPr b="0" lang="en-GB" sz="3200" spc="-1" strike="noStrike">
-              <a:solidFill>
-                <a:srgbClr val="000000"/>
-              </a:solidFill>
-              <a:uFill>
-                <a:solidFill>
-                  <a:srgbClr val="ffffff"/>
+          <a:bodyPr lIns="0" tIns="0" rIns="0" bIns="0"/>
+          <a:lstStyle/>
+          <a:p>
+            <a:endParaRPr lang="en-GB" sz="3200" b="0" strike="noStrike" spc="-1">
+              <a:solidFill>
+                <a:srgbClr val="000000"/>
+              </a:solidFill>
+              <a:uFill>
+                <a:solidFill>
+                  <a:srgbClr val="FFFFFF"/>
                 </a:solidFill>
               </a:uFill>
               <a:latin typeface="Arial"/>
@@ -869,15 +1057,16 @@
           </a:prstGeom>
         </p:spPr>
         <p:txBody>
-          <a:bodyPr lIns="0" rIns="0" tIns="0" bIns="0"/>
-          <a:p>
-            <a:endParaRPr b="0" lang="en-GB" sz="3200" spc="-1" strike="noStrike">
-              <a:solidFill>
-                <a:srgbClr val="000000"/>
-              </a:solidFill>
-              <a:uFill>
-                <a:solidFill>
-                  <a:srgbClr val="ffffff"/>
+          <a:bodyPr lIns="0" tIns="0" rIns="0" bIns="0"/>
+          <a:lstStyle/>
+          <a:p>
+            <a:endParaRPr lang="en-GB" sz="3200" b="0" strike="noStrike" spc="-1">
+              <a:solidFill>
+                <a:srgbClr val="000000"/>
+              </a:solidFill>
+              <a:uFill>
+                <a:solidFill>
+                  <a:srgbClr val="FFFFFF"/>
                 </a:solidFill>
               </a:uFill>
               <a:latin typeface="Arial"/>
@@ -887,11 +1076,14 @@
       </p:sp>
     </p:spTree>
   </p:cSld>
+  <p:clrMapOvr>
+    <a:masterClrMapping/>
+  </p:clrMapOvr>
 </p:sldLayout>
 </file>
 
 <file path=ppt/slideLayouts/slideLayout12.xml><?xml version="1.0" encoding="utf-8"?>
-<p:sldLayout xmlns:a="http://schemas.openxmlformats.org/drawingml/2006/main" xmlns:p="http://schemas.openxmlformats.org/presentationml/2006/main" xmlns:r="http://schemas.openxmlformats.org/officeDocument/2006/relationships" xmlns:p14="http://schemas.microsoft.com/office/powerpoint/2010/main" xmlns:p15="http://schemas.microsoft.com/office/powerpoint/2012/main" xmlns:mc="http://schemas.openxmlformats.org/markup-compatibility/2006" type="blank" preserve="1">
+<p:sldLayout xmlns:a="http://schemas.openxmlformats.org/drawingml/2006/main" xmlns:r="http://schemas.openxmlformats.org/officeDocument/2006/relationships" xmlns:p="http://schemas.openxmlformats.org/presentationml/2006/main" type="blank" preserve="1">
   <p:cSld name="Title, 6 Content">
     <p:spTree>
       <p:nvGrpSpPr>
@@ -927,16 +1119,17 @@
           </a:prstGeom>
         </p:spPr>
         <p:txBody>
-          <a:bodyPr lIns="0" rIns="0" tIns="0" bIns="0" anchor="ctr"/>
+          <a:bodyPr lIns="0" tIns="0" rIns="0" bIns="0" anchor="ctr"/>
+          <a:lstStyle/>
           <a:p>
             <a:pPr algn="ctr"/>
-            <a:endParaRPr b="0" lang="en-GB" sz="4400" spc="-1" strike="noStrike">
-              <a:solidFill>
-                <a:srgbClr val="000000"/>
-              </a:solidFill>
-              <a:uFill>
-                <a:solidFill>
-                  <a:srgbClr val="ffffff"/>
+            <a:endParaRPr lang="en-GB" sz="4400" b="0" strike="noStrike" spc="-1">
+              <a:solidFill>
+                <a:srgbClr val="000000"/>
+              </a:solidFill>
+              <a:uFill>
+                <a:solidFill>
+                  <a:srgbClr val="FFFFFF"/>
                 </a:solidFill>
               </a:uFill>
               <a:latin typeface="Arial"/>
@@ -964,15 +1157,16 @@
           </a:prstGeom>
         </p:spPr>
         <p:txBody>
-          <a:bodyPr lIns="0" rIns="0" tIns="0" bIns="0"/>
-          <a:p>
-            <a:endParaRPr b="0" lang="en-GB" sz="3200" spc="-1" strike="noStrike">
-              <a:solidFill>
-                <a:srgbClr val="000000"/>
-              </a:solidFill>
-              <a:uFill>
-                <a:solidFill>
-                  <a:srgbClr val="ffffff"/>
+          <a:bodyPr lIns="0" tIns="0" rIns="0" bIns="0"/>
+          <a:lstStyle/>
+          <a:p>
+            <a:endParaRPr lang="en-GB" sz="3200" b="0" strike="noStrike" spc="-1">
+              <a:solidFill>
+                <a:srgbClr val="000000"/>
+              </a:solidFill>
+              <a:uFill>
+                <a:solidFill>
+                  <a:srgbClr val="FFFFFF"/>
                 </a:solidFill>
               </a:uFill>
               <a:latin typeface="Arial"/>
@@ -1000,15 +1194,16 @@
           </a:prstGeom>
         </p:spPr>
         <p:txBody>
-          <a:bodyPr lIns="0" rIns="0" tIns="0" bIns="0"/>
-          <a:p>
-            <a:endParaRPr b="0" lang="en-GB" sz="3200" spc="-1" strike="noStrike">
-              <a:solidFill>
-                <a:srgbClr val="000000"/>
-              </a:solidFill>
-              <a:uFill>
-                <a:solidFill>
-                  <a:srgbClr val="ffffff"/>
+          <a:bodyPr lIns="0" tIns="0" rIns="0" bIns="0"/>
+          <a:lstStyle/>
+          <a:p>
+            <a:endParaRPr lang="en-GB" sz="3200" b="0" strike="noStrike" spc="-1">
+              <a:solidFill>
+                <a:srgbClr val="000000"/>
+              </a:solidFill>
+              <a:uFill>
+                <a:solidFill>
+                  <a:srgbClr val="FFFFFF"/>
                 </a:solidFill>
               </a:uFill>
               <a:latin typeface="Arial"/>
@@ -1018,7 +1213,7 @@
       </p:sp>
       <p:pic>
         <p:nvPicPr>
-          <p:cNvPr id="34" name="" descr=""/>
+          <p:cNvPr id="34" name="Picture 33"/>
           <p:cNvPicPr/>
           <p:nvPr/>
         </p:nvPicPr>
@@ -1041,12 +1236,12 @@
       </p:pic>
       <p:pic>
         <p:nvPicPr>
-          <p:cNvPr id="35" name="" descr=""/>
+          <p:cNvPr id="35" name="Picture 34"/>
           <p:cNvPicPr/>
           <p:nvPr/>
         </p:nvPicPr>
         <p:blipFill>
-          <a:blip r:embed="rId3"/>
+          <a:blip r:embed="rId2"/>
           <a:stretch/>
         </p:blipFill>
         <p:spPr>
@@ -1064,11 +1259,14 @@
       </p:pic>
     </p:spTree>
   </p:cSld>
+  <p:clrMapOvr>
+    <a:masterClrMapping/>
+  </p:clrMapOvr>
 </p:sldLayout>
 </file>
 
 <file path=ppt/slideLayouts/slideLayout13.xml><?xml version="1.0" encoding="utf-8"?>
-<p:sldLayout xmlns:a="http://schemas.openxmlformats.org/drawingml/2006/main" xmlns:p="http://schemas.openxmlformats.org/presentationml/2006/main" xmlns:r="http://schemas.openxmlformats.org/officeDocument/2006/relationships" xmlns:p14="http://schemas.microsoft.com/office/powerpoint/2010/main" xmlns:p15="http://schemas.microsoft.com/office/powerpoint/2012/main" xmlns:mc="http://schemas.openxmlformats.org/markup-compatibility/2006" type="blank" preserve="1">
+<p:sldLayout xmlns:a="http://schemas.openxmlformats.org/drawingml/2006/main" xmlns:r="http://schemas.openxmlformats.org/officeDocument/2006/relationships" xmlns:p="http://schemas.openxmlformats.org/presentationml/2006/main" type="blank" preserve="1">
   <p:cSld name="Blank Slide">
     <p:spTree>
       <p:nvGrpSpPr>
@@ -1086,11 +1284,14 @@
       </p:grpSpPr>
     </p:spTree>
   </p:cSld>
+  <p:clrMapOvr>
+    <a:masterClrMapping/>
+  </p:clrMapOvr>
 </p:sldLayout>
 </file>
 
 <file path=ppt/slideLayouts/slideLayout14.xml><?xml version="1.0" encoding="utf-8"?>
-<p:sldLayout xmlns:a="http://schemas.openxmlformats.org/drawingml/2006/main" xmlns:p="http://schemas.openxmlformats.org/presentationml/2006/main" xmlns:r="http://schemas.openxmlformats.org/officeDocument/2006/relationships" xmlns:p14="http://schemas.microsoft.com/office/powerpoint/2010/main" xmlns:p15="http://schemas.microsoft.com/office/powerpoint/2012/main" xmlns:mc="http://schemas.openxmlformats.org/markup-compatibility/2006" type="tx" preserve="1">
+<p:sldLayout xmlns:a="http://schemas.openxmlformats.org/drawingml/2006/main" xmlns:r="http://schemas.openxmlformats.org/officeDocument/2006/relationships" xmlns:p="http://schemas.openxmlformats.org/presentationml/2006/main" type="tx" preserve="1">
   <p:cSld name="Title Slide">
     <p:spTree>
       <p:nvGrpSpPr>
@@ -1126,16 +1327,17 @@
           </a:prstGeom>
         </p:spPr>
         <p:txBody>
-          <a:bodyPr lIns="0" rIns="0" tIns="0" bIns="0" anchor="ctr"/>
+          <a:bodyPr lIns="0" tIns="0" rIns="0" bIns="0" anchor="ctr"/>
+          <a:lstStyle/>
           <a:p>
             <a:pPr algn="ctr"/>
-            <a:endParaRPr b="0" lang="en-GB" sz="4400" spc="-1" strike="noStrike">
-              <a:solidFill>
-                <a:srgbClr val="000000"/>
-              </a:solidFill>
-              <a:uFill>
-                <a:solidFill>
-                  <a:srgbClr val="ffffff"/>
+            <a:endParaRPr lang="en-GB" sz="4400" b="0" strike="noStrike" spc="-1">
+              <a:solidFill>
+                <a:srgbClr val="000000"/>
+              </a:solidFill>
+              <a:uFill>
+                <a:solidFill>
+                  <a:srgbClr val="FFFFFF"/>
                 </a:solidFill>
               </a:uFill>
               <a:latin typeface="Arial"/>
@@ -1163,16 +1365,17 @@
           </a:prstGeom>
         </p:spPr>
         <p:txBody>
-          <a:bodyPr lIns="0" rIns="0" tIns="0" bIns="0" anchor="ctr"/>
+          <a:bodyPr lIns="0" tIns="0" rIns="0" bIns="0" anchor="ctr"/>
+          <a:lstStyle/>
           <a:p>
             <a:pPr algn="ctr"/>
-            <a:endParaRPr b="0" lang="en-GB" sz="3200" spc="-1" strike="noStrike">
-              <a:solidFill>
-                <a:srgbClr val="000000"/>
-              </a:solidFill>
-              <a:uFill>
-                <a:solidFill>
-                  <a:srgbClr val="ffffff"/>
+            <a:endParaRPr lang="en-GB" sz="3200" b="0" strike="noStrike" spc="-1">
+              <a:solidFill>
+                <a:srgbClr val="000000"/>
+              </a:solidFill>
+              <a:uFill>
+                <a:solidFill>
+                  <a:srgbClr val="FFFFFF"/>
                 </a:solidFill>
               </a:uFill>
               <a:latin typeface="Arial"/>
@@ -1182,11 +1385,14 @@
       </p:sp>
     </p:spTree>
   </p:cSld>
+  <p:clrMapOvr>
+    <a:masterClrMapping/>
+  </p:clrMapOvr>
 </p:sldLayout>
 </file>
 
 <file path=ppt/slideLayouts/slideLayout15.xml><?xml version="1.0" encoding="utf-8"?>
-<p:sldLayout xmlns:a="http://schemas.openxmlformats.org/drawingml/2006/main" xmlns:p="http://schemas.openxmlformats.org/presentationml/2006/main" xmlns:r="http://schemas.openxmlformats.org/officeDocument/2006/relationships" xmlns:p14="http://schemas.microsoft.com/office/powerpoint/2010/main" xmlns:p15="http://schemas.microsoft.com/office/powerpoint/2012/main" xmlns:mc="http://schemas.openxmlformats.org/markup-compatibility/2006" type="obj" preserve="1">
+<p:sldLayout xmlns:a="http://schemas.openxmlformats.org/drawingml/2006/main" xmlns:r="http://schemas.openxmlformats.org/officeDocument/2006/relationships" xmlns:p="http://schemas.openxmlformats.org/presentationml/2006/main" type="obj" preserve="1">
   <p:cSld name="Title, Content">
     <p:spTree>
       <p:nvGrpSpPr>
@@ -1222,16 +1428,17 @@
           </a:prstGeom>
         </p:spPr>
         <p:txBody>
-          <a:bodyPr lIns="0" rIns="0" tIns="0" bIns="0" anchor="ctr"/>
+          <a:bodyPr lIns="0" tIns="0" rIns="0" bIns="0" anchor="ctr"/>
+          <a:lstStyle/>
           <a:p>
             <a:pPr algn="ctr"/>
-            <a:endParaRPr b="0" lang="en-GB" sz="4400" spc="-1" strike="noStrike">
-              <a:solidFill>
-                <a:srgbClr val="000000"/>
-              </a:solidFill>
-              <a:uFill>
-                <a:solidFill>
-                  <a:srgbClr val="ffffff"/>
+            <a:endParaRPr lang="en-GB" sz="4400" b="0" strike="noStrike" spc="-1">
+              <a:solidFill>
+                <a:srgbClr val="000000"/>
+              </a:solidFill>
+              <a:uFill>
+                <a:solidFill>
+                  <a:srgbClr val="FFFFFF"/>
                 </a:solidFill>
               </a:uFill>
               <a:latin typeface="Arial"/>
@@ -1259,15 +1466,16 @@
           </a:prstGeom>
         </p:spPr>
         <p:txBody>
-          <a:bodyPr lIns="0" rIns="0" tIns="0" bIns="0"/>
-          <a:p>
-            <a:endParaRPr b="0" lang="en-GB" sz="3200" spc="-1" strike="noStrike">
-              <a:solidFill>
-                <a:srgbClr val="000000"/>
-              </a:solidFill>
-              <a:uFill>
-                <a:solidFill>
-                  <a:srgbClr val="ffffff"/>
+          <a:bodyPr lIns="0" tIns="0" rIns="0" bIns="0"/>
+          <a:lstStyle/>
+          <a:p>
+            <a:endParaRPr lang="en-GB" sz="3200" b="0" strike="noStrike" spc="-1">
+              <a:solidFill>
+                <a:srgbClr val="000000"/>
+              </a:solidFill>
+              <a:uFill>
+                <a:solidFill>
+                  <a:srgbClr val="FFFFFF"/>
                 </a:solidFill>
               </a:uFill>
               <a:latin typeface="Arial"/>
@@ -1277,11 +1485,14 @@
       </p:sp>
     </p:spTree>
   </p:cSld>
+  <p:clrMapOvr>
+    <a:masterClrMapping/>
+  </p:clrMapOvr>
 </p:sldLayout>
 </file>
 
 <file path=ppt/slideLayouts/slideLayout16.xml><?xml version="1.0" encoding="utf-8"?>
-<p:sldLayout xmlns:a="http://schemas.openxmlformats.org/drawingml/2006/main" xmlns:p="http://schemas.openxmlformats.org/presentationml/2006/main" xmlns:r="http://schemas.openxmlformats.org/officeDocument/2006/relationships" xmlns:p14="http://schemas.microsoft.com/office/powerpoint/2010/main" xmlns:p15="http://schemas.microsoft.com/office/powerpoint/2012/main" xmlns:mc="http://schemas.openxmlformats.org/markup-compatibility/2006" type="twoObj" preserve="1">
+<p:sldLayout xmlns:a="http://schemas.openxmlformats.org/drawingml/2006/main" xmlns:r="http://schemas.openxmlformats.org/officeDocument/2006/relationships" xmlns:p="http://schemas.openxmlformats.org/presentationml/2006/main" type="twoObj" preserve="1">
   <p:cSld name="Title, 2 Content">
     <p:spTree>
       <p:nvGrpSpPr>
@@ -1317,16 +1528,17 @@
           </a:prstGeom>
         </p:spPr>
         <p:txBody>
-          <a:bodyPr lIns="0" rIns="0" tIns="0" bIns="0" anchor="ctr"/>
+          <a:bodyPr lIns="0" tIns="0" rIns="0" bIns="0" anchor="ctr"/>
+          <a:lstStyle/>
           <a:p>
             <a:pPr algn="ctr"/>
-            <a:endParaRPr b="0" lang="en-GB" sz="4400" spc="-1" strike="noStrike">
-              <a:solidFill>
-                <a:srgbClr val="000000"/>
-              </a:solidFill>
-              <a:uFill>
-                <a:solidFill>
-                  <a:srgbClr val="ffffff"/>
+            <a:endParaRPr lang="en-GB" sz="4400" b="0" strike="noStrike" spc="-1">
+              <a:solidFill>
+                <a:srgbClr val="000000"/>
+              </a:solidFill>
+              <a:uFill>
+                <a:solidFill>
+                  <a:srgbClr val="FFFFFF"/>
                 </a:solidFill>
               </a:uFill>
               <a:latin typeface="Arial"/>
@@ -1354,15 +1566,16 @@
           </a:prstGeom>
         </p:spPr>
         <p:txBody>
-          <a:bodyPr lIns="0" rIns="0" tIns="0" bIns="0"/>
-          <a:p>
-            <a:endParaRPr b="0" lang="en-GB" sz="3200" spc="-1" strike="noStrike">
-              <a:solidFill>
-                <a:srgbClr val="000000"/>
-              </a:solidFill>
-              <a:uFill>
-                <a:solidFill>
-                  <a:srgbClr val="ffffff"/>
+          <a:bodyPr lIns="0" tIns="0" rIns="0" bIns="0"/>
+          <a:lstStyle/>
+          <a:p>
+            <a:endParaRPr lang="en-GB" sz="3200" b="0" strike="noStrike" spc="-1">
+              <a:solidFill>
+                <a:srgbClr val="000000"/>
+              </a:solidFill>
+              <a:uFill>
+                <a:solidFill>
+                  <a:srgbClr val="FFFFFF"/>
                 </a:solidFill>
               </a:uFill>
               <a:latin typeface="Arial"/>
@@ -1390,15 +1603,16 @@
           </a:prstGeom>
         </p:spPr>
         <p:txBody>
-          <a:bodyPr lIns="0" rIns="0" tIns="0" bIns="0"/>
-          <a:p>
-            <a:endParaRPr b="0" lang="en-GB" sz="3200" spc="-1" strike="noStrike">
-              <a:solidFill>
-                <a:srgbClr val="000000"/>
-              </a:solidFill>
-              <a:uFill>
-                <a:solidFill>
-                  <a:srgbClr val="ffffff"/>
+          <a:bodyPr lIns="0" tIns="0" rIns="0" bIns="0"/>
+          <a:lstStyle/>
+          <a:p>
+            <a:endParaRPr lang="en-GB" sz="3200" b="0" strike="noStrike" spc="-1">
+              <a:solidFill>
+                <a:srgbClr val="000000"/>
+              </a:solidFill>
+              <a:uFill>
+                <a:solidFill>
+                  <a:srgbClr val="FFFFFF"/>
                 </a:solidFill>
               </a:uFill>
               <a:latin typeface="Arial"/>
@@ -1408,11 +1622,14 @@
       </p:sp>
     </p:spTree>
   </p:cSld>
+  <p:clrMapOvr>
+    <a:masterClrMapping/>
+  </p:clrMapOvr>
 </p:sldLayout>
 </file>
 
 <file path=ppt/slideLayouts/slideLayout17.xml><?xml version="1.0" encoding="utf-8"?>
-<p:sldLayout xmlns:a="http://schemas.openxmlformats.org/drawingml/2006/main" xmlns:p="http://schemas.openxmlformats.org/presentationml/2006/main" xmlns:r="http://schemas.openxmlformats.org/officeDocument/2006/relationships" xmlns:p14="http://schemas.microsoft.com/office/powerpoint/2010/main" xmlns:p15="http://schemas.microsoft.com/office/powerpoint/2012/main" xmlns:mc="http://schemas.openxmlformats.org/markup-compatibility/2006" type="titleOnly" preserve="1">
+<p:sldLayout xmlns:a="http://schemas.openxmlformats.org/drawingml/2006/main" xmlns:r="http://schemas.openxmlformats.org/officeDocument/2006/relationships" xmlns:p="http://schemas.openxmlformats.org/presentationml/2006/main" type="titleOnly" preserve="1">
   <p:cSld name="Title Only">
     <p:spTree>
       <p:nvGrpSpPr>
@@ -1448,16 +1665,17 @@
           </a:prstGeom>
         </p:spPr>
         <p:txBody>
-          <a:bodyPr lIns="0" rIns="0" tIns="0" bIns="0" anchor="ctr"/>
+          <a:bodyPr lIns="0" tIns="0" rIns="0" bIns="0" anchor="ctr"/>
+          <a:lstStyle/>
           <a:p>
             <a:pPr algn="ctr"/>
-            <a:endParaRPr b="0" lang="en-GB" sz="4400" spc="-1" strike="noStrike">
-              <a:solidFill>
-                <a:srgbClr val="000000"/>
-              </a:solidFill>
-              <a:uFill>
-                <a:solidFill>
-                  <a:srgbClr val="ffffff"/>
+            <a:endParaRPr lang="en-GB" sz="4400" b="0" strike="noStrike" spc="-1">
+              <a:solidFill>
+                <a:srgbClr val="000000"/>
+              </a:solidFill>
+              <a:uFill>
+                <a:solidFill>
+                  <a:srgbClr val="FFFFFF"/>
                 </a:solidFill>
               </a:uFill>
               <a:latin typeface="Arial"/>
@@ -1467,11 +1685,14 @@
       </p:sp>
     </p:spTree>
   </p:cSld>
+  <p:clrMapOvr>
+    <a:masterClrMapping/>
+  </p:clrMapOvr>
 </p:sldLayout>
 </file>
 
 <file path=ppt/slideLayouts/slideLayout18.xml><?xml version="1.0" encoding="utf-8"?>
-<p:sldLayout xmlns:a="http://schemas.openxmlformats.org/drawingml/2006/main" xmlns:p="http://schemas.openxmlformats.org/presentationml/2006/main" xmlns:r="http://schemas.openxmlformats.org/officeDocument/2006/relationships" xmlns:p14="http://schemas.microsoft.com/office/powerpoint/2010/main" xmlns:p15="http://schemas.microsoft.com/office/powerpoint/2012/main" xmlns:mc="http://schemas.openxmlformats.org/markup-compatibility/2006" type="objOnly" preserve="1">
+<p:sldLayout xmlns:a="http://schemas.openxmlformats.org/drawingml/2006/main" xmlns:r="http://schemas.openxmlformats.org/officeDocument/2006/relationships" xmlns:p="http://schemas.openxmlformats.org/presentationml/2006/main" type="objOnly" preserve="1">
   <p:cSld name="Centered Text">
     <p:spTree>
       <p:nvGrpSpPr>
@@ -1507,16 +1728,17 @@
           </a:prstGeom>
         </p:spPr>
         <p:txBody>
-          <a:bodyPr lIns="0" rIns="0" tIns="0" bIns="0" anchor="ctr"/>
+          <a:bodyPr lIns="0" tIns="0" rIns="0" bIns="0" anchor="ctr"/>
+          <a:lstStyle/>
           <a:p>
             <a:pPr algn="ctr"/>
-            <a:endParaRPr b="0" lang="en-GB" sz="3200" spc="-1" strike="noStrike">
-              <a:solidFill>
-                <a:srgbClr val="000000"/>
-              </a:solidFill>
-              <a:uFill>
-                <a:solidFill>
-                  <a:srgbClr val="ffffff"/>
+            <a:endParaRPr lang="en-GB" sz="3200" b="0" strike="noStrike" spc="-1">
+              <a:solidFill>
+                <a:srgbClr val="000000"/>
+              </a:solidFill>
+              <a:uFill>
+                <a:solidFill>
+                  <a:srgbClr val="FFFFFF"/>
                 </a:solidFill>
               </a:uFill>
               <a:latin typeface="Arial"/>
@@ -1526,11 +1748,14 @@
       </p:sp>
     </p:spTree>
   </p:cSld>
+  <p:clrMapOvr>
+    <a:masterClrMapping/>
+  </p:clrMapOvr>
 </p:sldLayout>
 </file>
 
 <file path=ppt/slideLayouts/slideLayout19.xml><?xml version="1.0" encoding="utf-8"?>
-<p:sldLayout xmlns:a="http://schemas.openxmlformats.org/drawingml/2006/main" xmlns:p="http://schemas.openxmlformats.org/presentationml/2006/main" xmlns:r="http://schemas.openxmlformats.org/officeDocument/2006/relationships" xmlns:p14="http://schemas.microsoft.com/office/powerpoint/2010/main" xmlns:p15="http://schemas.microsoft.com/office/powerpoint/2012/main" xmlns:mc="http://schemas.openxmlformats.org/markup-compatibility/2006" type="twoObjAndObj" preserve="1">
+<p:sldLayout xmlns:a="http://schemas.openxmlformats.org/drawingml/2006/main" xmlns:r="http://schemas.openxmlformats.org/officeDocument/2006/relationships" xmlns:p="http://schemas.openxmlformats.org/presentationml/2006/main" type="twoObjAndObj" preserve="1">
   <p:cSld name="Title, 2 Content and Content">
     <p:spTree>
       <p:nvGrpSpPr>
@@ -1566,16 +1791,17 @@
           </a:prstGeom>
         </p:spPr>
         <p:txBody>
-          <a:bodyPr lIns="0" rIns="0" tIns="0" bIns="0" anchor="ctr"/>
+          <a:bodyPr lIns="0" tIns="0" rIns="0" bIns="0" anchor="ctr"/>
+          <a:lstStyle/>
           <a:p>
             <a:pPr algn="ctr"/>
-            <a:endParaRPr b="0" lang="en-GB" sz="4400" spc="-1" strike="noStrike">
-              <a:solidFill>
-                <a:srgbClr val="000000"/>
-              </a:solidFill>
-              <a:uFill>
-                <a:solidFill>
-                  <a:srgbClr val="ffffff"/>
+            <a:endParaRPr lang="en-GB" sz="4400" b="0" strike="noStrike" spc="-1">
+              <a:solidFill>
+                <a:srgbClr val="000000"/>
+              </a:solidFill>
+              <a:uFill>
+                <a:solidFill>
+                  <a:srgbClr val="FFFFFF"/>
                 </a:solidFill>
               </a:uFill>
               <a:latin typeface="Arial"/>
@@ -1603,15 +1829,16 @@
           </a:prstGeom>
         </p:spPr>
         <p:txBody>
-          <a:bodyPr lIns="0" rIns="0" tIns="0" bIns="0"/>
-          <a:p>
-            <a:endParaRPr b="0" lang="en-GB" sz="3200" spc="-1" strike="noStrike">
-              <a:solidFill>
-                <a:srgbClr val="000000"/>
-              </a:solidFill>
-              <a:uFill>
-                <a:solidFill>
-                  <a:srgbClr val="ffffff"/>
+          <a:bodyPr lIns="0" tIns="0" rIns="0" bIns="0"/>
+          <a:lstStyle/>
+          <a:p>
+            <a:endParaRPr lang="en-GB" sz="3200" b="0" strike="noStrike" spc="-1">
+              <a:solidFill>
+                <a:srgbClr val="000000"/>
+              </a:solidFill>
+              <a:uFill>
+                <a:solidFill>
+                  <a:srgbClr val="FFFFFF"/>
                 </a:solidFill>
               </a:uFill>
               <a:latin typeface="Arial"/>
@@ -1639,15 +1866,16 @@
           </a:prstGeom>
         </p:spPr>
         <p:txBody>
-          <a:bodyPr lIns="0" rIns="0" tIns="0" bIns="0"/>
-          <a:p>
-            <a:endParaRPr b="0" lang="en-GB" sz="3200" spc="-1" strike="noStrike">
-              <a:solidFill>
-                <a:srgbClr val="000000"/>
-              </a:solidFill>
-              <a:uFill>
-                <a:solidFill>
-                  <a:srgbClr val="ffffff"/>
+          <a:bodyPr lIns="0" tIns="0" rIns="0" bIns="0"/>
+          <a:lstStyle/>
+          <a:p>
+            <a:endParaRPr lang="en-GB" sz="3200" b="0" strike="noStrike" spc="-1">
+              <a:solidFill>
+                <a:srgbClr val="000000"/>
+              </a:solidFill>
+              <a:uFill>
+                <a:solidFill>
+                  <a:srgbClr val="FFFFFF"/>
                 </a:solidFill>
               </a:uFill>
               <a:latin typeface="Arial"/>
@@ -1675,15 +1903,16 @@
           </a:prstGeom>
         </p:spPr>
         <p:txBody>
-          <a:bodyPr lIns="0" rIns="0" tIns="0" bIns="0"/>
-          <a:p>
-            <a:endParaRPr b="0" lang="en-GB" sz="3200" spc="-1" strike="noStrike">
-              <a:solidFill>
-                <a:srgbClr val="000000"/>
-              </a:solidFill>
-              <a:uFill>
-                <a:solidFill>
-                  <a:srgbClr val="ffffff"/>
+          <a:bodyPr lIns="0" tIns="0" rIns="0" bIns="0"/>
+          <a:lstStyle/>
+          <a:p>
+            <a:endParaRPr lang="en-GB" sz="3200" b="0" strike="noStrike" spc="-1">
+              <a:solidFill>
+                <a:srgbClr val="000000"/>
+              </a:solidFill>
+              <a:uFill>
+                <a:solidFill>
+                  <a:srgbClr val="FFFFFF"/>
                 </a:solidFill>
               </a:uFill>
               <a:latin typeface="Arial"/>
@@ -1693,11 +1922,14 @@
       </p:sp>
     </p:spTree>
   </p:cSld>
+  <p:clrMapOvr>
+    <a:masterClrMapping/>
+  </p:clrMapOvr>
 </p:sldLayout>
 </file>
 
 <file path=ppt/slideLayouts/slideLayout2.xml><?xml version="1.0" encoding="utf-8"?>
-<p:sldLayout xmlns:a="http://schemas.openxmlformats.org/drawingml/2006/main" xmlns:p="http://schemas.openxmlformats.org/presentationml/2006/main" xmlns:r="http://schemas.openxmlformats.org/officeDocument/2006/relationships" xmlns:p14="http://schemas.microsoft.com/office/powerpoint/2010/main" xmlns:p15="http://schemas.microsoft.com/office/powerpoint/2012/main" xmlns:mc="http://schemas.openxmlformats.org/markup-compatibility/2006" type="tx" preserve="1">
+<p:sldLayout xmlns:a="http://schemas.openxmlformats.org/drawingml/2006/main" xmlns:r="http://schemas.openxmlformats.org/officeDocument/2006/relationships" xmlns:p="http://schemas.openxmlformats.org/presentationml/2006/main" type="tx" preserve="1">
   <p:cSld name="Title Slide">
     <p:spTree>
       <p:nvGrpSpPr>
@@ -1733,16 +1965,17 @@
           </a:prstGeom>
         </p:spPr>
         <p:txBody>
-          <a:bodyPr lIns="0" rIns="0" tIns="0" bIns="0" anchor="ctr"/>
+          <a:bodyPr lIns="0" tIns="0" rIns="0" bIns="0" anchor="ctr"/>
+          <a:lstStyle/>
           <a:p>
             <a:pPr algn="ctr"/>
-            <a:endParaRPr b="0" lang="en-GB" sz="4400" spc="-1" strike="noStrike">
-              <a:solidFill>
-                <a:srgbClr val="000000"/>
-              </a:solidFill>
-              <a:uFill>
-                <a:solidFill>
-                  <a:srgbClr val="ffffff"/>
+            <a:endParaRPr lang="en-GB" sz="4400" b="0" strike="noStrike" spc="-1">
+              <a:solidFill>
+                <a:srgbClr val="000000"/>
+              </a:solidFill>
+              <a:uFill>
+                <a:solidFill>
+                  <a:srgbClr val="FFFFFF"/>
                 </a:solidFill>
               </a:uFill>
               <a:latin typeface="Arial"/>
@@ -1770,16 +2003,17 @@
           </a:prstGeom>
         </p:spPr>
         <p:txBody>
-          <a:bodyPr lIns="0" rIns="0" tIns="0" bIns="0" anchor="ctr"/>
+          <a:bodyPr lIns="0" tIns="0" rIns="0" bIns="0" anchor="ctr"/>
+          <a:lstStyle/>
           <a:p>
             <a:pPr algn="ctr"/>
-            <a:endParaRPr b="0" lang="en-GB" sz="3200" spc="-1" strike="noStrike">
-              <a:solidFill>
-                <a:srgbClr val="000000"/>
-              </a:solidFill>
-              <a:uFill>
-                <a:solidFill>
-                  <a:srgbClr val="ffffff"/>
+            <a:endParaRPr lang="en-GB" sz="3200" b="0" strike="noStrike" spc="-1">
+              <a:solidFill>
+                <a:srgbClr val="000000"/>
+              </a:solidFill>
+              <a:uFill>
+                <a:solidFill>
+                  <a:srgbClr val="FFFFFF"/>
                 </a:solidFill>
               </a:uFill>
               <a:latin typeface="Arial"/>
@@ -1789,11 +2023,14 @@
       </p:sp>
     </p:spTree>
   </p:cSld>
+  <p:clrMapOvr>
+    <a:masterClrMapping/>
+  </p:clrMapOvr>
 </p:sldLayout>
 </file>
 
 <file path=ppt/slideLayouts/slideLayout20.xml><?xml version="1.0" encoding="utf-8"?>
-<p:sldLayout xmlns:a="http://schemas.openxmlformats.org/drawingml/2006/main" xmlns:p="http://schemas.openxmlformats.org/presentationml/2006/main" xmlns:r="http://schemas.openxmlformats.org/officeDocument/2006/relationships" xmlns:p14="http://schemas.microsoft.com/office/powerpoint/2010/main" xmlns:p15="http://schemas.microsoft.com/office/powerpoint/2012/main" xmlns:mc="http://schemas.openxmlformats.org/markup-compatibility/2006" type="objAndTwoObj" preserve="1">
+<p:sldLayout xmlns:a="http://schemas.openxmlformats.org/drawingml/2006/main" xmlns:r="http://schemas.openxmlformats.org/officeDocument/2006/relationships" xmlns:p="http://schemas.openxmlformats.org/presentationml/2006/main" type="objAndTwoObj" preserve="1">
   <p:cSld name="Title Content and 2 Content">
     <p:spTree>
       <p:nvGrpSpPr>
@@ -1829,16 +2066,17 @@
           </a:prstGeom>
         </p:spPr>
         <p:txBody>
-          <a:bodyPr lIns="0" rIns="0" tIns="0" bIns="0" anchor="ctr"/>
+          <a:bodyPr lIns="0" tIns="0" rIns="0" bIns="0" anchor="ctr"/>
+          <a:lstStyle/>
           <a:p>
             <a:pPr algn="ctr"/>
-            <a:endParaRPr b="0" lang="en-GB" sz="4400" spc="-1" strike="noStrike">
-              <a:solidFill>
-                <a:srgbClr val="000000"/>
-              </a:solidFill>
-              <a:uFill>
-                <a:solidFill>
-                  <a:srgbClr val="ffffff"/>
+            <a:endParaRPr lang="en-GB" sz="4400" b="0" strike="noStrike" spc="-1">
+              <a:solidFill>
+                <a:srgbClr val="000000"/>
+              </a:solidFill>
+              <a:uFill>
+                <a:solidFill>
+                  <a:srgbClr val="FFFFFF"/>
                 </a:solidFill>
               </a:uFill>
               <a:latin typeface="Arial"/>
@@ -1866,15 +2104,16 @@
           </a:prstGeom>
         </p:spPr>
         <p:txBody>
-          <a:bodyPr lIns="0" rIns="0" tIns="0" bIns="0"/>
-          <a:p>
-            <a:endParaRPr b="0" lang="en-GB" sz="3200" spc="-1" strike="noStrike">
-              <a:solidFill>
-                <a:srgbClr val="000000"/>
-              </a:solidFill>
-              <a:uFill>
-                <a:solidFill>
-                  <a:srgbClr val="ffffff"/>
+          <a:bodyPr lIns="0" tIns="0" rIns="0" bIns="0"/>
+          <a:lstStyle/>
+          <a:p>
+            <a:endParaRPr lang="en-GB" sz="3200" b="0" strike="noStrike" spc="-1">
+              <a:solidFill>
+                <a:srgbClr val="000000"/>
+              </a:solidFill>
+              <a:uFill>
+                <a:solidFill>
+                  <a:srgbClr val="FFFFFF"/>
                 </a:solidFill>
               </a:uFill>
               <a:latin typeface="Arial"/>
@@ -1902,15 +2141,16 @@
           </a:prstGeom>
         </p:spPr>
         <p:txBody>
-          <a:bodyPr lIns="0" rIns="0" tIns="0" bIns="0"/>
-          <a:p>
-            <a:endParaRPr b="0" lang="en-GB" sz="3200" spc="-1" strike="noStrike">
-              <a:solidFill>
-                <a:srgbClr val="000000"/>
-              </a:solidFill>
-              <a:uFill>
-                <a:solidFill>
-                  <a:srgbClr val="ffffff"/>
+          <a:bodyPr lIns="0" tIns="0" rIns="0" bIns="0"/>
+          <a:lstStyle/>
+          <a:p>
+            <a:endParaRPr lang="en-GB" sz="3200" b="0" strike="noStrike" spc="-1">
+              <a:solidFill>
+                <a:srgbClr val="000000"/>
+              </a:solidFill>
+              <a:uFill>
+                <a:solidFill>
+                  <a:srgbClr val="FFFFFF"/>
                 </a:solidFill>
               </a:uFill>
               <a:latin typeface="Arial"/>
@@ -1938,15 +2178,16 @@
           </a:prstGeom>
         </p:spPr>
         <p:txBody>
-          <a:bodyPr lIns="0" rIns="0" tIns="0" bIns="0"/>
-          <a:p>
-            <a:endParaRPr b="0" lang="en-GB" sz="3200" spc="-1" strike="noStrike">
-              <a:solidFill>
-                <a:srgbClr val="000000"/>
-              </a:solidFill>
-              <a:uFill>
-                <a:solidFill>
-                  <a:srgbClr val="ffffff"/>
+          <a:bodyPr lIns="0" tIns="0" rIns="0" bIns="0"/>
+          <a:lstStyle/>
+          <a:p>
+            <a:endParaRPr lang="en-GB" sz="3200" b="0" strike="noStrike" spc="-1">
+              <a:solidFill>
+                <a:srgbClr val="000000"/>
+              </a:solidFill>
+              <a:uFill>
+                <a:solidFill>
+                  <a:srgbClr val="FFFFFF"/>
                 </a:solidFill>
               </a:uFill>
               <a:latin typeface="Arial"/>
@@ -1956,11 +2197,14 @@
       </p:sp>
     </p:spTree>
   </p:cSld>
+  <p:clrMapOvr>
+    <a:masterClrMapping/>
+  </p:clrMapOvr>
 </p:sldLayout>
 </file>
 
 <file path=ppt/slideLayouts/slideLayout21.xml><?xml version="1.0" encoding="utf-8"?>
-<p:sldLayout xmlns:a="http://schemas.openxmlformats.org/drawingml/2006/main" xmlns:p="http://schemas.openxmlformats.org/presentationml/2006/main" xmlns:r="http://schemas.openxmlformats.org/officeDocument/2006/relationships" xmlns:p14="http://schemas.microsoft.com/office/powerpoint/2010/main" xmlns:p15="http://schemas.microsoft.com/office/powerpoint/2012/main" xmlns:mc="http://schemas.openxmlformats.org/markup-compatibility/2006" type="twoObjOverTx" preserve="1">
+<p:sldLayout xmlns:a="http://schemas.openxmlformats.org/drawingml/2006/main" xmlns:r="http://schemas.openxmlformats.org/officeDocument/2006/relationships" xmlns:p="http://schemas.openxmlformats.org/presentationml/2006/main" type="twoObjOverTx" preserve="1">
   <p:cSld name="Title, 2 Content over Content">
     <p:spTree>
       <p:nvGrpSpPr>
@@ -1996,16 +2240,17 @@
           </a:prstGeom>
         </p:spPr>
         <p:txBody>
-          <a:bodyPr lIns="0" rIns="0" tIns="0" bIns="0" anchor="ctr"/>
+          <a:bodyPr lIns="0" tIns="0" rIns="0" bIns="0" anchor="ctr"/>
+          <a:lstStyle/>
           <a:p>
             <a:pPr algn="ctr"/>
-            <a:endParaRPr b="0" lang="en-GB" sz="4400" spc="-1" strike="noStrike">
-              <a:solidFill>
-                <a:srgbClr val="000000"/>
-              </a:solidFill>
-              <a:uFill>
-                <a:solidFill>
-                  <a:srgbClr val="ffffff"/>
+            <a:endParaRPr lang="en-GB" sz="4400" b="0" strike="noStrike" spc="-1">
+              <a:solidFill>
+                <a:srgbClr val="000000"/>
+              </a:solidFill>
+              <a:uFill>
+                <a:solidFill>
+                  <a:srgbClr val="FFFFFF"/>
                 </a:solidFill>
               </a:uFill>
               <a:latin typeface="Arial"/>
@@ -2033,15 +2278,16 @@
           </a:prstGeom>
         </p:spPr>
         <p:txBody>
-          <a:bodyPr lIns="0" rIns="0" tIns="0" bIns="0"/>
-          <a:p>
-            <a:endParaRPr b="0" lang="en-GB" sz="3200" spc="-1" strike="noStrike">
-              <a:solidFill>
-                <a:srgbClr val="000000"/>
-              </a:solidFill>
-              <a:uFill>
-                <a:solidFill>
-                  <a:srgbClr val="ffffff"/>
+          <a:bodyPr lIns="0" tIns="0" rIns="0" bIns="0"/>
+          <a:lstStyle/>
+          <a:p>
+            <a:endParaRPr lang="en-GB" sz="3200" b="0" strike="noStrike" spc="-1">
+              <a:solidFill>
+                <a:srgbClr val="000000"/>
+              </a:solidFill>
+              <a:uFill>
+                <a:solidFill>
+                  <a:srgbClr val="FFFFFF"/>
                 </a:solidFill>
               </a:uFill>
               <a:latin typeface="Arial"/>
@@ -2069,15 +2315,16 @@
           </a:prstGeom>
         </p:spPr>
         <p:txBody>
-          <a:bodyPr lIns="0" rIns="0" tIns="0" bIns="0"/>
-          <a:p>
-            <a:endParaRPr b="0" lang="en-GB" sz="3200" spc="-1" strike="noStrike">
-              <a:solidFill>
-                <a:srgbClr val="000000"/>
-              </a:solidFill>
-              <a:uFill>
-                <a:solidFill>
-                  <a:srgbClr val="ffffff"/>
+          <a:bodyPr lIns="0" tIns="0" rIns="0" bIns="0"/>
+          <a:lstStyle/>
+          <a:p>
+            <a:endParaRPr lang="en-GB" sz="3200" b="0" strike="noStrike" spc="-1">
+              <a:solidFill>
+                <a:srgbClr val="000000"/>
+              </a:solidFill>
+              <a:uFill>
+                <a:solidFill>
+                  <a:srgbClr val="FFFFFF"/>
                 </a:solidFill>
               </a:uFill>
               <a:latin typeface="Arial"/>
@@ -2105,15 +2352,16 @@
           </a:prstGeom>
         </p:spPr>
         <p:txBody>
-          <a:bodyPr lIns="0" rIns="0" tIns="0" bIns="0"/>
-          <a:p>
-            <a:endParaRPr b="0" lang="en-GB" sz="3200" spc="-1" strike="noStrike">
-              <a:solidFill>
-                <a:srgbClr val="000000"/>
-              </a:solidFill>
-              <a:uFill>
-                <a:solidFill>
-                  <a:srgbClr val="ffffff"/>
+          <a:bodyPr lIns="0" tIns="0" rIns="0" bIns="0"/>
+          <a:lstStyle/>
+          <a:p>
+            <a:endParaRPr lang="en-GB" sz="3200" b="0" strike="noStrike" spc="-1">
+              <a:solidFill>
+                <a:srgbClr val="000000"/>
+              </a:solidFill>
+              <a:uFill>
+                <a:solidFill>
+                  <a:srgbClr val="FFFFFF"/>
                 </a:solidFill>
               </a:uFill>
               <a:latin typeface="Arial"/>
@@ -2123,11 +2371,14 @@
       </p:sp>
     </p:spTree>
   </p:cSld>
+  <p:clrMapOvr>
+    <a:masterClrMapping/>
+  </p:clrMapOvr>
 </p:sldLayout>
 </file>
 
 <file path=ppt/slideLayouts/slideLayout22.xml><?xml version="1.0" encoding="utf-8"?>
-<p:sldLayout xmlns:a="http://schemas.openxmlformats.org/drawingml/2006/main" xmlns:p="http://schemas.openxmlformats.org/presentationml/2006/main" xmlns:r="http://schemas.openxmlformats.org/officeDocument/2006/relationships" xmlns:p14="http://schemas.microsoft.com/office/powerpoint/2010/main" xmlns:p15="http://schemas.microsoft.com/office/powerpoint/2012/main" xmlns:mc="http://schemas.openxmlformats.org/markup-compatibility/2006" type="objOverTx" preserve="1">
+<p:sldLayout xmlns:a="http://schemas.openxmlformats.org/drawingml/2006/main" xmlns:r="http://schemas.openxmlformats.org/officeDocument/2006/relationships" xmlns:p="http://schemas.openxmlformats.org/presentationml/2006/main" type="objOverTx" preserve="1">
   <p:cSld name="Title, Content over Content">
     <p:spTree>
       <p:nvGrpSpPr>
@@ -2163,16 +2414,17 @@
           </a:prstGeom>
         </p:spPr>
         <p:txBody>
-          <a:bodyPr lIns="0" rIns="0" tIns="0" bIns="0" anchor="ctr"/>
+          <a:bodyPr lIns="0" tIns="0" rIns="0" bIns="0" anchor="ctr"/>
+          <a:lstStyle/>
           <a:p>
             <a:pPr algn="ctr"/>
-            <a:endParaRPr b="0" lang="en-GB" sz="4400" spc="-1" strike="noStrike">
-              <a:solidFill>
-                <a:srgbClr val="000000"/>
-              </a:solidFill>
-              <a:uFill>
-                <a:solidFill>
-                  <a:srgbClr val="ffffff"/>
+            <a:endParaRPr lang="en-GB" sz="4400" b="0" strike="noStrike" spc="-1">
+              <a:solidFill>
+                <a:srgbClr val="000000"/>
+              </a:solidFill>
+              <a:uFill>
+                <a:solidFill>
+                  <a:srgbClr val="FFFFFF"/>
                 </a:solidFill>
               </a:uFill>
               <a:latin typeface="Arial"/>
@@ -2200,15 +2452,16 @@
           </a:prstGeom>
         </p:spPr>
         <p:txBody>
-          <a:bodyPr lIns="0" rIns="0" tIns="0" bIns="0"/>
-          <a:p>
-            <a:endParaRPr b="0" lang="en-GB" sz="3200" spc="-1" strike="noStrike">
-              <a:solidFill>
-                <a:srgbClr val="000000"/>
-              </a:solidFill>
-              <a:uFill>
-                <a:solidFill>
-                  <a:srgbClr val="ffffff"/>
+          <a:bodyPr lIns="0" tIns="0" rIns="0" bIns="0"/>
+          <a:lstStyle/>
+          <a:p>
+            <a:endParaRPr lang="en-GB" sz="3200" b="0" strike="noStrike" spc="-1">
+              <a:solidFill>
+                <a:srgbClr val="000000"/>
+              </a:solidFill>
+              <a:uFill>
+                <a:solidFill>
+                  <a:srgbClr val="FFFFFF"/>
                 </a:solidFill>
               </a:uFill>
               <a:latin typeface="Arial"/>
@@ -2236,15 +2489,16 @@
           </a:prstGeom>
         </p:spPr>
         <p:txBody>
-          <a:bodyPr lIns="0" rIns="0" tIns="0" bIns="0"/>
-          <a:p>
-            <a:endParaRPr b="0" lang="en-GB" sz="3200" spc="-1" strike="noStrike">
-              <a:solidFill>
-                <a:srgbClr val="000000"/>
-              </a:solidFill>
-              <a:uFill>
-                <a:solidFill>
-                  <a:srgbClr val="ffffff"/>
+          <a:bodyPr lIns="0" tIns="0" rIns="0" bIns="0"/>
+          <a:lstStyle/>
+          <a:p>
+            <a:endParaRPr lang="en-GB" sz="3200" b="0" strike="noStrike" spc="-1">
+              <a:solidFill>
+                <a:srgbClr val="000000"/>
+              </a:solidFill>
+              <a:uFill>
+                <a:solidFill>
+                  <a:srgbClr val="FFFFFF"/>
                 </a:solidFill>
               </a:uFill>
               <a:latin typeface="Arial"/>
@@ -2254,11 +2508,14 @@
       </p:sp>
     </p:spTree>
   </p:cSld>
+  <p:clrMapOvr>
+    <a:masterClrMapping/>
+  </p:clrMapOvr>
 </p:sldLayout>
 </file>
 
 <file path=ppt/slideLayouts/slideLayout23.xml><?xml version="1.0" encoding="utf-8"?>
-<p:sldLayout xmlns:a="http://schemas.openxmlformats.org/drawingml/2006/main" xmlns:p="http://schemas.openxmlformats.org/presentationml/2006/main" xmlns:r="http://schemas.openxmlformats.org/officeDocument/2006/relationships" xmlns:p14="http://schemas.microsoft.com/office/powerpoint/2010/main" xmlns:p15="http://schemas.microsoft.com/office/powerpoint/2012/main" xmlns:mc="http://schemas.openxmlformats.org/markup-compatibility/2006" type="fourObj" preserve="1">
+<p:sldLayout xmlns:a="http://schemas.openxmlformats.org/drawingml/2006/main" xmlns:r="http://schemas.openxmlformats.org/officeDocument/2006/relationships" xmlns:p="http://schemas.openxmlformats.org/presentationml/2006/main" type="fourObj" preserve="1">
   <p:cSld name="Title, 4 Content">
     <p:spTree>
       <p:nvGrpSpPr>
@@ -2294,16 +2551,17 @@
           </a:prstGeom>
         </p:spPr>
         <p:txBody>
-          <a:bodyPr lIns="0" rIns="0" tIns="0" bIns="0" anchor="ctr"/>
+          <a:bodyPr lIns="0" tIns="0" rIns="0" bIns="0" anchor="ctr"/>
+          <a:lstStyle/>
           <a:p>
             <a:pPr algn="ctr"/>
-            <a:endParaRPr b="0" lang="en-GB" sz="4400" spc="-1" strike="noStrike">
-              <a:solidFill>
-                <a:srgbClr val="000000"/>
-              </a:solidFill>
-              <a:uFill>
-                <a:solidFill>
-                  <a:srgbClr val="ffffff"/>
+            <a:endParaRPr lang="en-GB" sz="4400" b="0" strike="noStrike" spc="-1">
+              <a:solidFill>
+                <a:srgbClr val="000000"/>
+              </a:solidFill>
+              <a:uFill>
+                <a:solidFill>
+                  <a:srgbClr val="FFFFFF"/>
                 </a:solidFill>
               </a:uFill>
               <a:latin typeface="Arial"/>
@@ -2331,15 +2589,16 @@
           </a:prstGeom>
         </p:spPr>
         <p:txBody>
-          <a:bodyPr lIns="0" rIns="0" tIns="0" bIns="0"/>
-          <a:p>
-            <a:endParaRPr b="0" lang="en-GB" sz="3200" spc="-1" strike="noStrike">
-              <a:solidFill>
-                <a:srgbClr val="000000"/>
-              </a:solidFill>
-              <a:uFill>
-                <a:solidFill>
-                  <a:srgbClr val="ffffff"/>
+          <a:bodyPr lIns="0" tIns="0" rIns="0" bIns="0"/>
+          <a:lstStyle/>
+          <a:p>
+            <a:endParaRPr lang="en-GB" sz="3200" b="0" strike="noStrike" spc="-1">
+              <a:solidFill>
+                <a:srgbClr val="000000"/>
+              </a:solidFill>
+              <a:uFill>
+                <a:solidFill>
+                  <a:srgbClr val="FFFFFF"/>
                 </a:solidFill>
               </a:uFill>
               <a:latin typeface="Arial"/>
@@ -2367,15 +2626,16 @@
           </a:prstGeom>
         </p:spPr>
         <p:txBody>
-          <a:bodyPr lIns="0" rIns="0" tIns="0" bIns="0"/>
-          <a:p>
-            <a:endParaRPr b="0" lang="en-GB" sz="3200" spc="-1" strike="noStrike">
-              <a:solidFill>
-                <a:srgbClr val="000000"/>
-              </a:solidFill>
-              <a:uFill>
-                <a:solidFill>
-                  <a:srgbClr val="ffffff"/>
+          <a:bodyPr lIns="0" tIns="0" rIns="0" bIns="0"/>
+          <a:lstStyle/>
+          <a:p>
+            <a:endParaRPr lang="en-GB" sz="3200" b="0" strike="noStrike" spc="-1">
+              <a:solidFill>
+                <a:srgbClr val="000000"/>
+              </a:solidFill>
+              <a:uFill>
+                <a:solidFill>
+                  <a:srgbClr val="FFFFFF"/>
                 </a:solidFill>
               </a:uFill>
               <a:latin typeface="Arial"/>
@@ -2403,15 +2663,16 @@
           </a:prstGeom>
         </p:spPr>
         <p:txBody>
-          <a:bodyPr lIns="0" rIns="0" tIns="0" bIns="0"/>
-          <a:p>
-            <a:endParaRPr b="0" lang="en-GB" sz="3200" spc="-1" strike="noStrike">
-              <a:solidFill>
-                <a:srgbClr val="000000"/>
-              </a:solidFill>
-              <a:uFill>
-                <a:solidFill>
-                  <a:srgbClr val="ffffff"/>
+          <a:bodyPr lIns="0" tIns="0" rIns="0" bIns="0"/>
+          <a:lstStyle/>
+          <a:p>
+            <a:endParaRPr lang="en-GB" sz="3200" b="0" strike="noStrike" spc="-1">
+              <a:solidFill>
+                <a:srgbClr val="000000"/>
+              </a:solidFill>
+              <a:uFill>
+                <a:solidFill>
+                  <a:srgbClr val="FFFFFF"/>
                 </a:solidFill>
               </a:uFill>
               <a:latin typeface="Arial"/>
@@ -2439,15 +2700,16 @@
           </a:prstGeom>
         </p:spPr>
         <p:txBody>
-          <a:bodyPr lIns="0" rIns="0" tIns="0" bIns="0"/>
-          <a:p>
-            <a:endParaRPr b="0" lang="en-GB" sz="3200" spc="-1" strike="noStrike">
-              <a:solidFill>
-                <a:srgbClr val="000000"/>
-              </a:solidFill>
-              <a:uFill>
-                <a:solidFill>
-                  <a:srgbClr val="ffffff"/>
+          <a:bodyPr lIns="0" tIns="0" rIns="0" bIns="0"/>
+          <a:lstStyle/>
+          <a:p>
+            <a:endParaRPr lang="en-GB" sz="3200" b="0" strike="noStrike" spc="-1">
+              <a:solidFill>
+                <a:srgbClr val="000000"/>
+              </a:solidFill>
+              <a:uFill>
+                <a:solidFill>
+                  <a:srgbClr val="FFFFFF"/>
                 </a:solidFill>
               </a:uFill>
               <a:latin typeface="Arial"/>
@@ -2457,11 +2719,14 @@
       </p:sp>
     </p:spTree>
   </p:cSld>
+  <p:clrMapOvr>
+    <a:masterClrMapping/>
+  </p:clrMapOvr>
 </p:sldLayout>
 </file>
 
 <file path=ppt/slideLayouts/slideLayout24.xml><?xml version="1.0" encoding="utf-8"?>
-<p:sldLayout xmlns:a="http://schemas.openxmlformats.org/drawingml/2006/main" xmlns:p="http://schemas.openxmlformats.org/presentationml/2006/main" xmlns:r="http://schemas.openxmlformats.org/officeDocument/2006/relationships" xmlns:p14="http://schemas.microsoft.com/office/powerpoint/2010/main" xmlns:p15="http://schemas.microsoft.com/office/powerpoint/2012/main" xmlns:mc="http://schemas.openxmlformats.org/markup-compatibility/2006" type="blank" preserve="1">
+<p:sldLayout xmlns:a="http://schemas.openxmlformats.org/drawingml/2006/main" xmlns:r="http://schemas.openxmlformats.org/officeDocument/2006/relationships" xmlns:p="http://schemas.openxmlformats.org/presentationml/2006/main" type="blank" preserve="1">
   <p:cSld name="Title, 6 Content">
     <p:spTree>
       <p:nvGrpSpPr>
@@ -2497,16 +2762,17 @@
           </a:prstGeom>
         </p:spPr>
         <p:txBody>
-          <a:bodyPr lIns="0" rIns="0" tIns="0" bIns="0" anchor="ctr"/>
+          <a:bodyPr lIns="0" tIns="0" rIns="0" bIns="0" anchor="ctr"/>
+          <a:lstStyle/>
           <a:p>
             <a:pPr algn="ctr"/>
-            <a:endParaRPr b="0" lang="en-GB" sz="4400" spc="-1" strike="noStrike">
-              <a:solidFill>
-                <a:srgbClr val="000000"/>
-              </a:solidFill>
-              <a:uFill>
-                <a:solidFill>
-                  <a:srgbClr val="ffffff"/>
+            <a:endParaRPr lang="en-GB" sz="4400" b="0" strike="noStrike" spc="-1">
+              <a:solidFill>
+                <a:srgbClr val="000000"/>
+              </a:solidFill>
+              <a:uFill>
+                <a:solidFill>
+                  <a:srgbClr val="FFFFFF"/>
                 </a:solidFill>
               </a:uFill>
               <a:latin typeface="Arial"/>
@@ -2534,15 +2800,16 @@
           </a:prstGeom>
         </p:spPr>
         <p:txBody>
-          <a:bodyPr lIns="0" rIns="0" tIns="0" bIns="0"/>
-          <a:p>
-            <a:endParaRPr b="0" lang="en-GB" sz="3200" spc="-1" strike="noStrike">
-              <a:solidFill>
-                <a:srgbClr val="000000"/>
-              </a:solidFill>
-              <a:uFill>
-                <a:solidFill>
-                  <a:srgbClr val="ffffff"/>
+          <a:bodyPr lIns="0" tIns="0" rIns="0" bIns="0"/>
+          <a:lstStyle/>
+          <a:p>
+            <a:endParaRPr lang="en-GB" sz="3200" b="0" strike="noStrike" spc="-1">
+              <a:solidFill>
+                <a:srgbClr val="000000"/>
+              </a:solidFill>
+              <a:uFill>
+                <a:solidFill>
+                  <a:srgbClr val="FFFFFF"/>
                 </a:solidFill>
               </a:uFill>
               <a:latin typeface="Arial"/>
@@ -2570,15 +2837,16 @@
           </a:prstGeom>
         </p:spPr>
         <p:txBody>
-          <a:bodyPr lIns="0" rIns="0" tIns="0" bIns="0"/>
-          <a:p>
-            <a:endParaRPr b="0" lang="en-GB" sz="3200" spc="-1" strike="noStrike">
-              <a:solidFill>
-                <a:srgbClr val="000000"/>
-              </a:solidFill>
-              <a:uFill>
-                <a:solidFill>
-                  <a:srgbClr val="ffffff"/>
+          <a:bodyPr lIns="0" tIns="0" rIns="0" bIns="0"/>
+          <a:lstStyle/>
+          <a:p>
+            <a:endParaRPr lang="en-GB" sz="3200" b="0" strike="noStrike" spc="-1">
+              <a:solidFill>
+                <a:srgbClr val="000000"/>
+              </a:solidFill>
+              <a:uFill>
+                <a:solidFill>
+                  <a:srgbClr val="FFFFFF"/>
                 </a:solidFill>
               </a:uFill>
               <a:latin typeface="Arial"/>
@@ -2588,7 +2856,7 @@
       </p:sp>
       <p:pic>
         <p:nvPicPr>
-          <p:cNvPr id="70" name="" descr=""/>
+          <p:cNvPr id="70" name="Picture 69"/>
           <p:cNvPicPr/>
           <p:nvPr/>
         </p:nvPicPr>
@@ -2611,12 +2879,12 @@
       </p:pic>
       <p:pic>
         <p:nvPicPr>
-          <p:cNvPr id="71" name="" descr=""/>
+          <p:cNvPr id="71" name="Picture 70"/>
           <p:cNvPicPr/>
           <p:nvPr/>
         </p:nvPicPr>
         <p:blipFill>
-          <a:blip r:embed="rId3"/>
+          <a:blip r:embed="rId2"/>
           <a:stretch/>
         </p:blipFill>
         <p:spPr>
@@ -2634,11 +2902,14 @@
       </p:pic>
     </p:spTree>
   </p:cSld>
+  <p:clrMapOvr>
+    <a:masterClrMapping/>
+  </p:clrMapOvr>
 </p:sldLayout>
 </file>
 
 <file path=ppt/slideLayouts/slideLayout3.xml><?xml version="1.0" encoding="utf-8"?>
-<p:sldLayout xmlns:a="http://schemas.openxmlformats.org/drawingml/2006/main" xmlns:p="http://schemas.openxmlformats.org/presentationml/2006/main" xmlns:r="http://schemas.openxmlformats.org/officeDocument/2006/relationships" xmlns:p14="http://schemas.microsoft.com/office/powerpoint/2010/main" xmlns:p15="http://schemas.microsoft.com/office/powerpoint/2012/main" xmlns:mc="http://schemas.openxmlformats.org/markup-compatibility/2006" type="obj" preserve="1">
+<p:sldLayout xmlns:a="http://schemas.openxmlformats.org/drawingml/2006/main" xmlns:r="http://schemas.openxmlformats.org/officeDocument/2006/relationships" xmlns:p="http://schemas.openxmlformats.org/presentationml/2006/main" type="obj" preserve="1">
   <p:cSld name="Title, Content">
     <p:spTree>
       <p:nvGrpSpPr>
@@ -2674,16 +2945,17 @@
           </a:prstGeom>
         </p:spPr>
         <p:txBody>
-          <a:bodyPr lIns="0" rIns="0" tIns="0" bIns="0" anchor="ctr"/>
+          <a:bodyPr lIns="0" tIns="0" rIns="0" bIns="0" anchor="ctr"/>
+          <a:lstStyle/>
           <a:p>
             <a:pPr algn="ctr"/>
-            <a:endParaRPr b="0" lang="en-GB" sz="4400" spc="-1" strike="noStrike">
-              <a:solidFill>
-                <a:srgbClr val="000000"/>
-              </a:solidFill>
-              <a:uFill>
-                <a:solidFill>
-                  <a:srgbClr val="ffffff"/>
+            <a:endParaRPr lang="en-GB" sz="4400" b="0" strike="noStrike" spc="-1">
+              <a:solidFill>
+                <a:srgbClr val="000000"/>
+              </a:solidFill>
+              <a:uFill>
+                <a:solidFill>
+                  <a:srgbClr val="FFFFFF"/>
                 </a:solidFill>
               </a:uFill>
               <a:latin typeface="Arial"/>
@@ -2711,15 +2983,16 @@
           </a:prstGeom>
         </p:spPr>
         <p:txBody>
-          <a:bodyPr lIns="0" rIns="0" tIns="0" bIns="0"/>
-          <a:p>
-            <a:endParaRPr b="0" lang="en-GB" sz="3200" spc="-1" strike="noStrike">
-              <a:solidFill>
-                <a:srgbClr val="000000"/>
-              </a:solidFill>
-              <a:uFill>
-                <a:solidFill>
-                  <a:srgbClr val="ffffff"/>
+          <a:bodyPr lIns="0" tIns="0" rIns="0" bIns="0"/>
+          <a:lstStyle/>
+          <a:p>
+            <a:endParaRPr lang="en-GB" sz="3200" b="0" strike="noStrike" spc="-1">
+              <a:solidFill>
+                <a:srgbClr val="000000"/>
+              </a:solidFill>
+              <a:uFill>
+                <a:solidFill>
+                  <a:srgbClr val="FFFFFF"/>
                 </a:solidFill>
               </a:uFill>
               <a:latin typeface="Arial"/>
@@ -2729,11 +3002,14 @@
       </p:sp>
     </p:spTree>
   </p:cSld>
+  <p:clrMapOvr>
+    <a:masterClrMapping/>
+  </p:clrMapOvr>
 </p:sldLayout>
 </file>
 
 <file path=ppt/slideLayouts/slideLayout4.xml><?xml version="1.0" encoding="utf-8"?>
-<p:sldLayout xmlns:a="http://schemas.openxmlformats.org/drawingml/2006/main" xmlns:p="http://schemas.openxmlformats.org/presentationml/2006/main" xmlns:r="http://schemas.openxmlformats.org/officeDocument/2006/relationships" xmlns:p14="http://schemas.microsoft.com/office/powerpoint/2010/main" xmlns:p15="http://schemas.microsoft.com/office/powerpoint/2012/main" xmlns:mc="http://schemas.openxmlformats.org/markup-compatibility/2006" type="twoObj" preserve="1">
+<p:sldLayout xmlns:a="http://schemas.openxmlformats.org/drawingml/2006/main" xmlns:r="http://schemas.openxmlformats.org/officeDocument/2006/relationships" xmlns:p="http://schemas.openxmlformats.org/presentationml/2006/main" type="twoObj" preserve="1">
   <p:cSld name="Title, 2 Content">
     <p:spTree>
       <p:nvGrpSpPr>
@@ -2769,16 +3045,17 @@
           </a:prstGeom>
         </p:spPr>
         <p:txBody>
-          <a:bodyPr lIns="0" rIns="0" tIns="0" bIns="0" anchor="ctr"/>
+          <a:bodyPr lIns="0" tIns="0" rIns="0" bIns="0" anchor="ctr"/>
+          <a:lstStyle/>
           <a:p>
             <a:pPr algn="ctr"/>
-            <a:endParaRPr b="0" lang="en-GB" sz="4400" spc="-1" strike="noStrike">
-              <a:solidFill>
-                <a:srgbClr val="000000"/>
-              </a:solidFill>
-              <a:uFill>
-                <a:solidFill>
-                  <a:srgbClr val="ffffff"/>
+            <a:endParaRPr lang="en-GB" sz="4400" b="0" strike="noStrike" spc="-1">
+              <a:solidFill>
+                <a:srgbClr val="000000"/>
+              </a:solidFill>
+              <a:uFill>
+                <a:solidFill>
+                  <a:srgbClr val="FFFFFF"/>
                 </a:solidFill>
               </a:uFill>
               <a:latin typeface="Arial"/>
@@ -2806,15 +3083,16 @@
           </a:prstGeom>
         </p:spPr>
         <p:txBody>
-          <a:bodyPr lIns="0" rIns="0" tIns="0" bIns="0"/>
-          <a:p>
-            <a:endParaRPr b="0" lang="en-GB" sz="3200" spc="-1" strike="noStrike">
-              <a:solidFill>
-                <a:srgbClr val="000000"/>
-              </a:solidFill>
-              <a:uFill>
-                <a:solidFill>
-                  <a:srgbClr val="ffffff"/>
+          <a:bodyPr lIns="0" tIns="0" rIns="0" bIns="0"/>
+          <a:lstStyle/>
+          <a:p>
+            <a:endParaRPr lang="en-GB" sz="3200" b="0" strike="noStrike" spc="-1">
+              <a:solidFill>
+                <a:srgbClr val="000000"/>
+              </a:solidFill>
+              <a:uFill>
+                <a:solidFill>
+                  <a:srgbClr val="FFFFFF"/>
                 </a:solidFill>
               </a:uFill>
               <a:latin typeface="Arial"/>
@@ -2842,15 +3120,16 @@
           </a:prstGeom>
         </p:spPr>
         <p:txBody>
-          <a:bodyPr lIns="0" rIns="0" tIns="0" bIns="0"/>
-          <a:p>
-            <a:endParaRPr b="0" lang="en-GB" sz="3200" spc="-1" strike="noStrike">
-              <a:solidFill>
-                <a:srgbClr val="000000"/>
-              </a:solidFill>
-              <a:uFill>
-                <a:solidFill>
-                  <a:srgbClr val="ffffff"/>
+          <a:bodyPr lIns="0" tIns="0" rIns="0" bIns="0"/>
+          <a:lstStyle/>
+          <a:p>
+            <a:endParaRPr lang="en-GB" sz="3200" b="0" strike="noStrike" spc="-1">
+              <a:solidFill>
+                <a:srgbClr val="000000"/>
+              </a:solidFill>
+              <a:uFill>
+                <a:solidFill>
+                  <a:srgbClr val="FFFFFF"/>
                 </a:solidFill>
               </a:uFill>
               <a:latin typeface="Arial"/>
@@ -2860,11 +3139,14 @@
       </p:sp>
     </p:spTree>
   </p:cSld>
+  <p:clrMapOvr>
+    <a:masterClrMapping/>
+  </p:clrMapOvr>
 </p:sldLayout>
 </file>
 
 <file path=ppt/slideLayouts/slideLayout5.xml><?xml version="1.0" encoding="utf-8"?>
-<p:sldLayout xmlns:a="http://schemas.openxmlformats.org/drawingml/2006/main" xmlns:p="http://schemas.openxmlformats.org/presentationml/2006/main" xmlns:r="http://schemas.openxmlformats.org/officeDocument/2006/relationships" xmlns:p14="http://schemas.microsoft.com/office/powerpoint/2010/main" xmlns:p15="http://schemas.microsoft.com/office/powerpoint/2012/main" xmlns:mc="http://schemas.openxmlformats.org/markup-compatibility/2006" type="titleOnly" preserve="1">
+<p:sldLayout xmlns:a="http://schemas.openxmlformats.org/drawingml/2006/main" xmlns:r="http://schemas.openxmlformats.org/officeDocument/2006/relationships" xmlns:p="http://schemas.openxmlformats.org/presentationml/2006/main" type="titleOnly" preserve="1">
   <p:cSld name="Title Only">
     <p:spTree>
       <p:nvGrpSpPr>
@@ -2900,16 +3182,17 @@
           </a:prstGeom>
         </p:spPr>
         <p:txBody>
-          <a:bodyPr lIns="0" rIns="0" tIns="0" bIns="0" anchor="ctr"/>
+          <a:bodyPr lIns="0" tIns="0" rIns="0" bIns="0" anchor="ctr"/>
+          <a:lstStyle/>
           <a:p>
             <a:pPr algn="ctr"/>
-            <a:endParaRPr b="0" lang="en-GB" sz="4400" spc="-1" strike="noStrike">
-              <a:solidFill>
-                <a:srgbClr val="000000"/>
-              </a:solidFill>
-              <a:uFill>
-                <a:solidFill>
-                  <a:srgbClr val="ffffff"/>
+            <a:endParaRPr lang="en-GB" sz="4400" b="0" strike="noStrike" spc="-1">
+              <a:solidFill>
+                <a:srgbClr val="000000"/>
+              </a:solidFill>
+              <a:uFill>
+                <a:solidFill>
+                  <a:srgbClr val="FFFFFF"/>
                 </a:solidFill>
               </a:uFill>
               <a:latin typeface="Arial"/>
@@ -2919,11 +3202,14 @@
       </p:sp>
     </p:spTree>
   </p:cSld>
+  <p:clrMapOvr>
+    <a:masterClrMapping/>
+  </p:clrMapOvr>
 </p:sldLayout>
 </file>
 
 <file path=ppt/slideLayouts/slideLayout6.xml><?xml version="1.0" encoding="utf-8"?>
-<p:sldLayout xmlns:a="http://schemas.openxmlformats.org/drawingml/2006/main" xmlns:p="http://schemas.openxmlformats.org/presentationml/2006/main" xmlns:r="http://schemas.openxmlformats.org/officeDocument/2006/relationships" xmlns:p14="http://schemas.microsoft.com/office/powerpoint/2010/main" xmlns:p15="http://schemas.microsoft.com/office/powerpoint/2012/main" xmlns:mc="http://schemas.openxmlformats.org/markup-compatibility/2006" type="objOnly" preserve="1">
+<p:sldLayout xmlns:a="http://schemas.openxmlformats.org/drawingml/2006/main" xmlns:r="http://schemas.openxmlformats.org/officeDocument/2006/relationships" xmlns:p="http://schemas.openxmlformats.org/presentationml/2006/main" type="objOnly" preserve="1">
   <p:cSld name="Centered Text">
     <p:spTree>
       <p:nvGrpSpPr>
@@ -2959,16 +3245,17 @@
           </a:prstGeom>
         </p:spPr>
         <p:txBody>
-          <a:bodyPr lIns="0" rIns="0" tIns="0" bIns="0" anchor="ctr"/>
+          <a:bodyPr lIns="0" tIns="0" rIns="0" bIns="0" anchor="ctr"/>
+          <a:lstStyle/>
           <a:p>
             <a:pPr algn="ctr"/>
-            <a:endParaRPr b="0" lang="en-GB" sz="3200" spc="-1" strike="noStrike">
-              <a:solidFill>
-                <a:srgbClr val="000000"/>
-              </a:solidFill>
-              <a:uFill>
-                <a:solidFill>
-                  <a:srgbClr val="ffffff"/>
+            <a:endParaRPr lang="en-GB" sz="3200" b="0" strike="noStrike" spc="-1">
+              <a:solidFill>
+                <a:srgbClr val="000000"/>
+              </a:solidFill>
+              <a:uFill>
+                <a:solidFill>
+                  <a:srgbClr val="FFFFFF"/>
                 </a:solidFill>
               </a:uFill>
               <a:latin typeface="Arial"/>
@@ -2978,11 +3265,14 @@
       </p:sp>
     </p:spTree>
   </p:cSld>
+  <p:clrMapOvr>
+    <a:masterClrMapping/>
+  </p:clrMapOvr>
 </p:sldLayout>
 </file>
 
 <file path=ppt/slideLayouts/slideLayout7.xml><?xml version="1.0" encoding="utf-8"?>
-<p:sldLayout xmlns:a="http://schemas.openxmlformats.org/drawingml/2006/main" xmlns:p="http://schemas.openxmlformats.org/presentationml/2006/main" xmlns:r="http://schemas.openxmlformats.org/officeDocument/2006/relationships" xmlns:p14="http://schemas.microsoft.com/office/powerpoint/2010/main" xmlns:p15="http://schemas.microsoft.com/office/powerpoint/2012/main" xmlns:mc="http://schemas.openxmlformats.org/markup-compatibility/2006" type="twoObjAndObj" preserve="1">
+<p:sldLayout xmlns:a="http://schemas.openxmlformats.org/drawingml/2006/main" xmlns:r="http://schemas.openxmlformats.org/officeDocument/2006/relationships" xmlns:p="http://schemas.openxmlformats.org/presentationml/2006/main" type="twoObjAndObj" preserve="1">
   <p:cSld name="Title, 2 Content and Content">
     <p:spTree>
       <p:nvGrpSpPr>
@@ -3018,16 +3308,17 @@
           </a:prstGeom>
         </p:spPr>
         <p:txBody>
-          <a:bodyPr lIns="0" rIns="0" tIns="0" bIns="0" anchor="ctr"/>
+          <a:bodyPr lIns="0" tIns="0" rIns="0" bIns="0" anchor="ctr"/>
+          <a:lstStyle/>
           <a:p>
             <a:pPr algn="ctr"/>
-            <a:endParaRPr b="0" lang="en-GB" sz="4400" spc="-1" strike="noStrike">
-              <a:solidFill>
-                <a:srgbClr val="000000"/>
-              </a:solidFill>
-              <a:uFill>
-                <a:solidFill>
-                  <a:srgbClr val="ffffff"/>
+            <a:endParaRPr lang="en-GB" sz="4400" b="0" strike="noStrike" spc="-1">
+              <a:solidFill>
+                <a:srgbClr val="000000"/>
+              </a:solidFill>
+              <a:uFill>
+                <a:solidFill>
+                  <a:srgbClr val="FFFFFF"/>
                 </a:solidFill>
               </a:uFill>
               <a:latin typeface="Arial"/>
@@ -3055,15 +3346,16 @@
           </a:prstGeom>
         </p:spPr>
         <p:txBody>
-          <a:bodyPr lIns="0" rIns="0" tIns="0" bIns="0"/>
-          <a:p>
-            <a:endParaRPr b="0" lang="en-GB" sz="3200" spc="-1" strike="noStrike">
-              <a:solidFill>
-                <a:srgbClr val="000000"/>
-              </a:solidFill>
-              <a:uFill>
-                <a:solidFill>
-                  <a:srgbClr val="ffffff"/>
+          <a:bodyPr lIns="0" tIns="0" rIns="0" bIns="0"/>
+          <a:lstStyle/>
+          <a:p>
+            <a:endParaRPr lang="en-GB" sz="3200" b="0" strike="noStrike" spc="-1">
+              <a:solidFill>
+                <a:srgbClr val="000000"/>
+              </a:solidFill>
+              <a:uFill>
+                <a:solidFill>
+                  <a:srgbClr val="FFFFFF"/>
                 </a:solidFill>
               </a:uFill>
               <a:latin typeface="Arial"/>
@@ -3091,15 +3383,16 @@
           </a:prstGeom>
         </p:spPr>
         <p:txBody>
-          <a:bodyPr lIns="0" rIns="0" tIns="0" bIns="0"/>
-          <a:p>
-            <a:endParaRPr b="0" lang="en-GB" sz="3200" spc="-1" strike="noStrike">
-              <a:solidFill>
-                <a:srgbClr val="000000"/>
-              </a:solidFill>
-              <a:uFill>
-                <a:solidFill>
-                  <a:srgbClr val="ffffff"/>
+          <a:bodyPr lIns="0" tIns="0" rIns="0" bIns="0"/>
+          <a:lstStyle/>
+          <a:p>
+            <a:endParaRPr lang="en-GB" sz="3200" b="0" strike="noStrike" spc="-1">
+              <a:solidFill>
+                <a:srgbClr val="000000"/>
+              </a:solidFill>
+              <a:uFill>
+                <a:solidFill>
+                  <a:srgbClr val="FFFFFF"/>
                 </a:solidFill>
               </a:uFill>
               <a:latin typeface="Arial"/>
@@ -3127,15 +3420,16 @@
           </a:prstGeom>
         </p:spPr>
         <p:txBody>
-          <a:bodyPr lIns="0" rIns="0" tIns="0" bIns="0"/>
-          <a:p>
-            <a:endParaRPr b="0" lang="en-GB" sz="3200" spc="-1" strike="noStrike">
-              <a:solidFill>
-                <a:srgbClr val="000000"/>
-              </a:solidFill>
-              <a:uFill>
-                <a:solidFill>
-                  <a:srgbClr val="ffffff"/>
+          <a:bodyPr lIns="0" tIns="0" rIns="0" bIns="0"/>
+          <a:lstStyle/>
+          <a:p>
+            <a:endParaRPr lang="en-GB" sz="3200" b="0" strike="noStrike" spc="-1">
+              <a:solidFill>
+                <a:srgbClr val="000000"/>
+              </a:solidFill>
+              <a:uFill>
+                <a:solidFill>
+                  <a:srgbClr val="FFFFFF"/>
                 </a:solidFill>
               </a:uFill>
               <a:latin typeface="Arial"/>
@@ -3145,11 +3439,14 @@
       </p:sp>
     </p:spTree>
   </p:cSld>
+  <p:clrMapOvr>
+    <a:masterClrMapping/>
+  </p:clrMapOvr>
 </p:sldLayout>
 </file>
 
 <file path=ppt/slideLayouts/slideLayout8.xml><?xml version="1.0" encoding="utf-8"?>
-<p:sldLayout xmlns:a="http://schemas.openxmlformats.org/drawingml/2006/main" xmlns:p="http://schemas.openxmlformats.org/presentationml/2006/main" xmlns:r="http://schemas.openxmlformats.org/officeDocument/2006/relationships" xmlns:p14="http://schemas.microsoft.com/office/powerpoint/2010/main" xmlns:p15="http://schemas.microsoft.com/office/powerpoint/2012/main" xmlns:mc="http://schemas.openxmlformats.org/markup-compatibility/2006" type="objAndTwoObj" preserve="1">
+<p:sldLayout xmlns:a="http://schemas.openxmlformats.org/drawingml/2006/main" xmlns:r="http://schemas.openxmlformats.org/officeDocument/2006/relationships" xmlns:p="http://schemas.openxmlformats.org/presentationml/2006/main" type="objAndTwoObj" preserve="1">
   <p:cSld name="Title Content and 2 Content">
     <p:spTree>
       <p:nvGrpSpPr>
@@ -3185,16 +3482,17 @@
           </a:prstGeom>
         </p:spPr>
         <p:txBody>
-          <a:bodyPr lIns="0" rIns="0" tIns="0" bIns="0" anchor="ctr"/>
+          <a:bodyPr lIns="0" tIns="0" rIns="0" bIns="0" anchor="ctr"/>
+          <a:lstStyle/>
           <a:p>
             <a:pPr algn="ctr"/>
-            <a:endParaRPr b="0" lang="en-GB" sz="4400" spc="-1" strike="noStrike">
-              <a:solidFill>
-                <a:srgbClr val="000000"/>
-              </a:solidFill>
-              <a:uFill>
-                <a:solidFill>
-                  <a:srgbClr val="ffffff"/>
+            <a:endParaRPr lang="en-GB" sz="4400" b="0" strike="noStrike" spc="-1">
+              <a:solidFill>
+                <a:srgbClr val="000000"/>
+              </a:solidFill>
+              <a:uFill>
+                <a:solidFill>
+                  <a:srgbClr val="FFFFFF"/>
                 </a:solidFill>
               </a:uFill>
               <a:latin typeface="Arial"/>
@@ -3222,15 +3520,16 @@
           </a:prstGeom>
         </p:spPr>
         <p:txBody>
-          <a:bodyPr lIns="0" rIns="0" tIns="0" bIns="0"/>
-          <a:p>
-            <a:endParaRPr b="0" lang="en-GB" sz="3200" spc="-1" strike="noStrike">
-              <a:solidFill>
-                <a:srgbClr val="000000"/>
-              </a:solidFill>
-              <a:uFill>
-                <a:solidFill>
-                  <a:srgbClr val="ffffff"/>
+          <a:bodyPr lIns="0" tIns="0" rIns="0" bIns="0"/>
+          <a:lstStyle/>
+          <a:p>
+            <a:endParaRPr lang="en-GB" sz="3200" b="0" strike="noStrike" spc="-1">
+              <a:solidFill>
+                <a:srgbClr val="000000"/>
+              </a:solidFill>
+              <a:uFill>
+                <a:solidFill>
+                  <a:srgbClr val="FFFFFF"/>
                 </a:solidFill>
               </a:uFill>
               <a:latin typeface="Arial"/>
@@ -3258,15 +3557,16 @@
           </a:prstGeom>
         </p:spPr>
         <p:txBody>
-          <a:bodyPr lIns="0" rIns="0" tIns="0" bIns="0"/>
-          <a:p>
-            <a:endParaRPr b="0" lang="en-GB" sz="3200" spc="-1" strike="noStrike">
-              <a:solidFill>
-                <a:srgbClr val="000000"/>
-              </a:solidFill>
-              <a:uFill>
-                <a:solidFill>
-                  <a:srgbClr val="ffffff"/>
+          <a:bodyPr lIns="0" tIns="0" rIns="0" bIns="0"/>
+          <a:lstStyle/>
+          <a:p>
+            <a:endParaRPr lang="en-GB" sz="3200" b="0" strike="noStrike" spc="-1">
+              <a:solidFill>
+                <a:srgbClr val="000000"/>
+              </a:solidFill>
+              <a:uFill>
+                <a:solidFill>
+                  <a:srgbClr val="FFFFFF"/>
                 </a:solidFill>
               </a:uFill>
               <a:latin typeface="Arial"/>
@@ -3294,15 +3594,16 @@
           </a:prstGeom>
         </p:spPr>
         <p:txBody>
-          <a:bodyPr lIns="0" rIns="0" tIns="0" bIns="0"/>
-          <a:p>
-            <a:endParaRPr b="0" lang="en-GB" sz="3200" spc="-1" strike="noStrike">
-              <a:solidFill>
-                <a:srgbClr val="000000"/>
-              </a:solidFill>
-              <a:uFill>
-                <a:solidFill>
-                  <a:srgbClr val="ffffff"/>
+          <a:bodyPr lIns="0" tIns="0" rIns="0" bIns="0"/>
+          <a:lstStyle/>
+          <a:p>
+            <a:endParaRPr lang="en-GB" sz="3200" b="0" strike="noStrike" spc="-1">
+              <a:solidFill>
+                <a:srgbClr val="000000"/>
+              </a:solidFill>
+              <a:uFill>
+                <a:solidFill>
+                  <a:srgbClr val="FFFFFF"/>
                 </a:solidFill>
               </a:uFill>
               <a:latin typeface="Arial"/>
@@ -3312,11 +3613,14 @@
       </p:sp>
     </p:spTree>
   </p:cSld>
+  <p:clrMapOvr>
+    <a:masterClrMapping/>
+  </p:clrMapOvr>
 </p:sldLayout>
 </file>
 
 <file path=ppt/slideLayouts/slideLayout9.xml><?xml version="1.0" encoding="utf-8"?>
-<p:sldLayout xmlns:a="http://schemas.openxmlformats.org/drawingml/2006/main" xmlns:p="http://schemas.openxmlformats.org/presentationml/2006/main" xmlns:r="http://schemas.openxmlformats.org/officeDocument/2006/relationships" xmlns:p14="http://schemas.microsoft.com/office/powerpoint/2010/main" xmlns:p15="http://schemas.microsoft.com/office/powerpoint/2012/main" xmlns:mc="http://schemas.openxmlformats.org/markup-compatibility/2006" type="twoObjOverTx" preserve="1">
+<p:sldLayout xmlns:a="http://schemas.openxmlformats.org/drawingml/2006/main" xmlns:r="http://schemas.openxmlformats.org/officeDocument/2006/relationships" xmlns:p="http://schemas.openxmlformats.org/presentationml/2006/main" type="twoObjOverTx" preserve="1">
   <p:cSld name="Title, 2 Content over Content">
     <p:spTree>
       <p:nvGrpSpPr>
@@ -3352,16 +3656,17 @@
           </a:prstGeom>
         </p:spPr>
         <p:txBody>
-          <a:bodyPr lIns="0" rIns="0" tIns="0" bIns="0" anchor="ctr"/>
+          <a:bodyPr lIns="0" tIns="0" rIns="0" bIns="0" anchor="ctr"/>
+          <a:lstStyle/>
           <a:p>
             <a:pPr algn="ctr"/>
-            <a:endParaRPr b="0" lang="en-GB" sz="4400" spc="-1" strike="noStrike">
-              <a:solidFill>
-                <a:srgbClr val="000000"/>
-              </a:solidFill>
-              <a:uFill>
-                <a:solidFill>
-                  <a:srgbClr val="ffffff"/>
+            <a:endParaRPr lang="en-GB" sz="4400" b="0" strike="noStrike" spc="-1">
+              <a:solidFill>
+                <a:srgbClr val="000000"/>
+              </a:solidFill>
+              <a:uFill>
+                <a:solidFill>
+                  <a:srgbClr val="FFFFFF"/>
                 </a:solidFill>
               </a:uFill>
               <a:latin typeface="Arial"/>
@@ -3389,15 +3694,16 @@
           </a:prstGeom>
         </p:spPr>
         <p:txBody>
-          <a:bodyPr lIns="0" rIns="0" tIns="0" bIns="0"/>
-          <a:p>
-            <a:endParaRPr b="0" lang="en-GB" sz="3200" spc="-1" strike="noStrike">
-              <a:solidFill>
-                <a:srgbClr val="000000"/>
-              </a:solidFill>
-              <a:uFill>
-                <a:solidFill>
-                  <a:srgbClr val="ffffff"/>
+          <a:bodyPr lIns="0" tIns="0" rIns="0" bIns="0"/>
+          <a:lstStyle/>
+          <a:p>
+            <a:endParaRPr lang="en-GB" sz="3200" b="0" strike="noStrike" spc="-1">
+              <a:solidFill>
+                <a:srgbClr val="000000"/>
+              </a:solidFill>
+              <a:uFill>
+                <a:solidFill>
+                  <a:srgbClr val="FFFFFF"/>
                 </a:solidFill>
               </a:uFill>
               <a:latin typeface="Arial"/>
@@ -3425,15 +3731,16 @@
           </a:prstGeom>
         </p:spPr>
         <p:txBody>
-          <a:bodyPr lIns="0" rIns="0" tIns="0" bIns="0"/>
-          <a:p>
-            <a:endParaRPr b="0" lang="en-GB" sz="3200" spc="-1" strike="noStrike">
-              <a:solidFill>
-                <a:srgbClr val="000000"/>
-              </a:solidFill>
-              <a:uFill>
-                <a:solidFill>
-                  <a:srgbClr val="ffffff"/>
+          <a:bodyPr lIns="0" tIns="0" rIns="0" bIns="0"/>
+          <a:lstStyle/>
+          <a:p>
+            <a:endParaRPr lang="en-GB" sz="3200" b="0" strike="noStrike" spc="-1">
+              <a:solidFill>
+                <a:srgbClr val="000000"/>
+              </a:solidFill>
+              <a:uFill>
+                <a:solidFill>
+                  <a:srgbClr val="FFFFFF"/>
                 </a:solidFill>
               </a:uFill>
               <a:latin typeface="Arial"/>
@@ -3461,15 +3768,16 @@
           </a:prstGeom>
         </p:spPr>
         <p:txBody>
-          <a:bodyPr lIns="0" rIns="0" tIns="0" bIns="0"/>
-          <a:p>
-            <a:endParaRPr b="0" lang="en-GB" sz="3200" spc="-1" strike="noStrike">
-              <a:solidFill>
-                <a:srgbClr val="000000"/>
-              </a:solidFill>
-              <a:uFill>
-                <a:solidFill>
-                  <a:srgbClr val="ffffff"/>
+          <a:bodyPr lIns="0" tIns="0" rIns="0" bIns="0"/>
+          <a:lstStyle/>
+          <a:p>
+            <a:endParaRPr lang="en-GB" sz="3200" b="0" strike="noStrike" spc="-1">
+              <a:solidFill>
+                <a:srgbClr val="000000"/>
+              </a:solidFill>
+              <a:uFill>
+                <a:solidFill>
+                  <a:srgbClr val="FFFFFF"/>
                 </a:solidFill>
               </a:uFill>
               <a:latin typeface="Arial"/>
@@ -3479,17 +3787,21 @@
       </p:sp>
     </p:spTree>
   </p:cSld>
+  <p:clrMapOvr>
+    <a:masterClrMapping/>
+  </p:clrMapOvr>
 </p:sldLayout>
 </file>
 
 <file path=ppt/slideMasters/slideMaster1.xml><?xml version="1.0" encoding="utf-8"?>
-<p:sldMaster xmlns:a="http://schemas.openxmlformats.org/drawingml/2006/main" xmlns:p="http://schemas.openxmlformats.org/presentationml/2006/main" xmlns:r="http://schemas.openxmlformats.org/officeDocument/2006/relationships" xmlns:p14="http://schemas.microsoft.com/office/powerpoint/2010/main" xmlns:p15="http://schemas.microsoft.com/office/powerpoint/2012/main" xmlns:mc="http://schemas.openxmlformats.org/markup-compatibility/2006">
+<p:sldMaster xmlns:a="http://schemas.openxmlformats.org/drawingml/2006/main" xmlns:r="http://schemas.openxmlformats.org/officeDocument/2006/relationships" xmlns:p="http://schemas.openxmlformats.org/presentationml/2006/main">
   <p:cSld>
     <p:bg>
       <p:bgPr>
         <a:solidFill>
-          <a:srgbClr val="ffffff"/>
+          <a:srgbClr val="FFFFFF"/>
         </a:solidFill>
+        <a:effectLst/>
       </p:bgPr>
     </p:bg>
     <p:spTree>
@@ -3508,7 +3820,7 @@
       </p:grpSpPr>
       <p:sp>
         <p:nvSpPr>
-          <p:cNvPr id="0" name="PlaceHolder 1"/>
+          <p:cNvPr id="2" name="PlaceHolder 1"/>
           <p:cNvSpPr>
             <a:spLocks noGrp="1"/>
           </p:cNvSpPr>
@@ -3526,54 +3838,30 @@
           </a:prstGeom>
         </p:spPr>
         <p:txBody>
-          <a:bodyPr lIns="0" rIns="0" tIns="0" bIns="0" anchor="ctr"/>
+          <a:bodyPr lIns="0" tIns="0" rIns="0" bIns="0" anchor="ctr"/>
+          <a:lstStyle/>
           <a:p>
             <a:pPr algn="ctr"/>
             <a:r>
-              <a:rPr b="0" lang="en-GB" sz="4400" spc="-1" strike="noStrike">
+              <a:rPr lang="en-GB" sz="4400" b="0" strike="noStrike" spc="-1">
                 <a:solidFill>
                   <a:srgbClr val="000000"/>
                 </a:solidFill>
                 <a:uFill>
                   <a:solidFill>
-                    <a:srgbClr val="ffffff"/>
+                    <a:srgbClr val="FFFFFF"/>
                   </a:solidFill>
                 </a:uFill>
                 <a:latin typeface="Arial"/>
               </a:rPr>
-              <a:t>Click to edit the title </a:t>
+              <a:t>Click to edit the title text format</a:t>
             </a:r>
-            <a:r>
-              <a:rPr b="0" lang="en-GB" sz="4400" spc="-1" strike="noStrike">
-                <a:solidFill>
-                  <a:srgbClr val="000000"/>
-                </a:solidFill>
-                <a:uFill>
-                  <a:solidFill>
-                    <a:srgbClr val="ffffff"/>
-                  </a:solidFill>
-                </a:uFill>
-                <a:latin typeface="Arial"/>
-              </a:rPr>
-              <a:t>text format</a:t>
-            </a:r>
-            <a:endParaRPr b="0" lang="en-GB" sz="4400" spc="-1" strike="noStrike">
-              <a:solidFill>
-                <a:srgbClr val="000000"/>
-              </a:solidFill>
-              <a:uFill>
-                <a:solidFill>
-                  <a:srgbClr val="ffffff"/>
-                </a:solidFill>
-              </a:uFill>
-              <a:latin typeface="Arial"/>
-            </a:endParaRPr>
-          </a:p>
-        </p:txBody>
-      </p:sp>
-      <p:sp>
-        <p:nvSpPr>
-          <p:cNvPr id="1" name="PlaceHolder 2"/>
+          </a:p>
+        </p:txBody>
+      </p:sp>
+      <p:sp>
+        <p:nvSpPr>
+          <p:cNvPr id="3" name="PlaceHolder 2"/>
           <p:cNvSpPr>
             <a:spLocks noGrp="1"/>
           </p:cNvSpPr>
@@ -3591,7 +3879,8 @@
           </a:prstGeom>
         </p:spPr>
         <p:txBody>
-          <a:bodyPr lIns="0" rIns="0" tIns="0" bIns="0"/>
+          <a:bodyPr lIns="0" tIns="0" rIns="0" bIns="0"/>
+          <a:lstStyle/>
           <a:p>
             <a:pPr marL="432000" indent="-324000">
               <a:buClr>
@@ -3602,33 +3891,22 @@
               <a:buChar char=""/>
             </a:pPr>
             <a:r>
-              <a:rPr b="0" lang="en-GB" sz="3200" spc="-1" strike="noStrike">
+              <a:rPr lang="en-GB" sz="3200" b="0" strike="noStrike" spc="-1">
                 <a:solidFill>
                   <a:srgbClr val="000000"/>
                 </a:solidFill>
                 <a:uFill>
                   <a:solidFill>
-                    <a:srgbClr val="ffffff"/>
+                    <a:srgbClr val="FFFFFF"/>
                   </a:solidFill>
                 </a:uFill>
                 <a:latin typeface="Arial"/>
               </a:rPr>
               <a:t>Click to edit the outline text format</a:t>
             </a:r>
-            <a:endParaRPr b="0" lang="en-GB" sz="3200" spc="-1" strike="noStrike">
-              <a:solidFill>
-                <a:srgbClr val="000000"/>
-              </a:solidFill>
-              <a:uFill>
-                <a:solidFill>
-                  <a:srgbClr val="ffffff"/>
-                </a:solidFill>
-              </a:uFill>
-              <a:latin typeface="Arial"/>
-            </a:endParaRPr>
-          </a:p>
-          <a:p>
-            <a:pPr lvl="1" marL="864000" indent="-324000">
+          </a:p>
+          <a:p>
+            <a:pPr marL="864000" lvl="1" indent="-324000">
               <a:buClr>
                 <a:srgbClr val="000000"/>
               </a:buClr>
@@ -3637,33 +3915,22 @@
               <a:buChar char=""/>
             </a:pPr>
             <a:r>
-              <a:rPr b="0" lang="en-GB" sz="2800" spc="-1" strike="noStrike">
+              <a:rPr lang="en-GB" sz="2800" b="0" strike="noStrike" spc="-1">
                 <a:solidFill>
                   <a:srgbClr val="000000"/>
                 </a:solidFill>
                 <a:uFill>
                   <a:solidFill>
-                    <a:srgbClr val="ffffff"/>
+                    <a:srgbClr val="FFFFFF"/>
                   </a:solidFill>
                 </a:uFill>
                 <a:latin typeface="Arial"/>
               </a:rPr>
               <a:t>Second Outline Level</a:t>
             </a:r>
-            <a:endParaRPr b="0" lang="en-GB" sz="2800" spc="-1" strike="noStrike">
-              <a:solidFill>
-                <a:srgbClr val="000000"/>
-              </a:solidFill>
-              <a:uFill>
-                <a:solidFill>
-                  <a:srgbClr val="ffffff"/>
-                </a:solidFill>
-              </a:uFill>
-              <a:latin typeface="Arial"/>
-            </a:endParaRPr>
-          </a:p>
-          <a:p>
-            <a:pPr lvl="2" marL="1296000" indent="-288000">
+          </a:p>
+          <a:p>
+            <a:pPr marL="1296000" lvl="2" indent="-288000">
               <a:buClr>
                 <a:srgbClr val="000000"/>
               </a:buClr>
@@ -3672,33 +3939,22 @@
               <a:buChar char=""/>
             </a:pPr>
             <a:r>
-              <a:rPr b="0" lang="en-GB" sz="2400" spc="-1" strike="noStrike">
+              <a:rPr lang="en-GB" sz="2400" b="0" strike="noStrike" spc="-1">
                 <a:solidFill>
                   <a:srgbClr val="000000"/>
                 </a:solidFill>
                 <a:uFill>
                   <a:solidFill>
-                    <a:srgbClr val="ffffff"/>
+                    <a:srgbClr val="FFFFFF"/>
                   </a:solidFill>
                 </a:uFill>
                 <a:latin typeface="Arial"/>
               </a:rPr>
               <a:t>Third Outline Level</a:t>
             </a:r>
-            <a:endParaRPr b="0" lang="en-GB" sz="2400" spc="-1" strike="noStrike">
-              <a:solidFill>
-                <a:srgbClr val="000000"/>
-              </a:solidFill>
-              <a:uFill>
-                <a:solidFill>
-                  <a:srgbClr val="ffffff"/>
-                </a:solidFill>
-              </a:uFill>
-              <a:latin typeface="Arial"/>
-            </a:endParaRPr>
-          </a:p>
-          <a:p>
-            <a:pPr lvl="3" marL="1728000" indent="-216000">
+          </a:p>
+          <a:p>
+            <a:pPr marL="1728000" lvl="3" indent="-216000">
               <a:buClr>
                 <a:srgbClr val="000000"/>
               </a:buClr>
@@ -3707,33 +3963,22 @@
               <a:buChar char=""/>
             </a:pPr>
             <a:r>
-              <a:rPr b="0" lang="en-GB" sz="2000" spc="-1" strike="noStrike">
+              <a:rPr lang="en-GB" sz="2000" b="0" strike="noStrike" spc="-1">
                 <a:solidFill>
                   <a:srgbClr val="000000"/>
                 </a:solidFill>
                 <a:uFill>
                   <a:solidFill>
-                    <a:srgbClr val="ffffff"/>
+                    <a:srgbClr val="FFFFFF"/>
                   </a:solidFill>
                 </a:uFill>
                 <a:latin typeface="Arial"/>
               </a:rPr>
               <a:t>Fourth Outline Level</a:t>
             </a:r>
-            <a:endParaRPr b="0" lang="en-GB" sz="2000" spc="-1" strike="noStrike">
-              <a:solidFill>
-                <a:srgbClr val="000000"/>
-              </a:solidFill>
-              <a:uFill>
-                <a:solidFill>
-                  <a:srgbClr val="ffffff"/>
-                </a:solidFill>
-              </a:uFill>
-              <a:latin typeface="Arial"/>
-            </a:endParaRPr>
-          </a:p>
-          <a:p>
-            <a:pPr lvl="4" marL="2160000" indent="-216000">
+          </a:p>
+          <a:p>
+            <a:pPr marL="2160000" lvl="4" indent="-216000">
               <a:buClr>
                 <a:srgbClr val="000000"/>
               </a:buClr>
@@ -3742,33 +3987,22 @@
               <a:buChar char=""/>
             </a:pPr>
             <a:r>
-              <a:rPr b="0" lang="en-GB" sz="2000" spc="-1" strike="noStrike">
+              <a:rPr lang="en-GB" sz="2000" b="0" strike="noStrike" spc="-1">
                 <a:solidFill>
                   <a:srgbClr val="000000"/>
                 </a:solidFill>
                 <a:uFill>
                   <a:solidFill>
-                    <a:srgbClr val="ffffff"/>
+                    <a:srgbClr val="FFFFFF"/>
                   </a:solidFill>
                 </a:uFill>
                 <a:latin typeface="Arial"/>
               </a:rPr>
               <a:t>Fifth Outline Level</a:t>
             </a:r>
-            <a:endParaRPr b="0" lang="en-GB" sz="2000" spc="-1" strike="noStrike">
-              <a:solidFill>
-                <a:srgbClr val="000000"/>
-              </a:solidFill>
-              <a:uFill>
-                <a:solidFill>
-                  <a:srgbClr val="ffffff"/>
-                </a:solidFill>
-              </a:uFill>
-              <a:latin typeface="Arial"/>
-            </a:endParaRPr>
-          </a:p>
-          <a:p>
-            <a:pPr lvl="5" marL="2592000" indent="-216000">
+          </a:p>
+          <a:p>
+            <a:pPr marL="2592000" lvl="5" indent="-216000">
               <a:buClr>
                 <a:srgbClr val="000000"/>
               </a:buClr>
@@ -3777,33 +4011,22 @@
               <a:buChar char=""/>
             </a:pPr>
             <a:r>
-              <a:rPr b="0" lang="en-GB" sz="2000" spc="-1" strike="noStrike">
+              <a:rPr lang="en-GB" sz="2000" b="0" strike="noStrike" spc="-1">
                 <a:solidFill>
                   <a:srgbClr val="000000"/>
                 </a:solidFill>
                 <a:uFill>
                   <a:solidFill>
-                    <a:srgbClr val="ffffff"/>
+                    <a:srgbClr val="FFFFFF"/>
                   </a:solidFill>
                 </a:uFill>
                 <a:latin typeface="Arial"/>
               </a:rPr>
               <a:t>Sixth Outline Level</a:t>
             </a:r>
-            <a:endParaRPr b="0" lang="en-GB" sz="2000" spc="-1" strike="noStrike">
-              <a:solidFill>
-                <a:srgbClr val="000000"/>
-              </a:solidFill>
-              <a:uFill>
-                <a:solidFill>
-                  <a:srgbClr val="ffffff"/>
-                </a:solidFill>
-              </a:uFill>
-              <a:latin typeface="Arial"/>
-            </a:endParaRPr>
-          </a:p>
-          <a:p>
-            <a:pPr lvl="6" marL="3024000" indent="-216000">
+          </a:p>
+          <a:p>
+            <a:pPr marL="3024000" lvl="6" indent="-216000">
               <a:buClr>
                 <a:srgbClr val="000000"/>
               </a:buClr>
@@ -3812,61 +4035,331 @@
               <a:buChar char=""/>
             </a:pPr>
             <a:r>
-              <a:rPr b="0" lang="en-GB" sz="2000" spc="-1" strike="noStrike">
+              <a:rPr lang="en-GB" sz="2000" b="0" strike="noStrike" spc="-1">
                 <a:solidFill>
                   <a:srgbClr val="000000"/>
                 </a:solidFill>
                 <a:uFill>
                   <a:solidFill>
-                    <a:srgbClr val="ffffff"/>
+                    <a:srgbClr val="FFFFFF"/>
                   </a:solidFill>
                 </a:uFill>
                 <a:latin typeface="Arial"/>
               </a:rPr>
               <a:t>Seventh Outline Level</a:t>
             </a:r>
-            <a:endParaRPr b="0" lang="en-GB" sz="2000" spc="-1" strike="noStrike">
-              <a:solidFill>
-                <a:srgbClr val="000000"/>
-              </a:solidFill>
-              <a:uFill>
-                <a:solidFill>
-                  <a:srgbClr val="ffffff"/>
-                </a:solidFill>
-              </a:uFill>
-              <a:latin typeface="Arial"/>
-            </a:endParaRPr>
           </a:p>
         </p:txBody>
       </p:sp>
     </p:spTree>
   </p:cSld>
-  <p:clrMap bg1="lt1" bg2="lt2" tx1="dk1" tx2="dk2" accent1="accent1" accent2="accent2" accent3="accent3" accent4="accent4" accent5="accent5" accent6="accent6" hlink="hlink" folHlink="folHlink"/>
+  <p:clrMap bg1="lt1" tx1="dk1" bg2="lt2" tx2="dk2" accent1="accent1" accent2="accent2" accent3="accent3" accent4="accent4" accent5="accent5" accent6="accent6" hlink="hlink" folHlink="folHlink"/>
   <p:sldLayoutIdLst>
-    <p:sldLayoutId id="2147483649" r:id="rId2"/>
-    <p:sldLayoutId id="2147483650" r:id="rId3"/>
-    <p:sldLayoutId id="2147483651" r:id="rId4"/>
-    <p:sldLayoutId id="2147483652" r:id="rId5"/>
-    <p:sldLayoutId id="2147483653" r:id="rId6"/>
-    <p:sldLayoutId id="2147483654" r:id="rId7"/>
-    <p:sldLayoutId id="2147483655" r:id="rId8"/>
-    <p:sldLayoutId id="2147483656" r:id="rId9"/>
-    <p:sldLayoutId id="2147483657" r:id="rId10"/>
-    <p:sldLayoutId id="2147483658" r:id="rId11"/>
-    <p:sldLayoutId id="2147483659" r:id="rId12"/>
-    <p:sldLayoutId id="2147483660" r:id="rId13"/>
+    <p:sldLayoutId id="2147483649" r:id="rId1"/>
+    <p:sldLayoutId id="2147483650" r:id="rId2"/>
+    <p:sldLayoutId id="2147483651" r:id="rId3"/>
+    <p:sldLayoutId id="2147483652" r:id="rId4"/>
+    <p:sldLayoutId id="2147483653" r:id="rId5"/>
+    <p:sldLayoutId id="2147483654" r:id="rId6"/>
+    <p:sldLayoutId id="2147483655" r:id="rId7"/>
+    <p:sldLayoutId id="2147483656" r:id="rId8"/>
+    <p:sldLayoutId id="2147483657" r:id="rId9"/>
+    <p:sldLayoutId id="2147483658" r:id="rId10"/>
+    <p:sldLayoutId id="2147483659" r:id="rId11"/>
+    <p:sldLayoutId id="2147483660" r:id="rId12"/>
   </p:sldLayoutIdLst>
+  <p:txStyles>
+    <p:titleStyle>
+      <a:lvl1pPr algn="l" defTabSz="914400" rtl="0" eaLnBrk="1" latinLnBrk="0" hangingPunct="1">
+        <a:lnSpc>
+          <a:spcPct val="90000"/>
+        </a:lnSpc>
+        <a:spcBef>
+          <a:spcPct val="0"/>
+        </a:spcBef>
+        <a:buNone/>
+        <a:defRPr sz="4400" kern="1200">
+          <a:solidFill>
+            <a:schemeClr val="tx1"/>
+          </a:solidFill>
+          <a:latin typeface="+mj-lt"/>
+          <a:ea typeface="+mj-ea"/>
+          <a:cs typeface="+mj-cs"/>
+        </a:defRPr>
+      </a:lvl1pPr>
+    </p:titleStyle>
+    <p:bodyStyle>
+      <a:lvl1pPr marL="228600" indent="-228600" algn="l" defTabSz="914400" rtl="0" eaLnBrk="1" latinLnBrk="0" hangingPunct="1">
+        <a:lnSpc>
+          <a:spcPct val="90000"/>
+        </a:lnSpc>
+        <a:spcBef>
+          <a:spcPts val="1000"/>
+        </a:spcBef>
+        <a:buFont typeface="Arial"/>
+        <a:buChar char="•"/>
+        <a:defRPr sz="2800" kern="1200">
+          <a:solidFill>
+            <a:schemeClr val="tx1"/>
+          </a:solidFill>
+          <a:latin typeface="+mn-lt"/>
+          <a:ea typeface="+mn-ea"/>
+          <a:cs typeface="+mn-cs"/>
+        </a:defRPr>
+      </a:lvl1pPr>
+      <a:lvl2pPr marL="685800" indent="-228600" algn="l" defTabSz="914400" rtl="0" eaLnBrk="1" latinLnBrk="0" hangingPunct="1">
+        <a:lnSpc>
+          <a:spcPct val="90000"/>
+        </a:lnSpc>
+        <a:spcBef>
+          <a:spcPts val="500"/>
+        </a:spcBef>
+        <a:buFont typeface="Arial"/>
+        <a:buChar char="•"/>
+        <a:defRPr sz="2400" kern="1200">
+          <a:solidFill>
+            <a:schemeClr val="tx1"/>
+          </a:solidFill>
+          <a:latin typeface="+mn-lt"/>
+          <a:ea typeface="+mn-ea"/>
+          <a:cs typeface="+mn-cs"/>
+        </a:defRPr>
+      </a:lvl2pPr>
+      <a:lvl3pPr marL="1143000" indent="-228600" algn="l" defTabSz="914400" rtl="0" eaLnBrk="1" latinLnBrk="0" hangingPunct="1">
+        <a:lnSpc>
+          <a:spcPct val="90000"/>
+        </a:lnSpc>
+        <a:spcBef>
+          <a:spcPts val="500"/>
+        </a:spcBef>
+        <a:buFont typeface="Arial"/>
+        <a:buChar char="•"/>
+        <a:defRPr sz="2000" kern="1200">
+          <a:solidFill>
+            <a:schemeClr val="tx1"/>
+          </a:solidFill>
+          <a:latin typeface="+mn-lt"/>
+          <a:ea typeface="+mn-ea"/>
+          <a:cs typeface="+mn-cs"/>
+        </a:defRPr>
+      </a:lvl3pPr>
+      <a:lvl4pPr marL="1600200" indent="-228600" algn="l" defTabSz="914400" rtl="0" eaLnBrk="1" latinLnBrk="0" hangingPunct="1">
+        <a:lnSpc>
+          <a:spcPct val="90000"/>
+        </a:lnSpc>
+        <a:spcBef>
+          <a:spcPts val="500"/>
+        </a:spcBef>
+        <a:buFont typeface="Arial"/>
+        <a:buChar char="•"/>
+        <a:defRPr sz="1800" kern="1200">
+          <a:solidFill>
+            <a:schemeClr val="tx1"/>
+          </a:solidFill>
+          <a:latin typeface="+mn-lt"/>
+          <a:ea typeface="+mn-ea"/>
+          <a:cs typeface="+mn-cs"/>
+        </a:defRPr>
+      </a:lvl4pPr>
+      <a:lvl5pPr marL="2057400" indent="-228600" algn="l" defTabSz="914400" rtl="0" eaLnBrk="1" latinLnBrk="0" hangingPunct="1">
+        <a:lnSpc>
+          <a:spcPct val="90000"/>
+        </a:lnSpc>
+        <a:spcBef>
+          <a:spcPts val="500"/>
+        </a:spcBef>
+        <a:buFont typeface="Arial"/>
+        <a:buChar char="•"/>
+        <a:defRPr sz="1800" kern="1200">
+          <a:solidFill>
+            <a:schemeClr val="tx1"/>
+          </a:solidFill>
+          <a:latin typeface="+mn-lt"/>
+          <a:ea typeface="+mn-ea"/>
+          <a:cs typeface="+mn-cs"/>
+        </a:defRPr>
+      </a:lvl5pPr>
+      <a:lvl6pPr marL="2514600" indent="-228600" algn="l" defTabSz="914400" rtl="0" eaLnBrk="1" latinLnBrk="0" hangingPunct="1">
+        <a:lnSpc>
+          <a:spcPct val="90000"/>
+        </a:lnSpc>
+        <a:spcBef>
+          <a:spcPts val="500"/>
+        </a:spcBef>
+        <a:buFont typeface="Arial"/>
+        <a:buChar char="•"/>
+        <a:defRPr sz="1800" kern="1200">
+          <a:solidFill>
+            <a:schemeClr val="tx1"/>
+          </a:solidFill>
+          <a:latin typeface="+mn-lt"/>
+          <a:ea typeface="+mn-ea"/>
+          <a:cs typeface="+mn-cs"/>
+        </a:defRPr>
+      </a:lvl6pPr>
+      <a:lvl7pPr marL="2971800" indent="-228600" algn="l" defTabSz="914400" rtl="0" eaLnBrk="1" latinLnBrk="0" hangingPunct="1">
+        <a:lnSpc>
+          <a:spcPct val="90000"/>
+        </a:lnSpc>
+        <a:spcBef>
+          <a:spcPts val="500"/>
+        </a:spcBef>
+        <a:buFont typeface="Arial"/>
+        <a:buChar char="•"/>
+        <a:defRPr sz="1800" kern="1200">
+          <a:solidFill>
+            <a:schemeClr val="tx1"/>
+          </a:solidFill>
+          <a:latin typeface="+mn-lt"/>
+          <a:ea typeface="+mn-ea"/>
+          <a:cs typeface="+mn-cs"/>
+        </a:defRPr>
+      </a:lvl7pPr>
+      <a:lvl8pPr marL="3429000" indent="-228600" algn="l" defTabSz="914400" rtl="0" eaLnBrk="1" latinLnBrk="0" hangingPunct="1">
+        <a:lnSpc>
+          <a:spcPct val="90000"/>
+        </a:lnSpc>
+        <a:spcBef>
+          <a:spcPts val="500"/>
+        </a:spcBef>
+        <a:buFont typeface="Arial"/>
+        <a:buChar char="•"/>
+        <a:defRPr sz="1800" kern="1200">
+          <a:solidFill>
+            <a:schemeClr val="tx1"/>
+          </a:solidFill>
+          <a:latin typeface="+mn-lt"/>
+          <a:ea typeface="+mn-ea"/>
+          <a:cs typeface="+mn-cs"/>
+        </a:defRPr>
+      </a:lvl8pPr>
+      <a:lvl9pPr marL="3886200" indent="-228600" algn="l" defTabSz="914400" rtl="0" eaLnBrk="1" latinLnBrk="0" hangingPunct="1">
+        <a:lnSpc>
+          <a:spcPct val="90000"/>
+        </a:lnSpc>
+        <a:spcBef>
+          <a:spcPts val="500"/>
+        </a:spcBef>
+        <a:buFont typeface="Arial"/>
+        <a:buChar char="•"/>
+        <a:defRPr sz="1800" kern="1200">
+          <a:solidFill>
+            <a:schemeClr val="tx1"/>
+          </a:solidFill>
+          <a:latin typeface="+mn-lt"/>
+          <a:ea typeface="+mn-ea"/>
+          <a:cs typeface="+mn-cs"/>
+        </a:defRPr>
+      </a:lvl9pPr>
+    </p:bodyStyle>
+    <p:otherStyle>
+      <a:defPPr>
+        <a:defRPr lang="en-US"/>
+      </a:defPPr>
+      <a:lvl1pPr marL="0" algn="l" defTabSz="914400" rtl="0" eaLnBrk="1" latinLnBrk="0" hangingPunct="1">
+        <a:defRPr sz="1800" kern="1200">
+          <a:solidFill>
+            <a:schemeClr val="tx1"/>
+          </a:solidFill>
+          <a:latin typeface="+mn-lt"/>
+          <a:ea typeface="+mn-ea"/>
+          <a:cs typeface="+mn-cs"/>
+        </a:defRPr>
+      </a:lvl1pPr>
+      <a:lvl2pPr marL="457200" algn="l" defTabSz="914400" rtl="0" eaLnBrk="1" latinLnBrk="0" hangingPunct="1">
+        <a:defRPr sz="1800" kern="1200">
+          <a:solidFill>
+            <a:schemeClr val="tx1"/>
+          </a:solidFill>
+          <a:latin typeface="+mn-lt"/>
+          <a:ea typeface="+mn-ea"/>
+          <a:cs typeface="+mn-cs"/>
+        </a:defRPr>
+      </a:lvl2pPr>
+      <a:lvl3pPr marL="914400" algn="l" defTabSz="914400" rtl="0" eaLnBrk="1" latinLnBrk="0" hangingPunct="1">
+        <a:defRPr sz="1800" kern="1200">
+          <a:solidFill>
+            <a:schemeClr val="tx1"/>
+          </a:solidFill>
+          <a:latin typeface="+mn-lt"/>
+          <a:ea typeface="+mn-ea"/>
+          <a:cs typeface="+mn-cs"/>
+        </a:defRPr>
+      </a:lvl3pPr>
+      <a:lvl4pPr marL="1371600" algn="l" defTabSz="914400" rtl="0" eaLnBrk="1" latinLnBrk="0" hangingPunct="1">
+        <a:defRPr sz="1800" kern="1200">
+          <a:solidFill>
+            <a:schemeClr val="tx1"/>
+          </a:solidFill>
+          <a:latin typeface="+mn-lt"/>
+          <a:ea typeface="+mn-ea"/>
+          <a:cs typeface="+mn-cs"/>
+        </a:defRPr>
+      </a:lvl4pPr>
+      <a:lvl5pPr marL="1828800" algn="l" defTabSz="914400" rtl="0" eaLnBrk="1" latinLnBrk="0" hangingPunct="1">
+        <a:defRPr sz="1800" kern="1200">
+          <a:solidFill>
+            <a:schemeClr val="tx1"/>
+          </a:solidFill>
+          <a:latin typeface="+mn-lt"/>
+          <a:ea typeface="+mn-ea"/>
+          <a:cs typeface="+mn-cs"/>
+        </a:defRPr>
+      </a:lvl5pPr>
+      <a:lvl6pPr marL="2286000" algn="l" defTabSz="914400" rtl="0" eaLnBrk="1" latinLnBrk="0" hangingPunct="1">
+        <a:defRPr sz="1800" kern="1200">
+          <a:solidFill>
+            <a:schemeClr val="tx1"/>
+          </a:solidFill>
+          <a:latin typeface="+mn-lt"/>
+          <a:ea typeface="+mn-ea"/>
+          <a:cs typeface="+mn-cs"/>
+        </a:defRPr>
+      </a:lvl6pPr>
+      <a:lvl7pPr marL="2743200" algn="l" defTabSz="914400" rtl="0" eaLnBrk="1" latinLnBrk="0" hangingPunct="1">
+        <a:defRPr sz="1800" kern="1200">
+          <a:solidFill>
+            <a:schemeClr val="tx1"/>
+          </a:solidFill>
+          <a:latin typeface="+mn-lt"/>
+          <a:ea typeface="+mn-ea"/>
+          <a:cs typeface="+mn-cs"/>
+        </a:defRPr>
+      </a:lvl7pPr>
+      <a:lvl8pPr marL="3200400" algn="l" defTabSz="914400" rtl="0" eaLnBrk="1" latinLnBrk="0" hangingPunct="1">
+        <a:defRPr sz="1800" kern="1200">
+          <a:solidFill>
+            <a:schemeClr val="tx1"/>
+          </a:solidFill>
+          <a:latin typeface="+mn-lt"/>
+          <a:ea typeface="+mn-ea"/>
+          <a:cs typeface="+mn-cs"/>
+        </a:defRPr>
+      </a:lvl8pPr>
+      <a:lvl9pPr marL="3657600" algn="l" defTabSz="914400" rtl="0" eaLnBrk="1" latinLnBrk="0" hangingPunct="1">
+        <a:defRPr sz="1800" kern="1200">
+          <a:solidFill>
+            <a:schemeClr val="tx1"/>
+          </a:solidFill>
+          <a:latin typeface="+mn-lt"/>
+          <a:ea typeface="+mn-ea"/>
+          <a:cs typeface="+mn-cs"/>
+        </a:defRPr>
+      </a:lvl9pPr>
+    </p:otherStyle>
+  </p:txStyles>
 </p:sldMaster>
 </file>
 
 <file path=ppt/slideMasters/slideMaster2.xml><?xml version="1.0" encoding="utf-8"?>
-<p:sldMaster xmlns:a="http://schemas.openxmlformats.org/drawingml/2006/main" xmlns:p="http://schemas.openxmlformats.org/presentationml/2006/main" xmlns:r="http://schemas.openxmlformats.org/officeDocument/2006/relationships" xmlns:p14="http://schemas.microsoft.com/office/powerpoint/2010/main" xmlns:p15="http://schemas.microsoft.com/office/powerpoint/2012/main" xmlns:mc="http://schemas.openxmlformats.org/markup-compatibility/2006">
+<p:sldMaster xmlns:a="http://schemas.openxmlformats.org/drawingml/2006/main" xmlns:r="http://schemas.openxmlformats.org/officeDocument/2006/relationships" xmlns:p="http://schemas.openxmlformats.org/presentationml/2006/main">
   <p:cSld>
     <p:bg>
       <p:bgPr>
         <a:solidFill>
-          <a:srgbClr val="ffffff"/>
+          <a:srgbClr val="FFFFFF"/>
         </a:solidFill>
+        <a:effectLst/>
       </p:bgPr>
     </p:bg>
     <p:spTree>
@@ -3903,34 +4396,24 @@
           </a:prstGeom>
         </p:spPr>
         <p:txBody>
-          <a:bodyPr lIns="0" rIns="0" tIns="0" bIns="0" anchor="ctr"/>
+          <a:bodyPr lIns="0" tIns="0" rIns="0" bIns="0" anchor="ctr"/>
+          <a:lstStyle/>
           <a:p>
             <a:pPr algn="ctr"/>
             <a:r>
-              <a:rPr b="0" lang="en-GB" sz="4400" spc="-1" strike="noStrike">
+              <a:rPr lang="en-GB" sz="4400" b="0" strike="noStrike" spc="-1">
                 <a:solidFill>
                   <a:srgbClr val="000000"/>
                 </a:solidFill>
                 <a:uFill>
                   <a:solidFill>
-                    <a:srgbClr val="ffffff"/>
+                    <a:srgbClr val="FFFFFF"/>
                   </a:solidFill>
                 </a:uFill>
                 <a:latin typeface="Arial"/>
               </a:rPr>
               <a:t>Click to edit the title text format</a:t>
             </a:r>
-            <a:endParaRPr b="0" lang="en-GB" sz="4400" spc="-1" strike="noStrike">
-              <a:solidFill>
-                <a:srgbClr val="000000"/>
-              </a:solidFill>
-              <a:uFill>
-                <a:solidFill>
-                  <a:srgbClr val="ffffff"/>
-                </a:solidFill>
-              </a:uFill>
-              <a:latin typeface="Arial"/>
-            </a:endParaRPr>
           </a:p>
         </p:txBody>
       </p:sp>
@@ -3954,7 +4437,8 @@
           </a:prstGeom>
         </p:spPr>
         <p:txBody>
-          <a:bodyPr lIns="0" rIns="0" tIns="0" bIns="0"/>
+          <a:bodyPr lIns="0" tIns="0" rIns="0" bIns="0"/>
+          <a:lstStyle/>
           <a:p>
             <a:pPr marL="432000" indent="-324000">
               <a:buClr>
@@ -3965,33 +4449,22 @@
               <a:buChar char=""/>
             </a:pPr>
             <a:r>
-              <a:rPr b="0" lang="en-GB" sz="3200" spc="-1" strike="noStrike">
+              <a:rPr lang="en-GB" sz="3200" b="0" strike="noStrike" spc="-1">
                 <a:solidFill>
                   <a:srgbClr val="000000"/>
                 </a:solidFill>
                 <a:uFill>
                   <a:solidFill>
-                    <a:srgbClr val="ffffff"/>
+                    <a:srgbClr val="FFFFFF"/>
                   </a:solidFill>
                 </a:uFill>
                 <a:latin typeface="Arial"/>
               </a:rPr>
               <a:t>Click to edit the outline text format</a:t>
             </a:r>
-            <a:endParaRPr b="0" lang="en-GB" sz="3200" spc="-1" strike="noStrike">
-              <a:solidFill>
-                <a:srgbClr val="000000"/>
-              </a:solidFill>
-              <a:uFill>
-                <a:solidFill>
-                  <a:srgbClr val="ffffff"/>
-                </a:solidFill>
-              </a:uFill>
-              <a:latin typeface="Arial"/>
-            </a:endParaRPr>
-          </a:p>
-          <a:p>
-            <a:pPr lvl="1" marL="864000" indent="-324000">
+          </a:p>
+          <a:p>
+            <a:pPr marL="864000" lvl="1" indent="-324000">
               <a:buClr>
                 <a:srgbClr val="000000"/>
               </a:buClr>
@@ -4000,33 +4473,22 @@
               <a:buChar char=""/>
             </a:pPr>
             <a:r>
-              <a:rPr b="0" lang="en-GB" sz="2800" spc="-1" strike="noStrike">
+              <a:rPr lang="en-GB" sz="2800" b="0" strike="noStrike" spc="-1">
                 <a:solidFill>
                   <a:srgbClr val="000000"/>
                 </a:solidFill>
                 <a:uFill>
                   <a:solidFill>
-                    <a:srgbClr val="ffffff"/>
+                    <a:srgbClr val="FFFFFF"/>
                   </a:solidFill>
                 </a:uFill>
                 <a:latin typeface="Arial"/>
               </a:rPr>
               <a:t>Second Outline Level</a:t>
             </a:r>
-            <a:endParaRPr b="0" lang="en-GB" sz="2800" spc="-1" strike="noStrike">
-              <a:solidFill>
-                <a:srgbClr val="000000"/>
-              </a:solidFill>
-              <a:uFill>
-                <a:solidFill>
-                  <a:srgbClr val="ffffff"/>
-                </a:solidFill>
-              </a:uFill>
-              <a:latin typeface="Arial"/>
-            </a:endParaRPr>
-          </a:p>
-          <a:p>
-            <a:pPr lvl="2" marL="1296000" indent="-288000">
+          </a:p>
+          <a:p>
+            <a:pPr marL="1296000" lvl="2" indent="-288000">
               <a:buClr>
                 <a:srgbClr val="000000"/>
               </a:buClr>
@@ -4035,33 +4497,22 @@
               <a:buChar char=""/>
             </a:pPr>
             <a:r>
-              <a:rPr b="0" lang="en-GB" sz="2400" spc="-1" strike="noStrike">
+              <a:rPr lang="en-GB" sz="2400" b="0" strike="noStrike" spc="-1">
                 <a:solidFill>
                   <a:srgbClr val="000000"/>
                 </a:solidFill>
                 <a:uFill>
                   <a:solidFill>
-                    <a:srgbClr val="ffffff"/>
+                    <a:srgbClr val="FFFFFF"/>
                   </a:solidFill>
                 </a:uFill>
                 <a:latin typeface="Arial"/>
               </a:rPr>
               <a:t>Third Outline Level</a:t>
             </a:r>
-            <a:endParaRPr b="0" lang="en-GB" sz="2400" spc="-1" strike="noStrike">
-              <a:solidFill>
-                <a:srgbClr val="000000"/>
-              </a:solidFill>
-              <a:uFill>
-                <a:solidFill>
-                  <a:srgbClr val="ffffff"/>
-                </a:solidFill>
-              </a:uFill>
-              <a:latin typeface="Arial"/>
-            </a:endParaRPr>
-          </a:p>
-          <a:p>
-            <a:pPr lvl="3" marL="1728000" indent="-216000">
+          </a:p>
+          <a:p>
+            <a:pPr marL="1728000" lvl="3" indent="-216000">
               <a:buClr>
                 <a:srgbClr val="000000"/>
               </a:buClr>
@@ -4070,33 +4521,22 @@
               <a:buChar char=""/>
             </a:pPr>
             <a:r>
-              <a:rPr b="0" lang="en-GB" sz="2000" spc="-1" strike="noStrike">
+              <a:rPr lang="en-GB" sz="2000" b="0" strike="noStrike" spc="-1">
                 <a:solidFill>
                   <a:srgbClr val="000000"/>
                 </a:solidFill>
                 <a:uFill>
                   <a:solidFill>
-                    <a:srgbClr val="ffffff"/>
+                    <a:srgbClr val="FFFFFF"/>
                   </a:solidFill>
                 </a:uFill>
                 <a:latin typeface="Arial"/>
               </a:rPr>
               <a:t>Fourth Outline Level</a:t>
             </a:r>
-            <a:endParaRPr b="0" lang="en-GB" sz="2000" spc="-1" strike="noStrike">
-              <a:solidFill>
-                <a:srgbClr val="000000"/>
-              </a:solidFill>
-              <a:uFill>
-                <a:solidFill>
-                  <a:srgbClr val="ffffff"/>
-                </a:solidFill>
-              </a:uFill>
-              <a:latin typeface="Arial"/>
-            </a:endParaRPr>
-          </a:p>
-          <a:p>
-            <a:pPr lvl="4" marL="2160000" indent="-216000">
+          </a:p>
+          <a:p>
+            <a:pPr marL="2160000" lvl="4" indent="-216000">
               <a:buClr>
                 <a:srgbClr val="000000"/>
               </a:buClr>
@@ -4105,33 +4545,22 @@
               <a:buChar char=""/>
             </a:pPr>
             <a:r>
-              <a:rPr b="0" lang="en-GB" sz="2000" spc="-1" strike="noStrike">
+              <a:rPr lang="en-GB" sz="2000" b="0" strike="noStrike" spc="-1">
                 <a:solidFill>
                   <a:srgbClr val="000000"/>
                 </a:solidFill>
                 <a:uFill>
                   <a:solidFill>
-                    <a:srgbClr val="ffffff"/>
+                    <a:srgbClr val="FFFFFF"/>
                   </a:solidFill>
                 </a:uFill>
                 <a:latin typeface="Arial"/>
               </a:rPr>
               <a:t>Fifth Outline Level</a:t>
             </a:r>
-            <a:endParaRPr b="0" lang="en-GB" sz="2000" spc="-1" strike="noStrike">
-              <a:solidFill>
-                <a:srgbClr val="000000"/>
-              </a:solidFill>
-              <a:uFill>
-                <a:solidFill>
-                  <a:srgbClr val="ffffff"/>
-                </a:solidFill>
-              </a:uFill>
-              <a:latin typeface="Arial"/>
-            </a:endParaRPr>
-          </a:p>
-          <a:p>
-            <a:pPr lvl="5" marL="2592000" indent="-216000">
+          </a:p>
+          <a:p>
+            <a:pPr marL="2592000" lvl="5" indent="-216000">
               <a:buClr>
                 <a:srgbClr val="000000"/>
               </a:buClr>
@@ -4140,33 +4569,22 @@
               <a:buChar char=""/>
             </a:pPr>
             <a:r>
-              <a:rPr b="0" lang="en-GB" sz="2000" spc="-1" strike="noStrike">
+              <a:rPr lang="en-GB" sz="2000" b="0" strike="noStrike" spc="-1">
                 <a:solidFill>
                   <a:srgbClr val="000000"/>
                 </a:solidFill>
                 <a:uFill>
                   <a:solidFill>
-                    <a:srgbClr val="ffffff"/>
+                    <a:srgbClr val="FFFFFF"/>
                   </a:solidFill>
                 </a:uFill>
                 <a:latin typeface="Arial"/>
               </a:rPr>
               <a:t>Sixth Outline Level</a:t>
             </a:r>
-            <a:endParaRPr b="0" lang="en-GB" sz="2000" spc="-1" strike="noStrike">
-              <a:solidFill>
-                <a:srgbClr val="000000"/>
-              </a:solidFill>
-              <a:uFill>
-                <a:solidFill>
-                  <a:srgbClr val="ffffff"/>
-                </a:solidFill>
-              </a:uFill>
-              <a:latin typeface="Arial"/>
-            </a:endParaRPr>
-          </a:p>
-          <a:p>
-            <a:pPr lvl="6" marL="3024000" indent="-216000">
+          </a:p>
+          <a:p>
+            <a:pPr marL="3024000" lvl="6" indent="-216000">
               <a:buClr>
                 <a:srgbClr val="000000"/>
               </a:buClr>
@@ -4175,55 +4593,324 @@
               <a:buChar char=""/>
             </a:pPr>
             <a:r>
-              <a:rPr b="0" lang="en-GB" sz="2000" spc="-1" strike="noStrike">
+              <a:rPr lang="en-GB" sz="2000" b="0" strike="noStrike" spc="-1">
                 <a:solidFill>
                   <a:srgbClr val="000000"/>
                 </a:solidFill>
                 <a:uFill>
                   <a:solidFill>
-                    <a:srgbClr val="ffffff"/>
+                    <a:srgbClr val="FFFFFF"/>
                   </a:solidFill>
                 </a:uFill>
                 <a:latin typeface="Arial"/>
               </a:rPr>
               <a:t>Seventh Outline Level</a:t>
             </a:r>
-            <a:endParaRPr b="0" lang="en-GB" sz="2000" spc="-1" strike="noStrike">
-              <a:solidFill>
-                <a:srgbClr val="000000"/>
-              </a:solidFill>
-              <a:uFill>
-                <a:solidFill>
-                  <a:srgbClr val="ffffff"/>
-                </a:solidFill>
-              </a:uFill>
-              <a:latin typeface="Arial"/>
-            </a:endParaRPr>
           </a:p>
         </p:txBody>
       </p:sp>
     </p:spTree>
   </p:cSld>
-  <p:clrMap bg1="lt1" bg2="lt2" tx1="dk1" tx2="dk2" accent1="accent1" accent2="accent2" accent3="accent3" accent4="accent4" accent5="accent5" accent6="accent6" hlink="hlink" folHlink="folHlink"/>
+  <p:clrMap bg1="lt1" tx1="dk1" bg2="lt2" tx2="dk2" accent1="accent1" accent2="accent2" accent3="accent3" accent4="accent4" accent5="accent5" accent6="accent6" hlink="hlink" folHlink="folHlink"/>
   <p:sldLayoutIdLst>
-    <p:sldLayoutId id="2147483662" r:id="rId2"/>
-    <p:sldLayoutId id="2147483663" r:id="rId3"/>
-    <p:sldLayoutId id="2147483664" r:id="rId4"/>
-    <p:sldLayoutId id="2147483665" r:id="rId5"/>
-    <p:sldLayoutId id="2147483666" r:id="rId6"/>
-    <p:sldLayoutId id="2147483667" r:id="rId7"/>
-    <p:sldLayoutId id="2147483668" r:id="rId8"/>
-    <p:sldLayoutId id="2147483669" r:id="rId9"/>
-    <p:sldLayoutId id="2147483670" r:id="rId10"/>
-    <p:sldLayoutId id="2147483671" r:id="rId11"/>
-    <p:sldLayoutId id="2147483672" r:id="rId12"/>
-    <p:sldLayoutId id="2147483673" r:id="rId13"/>
+    <p:sldLayoutId id="2147483662" r:id="rId1"/>
+    <p:sldLayoutId id="2147483663" r:id="rId2"/>
+    <p:sldLayoutId id="2147483664" r:id="rId3"/>
+    <p:sldLayoutId id="2147483665" r:id="rId4"/>
+    <p:sldLayoutId id="2147483666" r:id="rId5"/>
+    <p:sldLayoutId id="2147483667" r:id="rId6"/>
+    <p:sldLayoutId id="2147483668" r:id="rId7"/>
+    <p:sldLayoutId id="2147483669" r:id="rId8"/>
+    <p:sldLayoutId id="2147483670" r:id="rId9"/>
+    <p:sldLayoutId id="2147483671" r:id="rId10"/>
+    <p:sldLayoutId id="2147483672" r:id="rId11"/>
+    <p:sldLayoutId id="2147483673" r:id="rId12"/>
   </p:sldLayoutIdLst>
+  <p:txStyles>
+    <p:titleStyle>
+      <a:lvl1pPr algn="l" defTabSz="914400" rtl="0" eaLnBrk="1" latinLnBrk="0" hangingPunct="1">
+        <a:lnSpc>
+          <a:spcPct val="90000"/>
+        </a:lnSpc>
+        <a:spcBef>
+          <a:spcPct val="0"/>
+        </a:spcBef>
+        <a:buNone/>
+        <a:defRPr sz="4400" kern="1200">
+          <a:solidFill>
+            <a:schemeClr val="tx1"/>
+          </a:solidFill>
+          <a:latin typeface="+mj-lt"/>
+          <a:ea typeface="+mj-ea"/>
+          <a:cs typeface="+mj-cs"/>
+        </a:defRPr>
+      </a:lvl1pPr>
+    </p:titleStyle>
+    <p:bodyStyle>
+      <a:lvl1pPr marL="228600" indent="-228600" algn="l" defTabSz="914400" rtl="0" eaLnBrk="1" latinLnBrk="0" hangingPunct="1">
+        <a:lnSpc>
+          <a:spcPct val="90000"/>
+        </a:lnSpc>
+        <a:spcBef>
+          <a:spcPts val="1000"/>
+        </a:spcBef>
+        <a:buFont typeface="Arial"/>
+        <a:buChar char="•"/>
+        <a:defRPr sz="2800" kern="1200">
+          <a:solidFill>
+            <a:schemeClr val="tx1"/>
+          </a:solidFill>
+          <a:latin typeface="+mn-lt"/>
+          <a:ea typeface="+mn-ea"/>
+          <a:cs typeface="+mn-cs"/>
+        </a:defRPr>
+      </a:lvl1pPr>
+      <a:lvl2pPr marL="685800" indent="-228600" algn="l" defTabSz="914400" rtl="0" eaLnBrk="1" latinLnBrk="0" hangingPunct="1">
+        <a:lnSpc>
+          <a:spcPct val="90000"/>
+        </a:lnSpc>
+        <a:spcBef>
+          <a:spcPts val="500"/>
+        </a:spcBef>
+        <a:buFont typeface="Arial"/>
+        <a:buChar char="•"/>
+        <a:defRPr sz="2400" kern="1200">
+          <a:solidFill>
+            <a:schemeClr val="tx1"/>
+          </a:solidFill>
+          <a:latin typeface="+mn-lt"/>
+          <a:ea typeface="+mn-ea"/>
+          <a:cs typeface="+mn-cs"/>
+        </a:defRPr>
+      </a:lvl2pPr>
+      <a:lvl3pPr marL="1143000" indent="-228600" algn="l" defTabSz="914400" rtl="0" eaLnBrk="1" latinLnBrk="0" hangingPunct="1">
+        <a:lnSpc>
+          <a:spcPct val="90000"/>
+        </a:lnSpc>
+        <a:spcBef>
+          <a:spcPts val="500"/>
+        </a:spcBef>
+        <a:buFont typeface="Arial"/>
+        <a:buChar char="•"/>
+        <a:defRPr sz="2000" kern="1200">
+          <a:solidFill>
+            <a:schemeClr val="tx1"/>
+          </a:solidFill>
+          <a:latin typeface="+mn-lt"/>
+          <a:ea typeface="+mn-ea"/>
+          <a:cs typeface="+mn-cs"/>
+        </a:defRPr>
+      </a:lvl3pPr>
+      <a:lvl4pPr marL="1600200" indent="-228600" algn="l" defTabSz="914400" rtl="0" eaLnBrk="1" latinLnBrk="0" hangingPunct="1">
+        <a:lnSpc>
+          <a:spcPct val="90000"/>
+        </a:lnSpc>
+        <a:spcBef>
+          <a:spcPts val="500"/>
+        </a:spcBef>
+        <a:buFont typeface="Arial"/>
+        <a:buChar char="•"/>
+        <a:defRPr sz="1800" kern="1200">
+          <a:solidFill>
+            <a:schemeClr val="tx1"/>
+          </a:solidFill>
+          <a:latin typeface="+mn-lt"/>
+          <a:ea typeface="+mn-ea"/>
+          <a:cs typeface="+mn-cs"/>
+        </a:defRPr>
+      </a:lvl4pPr>
+      <a:lvl5pPr marL="2057400" indent="-228600" algn="l" defTabSz="914400" rtl="0" eaLnBrk="1" latinLnBrk="0" hangingPunct="1">
+        <a:lnSpc>
+          <a:spcPct val="90000"/>
+        </a:lnSpc>
+        <a:spcBef>
+          <a:spcPts val="500"/>
+        </a:spcBef>
+        <a:buFont typeface="Arial"/>
+        <a:buChar char="•"/>
+        <a:defRPr sz="1800" kern="1200">
+          <a:solidFill>
+            <a:schemeClr val="tx1"/>
+          </a:solidFill>
+          <a:latin typeface="+mn-lt"/>
+          <a:ea typeface="+mn-ea"/>
+          <a:cs typeface="+mn-cs"/>
+        </a:defRPr>
+      </a:lvl5pPr>
+      <a:lvl6pPr marL="2514600" indent="-228600" algn="l" defTabSz="914400" rtl="0" eaLnBrk="1" latinLnBrk="0" hangingPunct="1">
+        <a:lnSpc>
+          <a:spcPct val="90000"/>
+        </a:lnSpc>
+        <a:spcBef>
+          <a:spcPts val="500"/>
+        </a:spcBef>
+        <a:buFont typeface="Arial"/>
+        <a:buChar char="•"/>
+        <a:defRPr sz="1800" kern="1200">
+          <a:solidFill>
+            <a:schemeClr val="tx1"/>
+          </a:solidFill>
+          <a:latin typeface="+mn-lt"/>
+          <a:ea typeface="+mn-ea"/>
+          <a:cs typeface="+mn-cs"/>
+        </a:defRPr>
+      </a:lvl6pPr>
+      <a:lvl7pPr marL="2971800" indent="-228600" algn="l" defTabSz="914400" rtl="0" eaLnBrk="1" latinLnBrk="0" hangingPunct="1">
+        <a:lnSpc>
+          <a:spcPct val="90000"/>
+        </a:lnSpc>
+        <a:spcBef>
+          <a:spcPts val="500"/>
+        </a:spcBef>
+        <a:buFont typeface="Arial"/>
+        <a:buChar char="•"/>
+        <a:defRPr sz="1800" kern="1200">
+          <a:solidFill>
+            <a:schemeClr val="tx1"/>
+          </a:solidFill>
+          <a:latin typeface="+mn-lt"/>
+          <a:ea typeface="+mn-ea"/>
+          <a:cs typeface="+mn-cs"/>
+        </a:defRPr>
+      </a:lvl7pPr>
+      <a:lvl8pPr marL="3429000" indent="-228600" algn="l" defTabSz="914400" rtl="0" eaLnBrk="1" latinLnBrk="0" hangingPunct="1">
+        <a:lnSpc>
+          <a:spcPct val="90000"/>
+        </a:lnSpc>
+        <a:spcBef>
+          <a:spcPts val="500"/>
+        </a:spcBef>
+        <a:buFont typeface="Arial"/>
+        <a:buChar char="•"/>
+        <a:defRPr sz="1800" kern="1200">
+          <a:solidFill>
+            <a:schemeClr val="tx1"/>
+          </a:solidFill>
+          <a:latin typeface="+mn-lt"/>
+          <a:ea typeface="+mn-ea"/>
+          <a:cs typeface="+mn-cs"/>
+        </a:defRPr>
+      </a:lvl8pPr>
+      <a:lvl9pPr marL="3886200" indent="-228600" algn="l" defTabSz="914400" rtl="0" eaLnBrk="1" latinLnBrk="0" hangingPunct="1">
+        <a:lnSpc>
+          <a:spcPct val="90000"/>
+        </a:lnSpc>
+        <a:spcBef>
+          <a:spcPts val="500"/>
+        </a:spcBef>
+        <a:buFont typeface="Arial"/>
+        <a:buChar char="•"/>
+        <a:defRPr sz="1800" kern="1200">
+          <a:solidFill>
+            <a:schemeClr val="tx1"/>
+          </a:solidFill>
+          <a:latin typeface="+mn-lt"/>
+          <a:ea typeface="+mn-ea"/>
+          <a:cs typeface="+mn-cs"/>
+        </a:defRPr>
+      </a:lvl9pPr>
+    </p:bodyStyle>
+    <p:otherStyle>
+      <a:defPPr>
+        <a:defRPr lang="en-US"/>
+      </a:defPPr>
+      <a:lvl1pPr marL="0" algn="l" defTabSz="914400" rtl="0" eaLnBrk="1" latinLnBrk="0" hangingPunct="1">
+        <a:defRPr sz="1800" kern="1200">
+          <a:solidFill>
+            <a:schemeClr val="tx1"/>
+          </a:solidFill>
+          <a:latin typeface="+mn-lt"/>
+          <a:ea typeface="+mn-ea"/>
+          <a:cs typeface="+mn-cs"/>
+        </a:defRPr>
+      </a:lvl1pPr>
+      <a:lvl2pPr marL="457200" algn="l" defTabSz="914400" rtl="0" eaLnBrk="1" latinLnBrk="0" hangingPunct="1">
+        <a:defRPr sz="1800" kern="1200">
+          <a:solidFill>
+            <a:schemeClr val="tx1"/>
+          </a:solidFill>
+          <a:latin typeface="+mn-lt"/>
+          <a:ea typeface="+mn-ea"/>
+          <a:cs typeface="+mn-cs"/>
+        </a:defRPr>
+      </a:lvl2pPr>
+      <a:lvl3pPr marL="914400" algn="l" defTabSz="914400" rtl="0" eaLnBrk="1" latinLnBrk="0" hangingPunct="1">
+        <a:defRPr sz="1800" kern="1200">
+          <a:solidFill>
+            <a:schemeClr val="tx1"/>
+          </a:solidFill>
+          <a:latin typeface="+mn-lt"/>
+          <a:ea typeface="+mn-ea"/>
+          <a:cs typeface="+mn-cs"/>
+        </a:defRPr>
+      </a:lvl3pPr>
+      <a:lvl4pPr marL="1371600" algn="l" defTabSz="914400" rtl="0" eaLnBrk="1" latinLnBrk="0" hangingPunct="1">
+        <a:defRPr sz="1800" kern="1200">
+          <a:solidFill>
+            <a:schemeClr val="tx1"/>
+          </a:solidFill>
+          <a:latin typeface="+mn-lt"/>
+          <a:ea typeface="+mn-ea"/>
+          <a:cs typeface="+mn-cs"/>
+        </a:defRPr>
+      </a:lvl4pPr>
+      <a:lvl5pPr marL="1828800" algn="l" defTabSz="914400" rtl="0" eaLnBrk="1" latinLnBrk="0" hangingPunct="1">
+        <a:defRPr sz="1800" kern="1200">
+          <a:solidFill>
+            <a:schemeClr val="tx1"/>
+          </a:solidFill>
+          <a:latin typeface="+mn-lt"/>
+          <a:ea typeface="+mn-ea"/>
+          <a:cs typeface="+mn-cs"/>
+        </a:defRPr>
+      </a:lvl5pPr>
+      <a:lvl6pPr marL="2286000" algn="l" defTabSz="914400" rtl="0" eaLnBrk="1" latinLnBrk="0" hangingPunct="1">
+        <a:defRPr sz="1800" kern="1200">
+          <a:solidFill>
+            <a:schemeClr val="tx1"/>
+          </a:solidFill>
+          <a:latin typeface="+mn-lt"/>
+          <a:ea typeface="+mn-ea"/>
+          <a:cs typeface="+mn-cs"/>
+        </a:defRPr>
+      </a:lvl6pPr>
+      <a:lvl7pPr marL="2743200" algn="l" defTabSz="914400" rtl="0" eaLnBrk="1" latinLnBrk="0" hangingPunct="1">
+        <a:defRPr sz="1800" kern="1200">
+          <a:solidFill>
+            <a:schemeClr val="tx1"/>
+          </a:solidFill>
+          <a:latin typeface="+mn-lt"/>
+          <a:ea typeface="+mn-ea"/>
+          <a:cs typeface="+mn-cs"/>
+        </a:defRPr>
+      </a:lvl7pPr>
+      <a:lvl8pPr marL="3200400" algn="l" defTabSz="914400" rtl="0" eaLnBrk="1" latinLnBrk="0" hangingPunct="1">
+        <a:defRPr sz="1800" kern="1200">
+          <a:solidFill>
+            <a:schemeClr val="tx1"/>
+          </a:solidFill>
+          <a:latin typeface="+mn-lt"/>
+          <a:ea typeface="+mn-ea"/>
+          <a:cs typeface="+mn-cs"/>
+        </a:defRPr>
+      </a:lvl8pPr>
+      <a:lvl9pPr marL="3657600" algn="l" defTabSz="914400" rtl="0" eaLnBrk="1" latinLnBrk="0" hangingPunct="1">
+        <a:defRPr sz="1800" kern="1200">
+          <a:solidFill>
+            <a:schemeClr val="tx1"/>
+          </a:solidFill>
+          <a:latin typeface="+mn-lt"/>
+          <a:ea typeface="+mn-ea"/>
+          <a:cs typeface="+mn-cs"/>
+        </a:defRPr>
+      </a:lvl9pPr>
+    </p:otherStyle>
+  </p:txStyles>
 </p:sldMaster>
 </file>
 
 <file path=ppt/slides/slide1.xml><?xml version="1.0" encoding="utf-8"?>
-<p:sld xmlns:a="http://schemas.openxmlformats.org/drawingml/2006/main" xmlns:p="http://schemas.openxmlformats.org/presentationml/2006/main" xmlns:r="http://schemas.openxmlformats.org/officeDocument/2006/relationships" xmlns:p14="http://schemas.microsoft.com/office/powerpoint/2010/main" xmlns:p15="http://schemas.microsoft.com/office/powerpoint/2012/main" xmlns:mc="http://schemas.openxmlformats.org/markup-compatibility/2006">
+<p:sld xmlns:a="http://schemas.openxmlformats.org/drawingml/2006/main" xmlns:r="http://schemas.openxmlformats.org/officeDocument/2006/relationships" xmlns:p="http://schemas.openxmlformats.org/presentationml/2006/main">
   <p:cSld>
     <p:spTree>
       <p:nvGrpSpPr>
@@ -4259,13 +4946,20 @@
           </a:ln>
         </p:spPr>
         <p:style>
-          <a:lnRef idx="0"/>
-          <a:fillRef idx="0"/>
-          <a:effectRef idx="0"/>
+          <a:lnRef idx="0">
+            <a:scrgbClr r="0" g="0" b="0"/>
+          </a:lnRef>
+          <a:fillRef idx="0">
+            <a:scrgbClr r="0" g="0" b="0"/>
+          </a:fillRef>
+          <a:effectRef idx="0">
+            <a:scrgbClr r="0" g="0" b="0"/>
+          </a:effectRef>
           <a:fontRef idx="minor"/>
         </p:style>
         <p:txBody>
-          <a:bodyPr lIns="0" rIns="0" tIns="39240" bIns="0" anchor="ctr"/>
+          <a:bodyPr lIns="0" tIns="39240" rIns="0" bIns="0" anchor="ctr"/>
+          <a:lstStyle/>
           <a:p>
             <a:pPr algn="ctr">
               <a:lnSpc>
@@ -4273,13 +4967,13 @@
               </a:lnSpc>
             </a:pPr>
             <a:r>
-              <a:rPr b="0" lang="en-GB" sz="4400" spc="-1" strike="noStrike">
+              <a:rPr lang="en-GB" sz="4400" b="0" strike="noStrike" spc="-1">
                 <a:solidFill>
                   <a:srgbClr val="800000"/>
                 </a:solidFill>
                 <a:uFill>
                   <a:solidFill>
-                    <a:srgbClr val="ffffff"/>
+                    <a:srgbClr val="FFFFFF"/>
                   </a:solidFill>
                 </a:uFill>
                 <a:latin typeface="Arial"/>
@@ -4287,13 +4981,13 @@
               </a:rPr>
               <a:t>Amazon Web Services</a:t>
             </a:r>
-            <a:endParaRPr b="0" lang="en-GB" sz="1800" spc="-1" strike="noStrike">
-              <a:solidFill>
-                <a:srgbClr val="000000"/>
-              </a:solidFill>
-              <a:uFill>
-                <a:solidFill>
-                  <a:srgbClr val="ffffff"/>
+            <a:endParaRPr lang="en-GB" sz="1800" b="0" strike="noStrike" spc="-1">
+              <a:solidFill>
+                <a:srgbClr val="000000"/>
+              </a:solidFill>
+              <a:uFill>
+                <a:solidFill>
+                  <a:srgbClr val="FFFFFF"/>
                 </a:solidFill>
               </a:uFill>
               <a:latin typeface="Arial"/>
@@ -4321,13 +5015,20 @@
           </a:ln>
         </p:spPr>
         <p:style>
-          <a:lnRef idx="0"/>
-          <a:fillRef idx="0"/>
-          <a:effectRef idx="0"/>
+          <a:lnRef idx="0">
+            <a:scrgbClr r="0" g="0" b="0"/>
+          </a:lnRef>
+          <a:fillRef idx="0">
+            <a:scrgbClr r="0" g="0" b="0"/>
+          </a:fillRef>
+          <a:effectRef idx="0">
+            <a:scrgbClr r="0" g="0" b="0"/>
+          </a:effectRef>
           <a:fontRef idx="minor"/>
         </p:style>
         <p:txBody>
-          <a:bodyPr lIns="0" rIns="0" tIns="28440" bIns="0" anchor="ctr"/>
+          <a:bodyPr lIns="0" tIns="28440" rIns="0" bIns="0" anchor="ctr"/>
+          <a:lstStyle/>
           <a:p>
             <a:pPr algn="ctr">
               <a:lnSpc>
@@ -4335,28 +5036,28 @@
               </a:lnSpc>
             </a:pPr>
             <a:r>
-              <a:rPr b="0" lang="en-GB" sz="3200" spc="-1" strike="noStrike" u="sng">
-                <a:solidFill>
-                  <a:srgbClr val="0000ff"/>
+              <a:rPr lang="en-GB" sz="3200" b="0" u="sng" strike="noStrike" spc="-1">
+                <a:solidFill>
+                  <a:srgbClr val="0000FF"/>
                 </a:solidFill>
                 <a:uFill>
                   <a:solidFill>
-                    <a:srgbClr val="ffffff"/>
+                    <a:srgbClr val="FFFFFF"/>
                   </a:solidFill>
                 </a:uFill>
                 <a:latin typeface="Arial"/>
                 <a:ea typeface="Noto Sans CJK SC Regular"/>
-                <a:hlinkClick r:id="rId1"/>
+                <a:hlinkClick r:id="rId3"/>
               </a:rPr>
               <a:t>http://aws.amazon.com</a:t>
             </a:r>
-            <a:endParaRPr b="0" lang="en-GB" sz="1800" spc="-1" strike="noStrike">
-              <a:solidFill>
-                <a:srgbClr val="000000"/>
-              </a:solidFill>
-              <a:uFill>
-                <a:solidFill>
-                  <a:srgbClr val="ffffff"/>
+            <a:endParaRPr lang="en-GB" sz="1800" b="0" strike="noStrike" spc="-1">
+              <a:solidFill>
+                <a:srgbClr val="000000"/>
+              </a:solidFill>
+              <a:uFill>
+                <a:solidFill>
+                  <a:srgbClr val="FFFFFF"/>
                 </a:solidFill>
               </a:uFill>
               <a:latin typeface="Arial"/>
@@ -4384,13 +5085,20 @@
           </a:ln>
         </p:spPr>
         <p:style>
-          <a:lnRef idx="0"/>
-          <a:fillRef idx="0"/>
-          <a:effectRef idx="0"/>
+          <a:lnRef idx="0">
+            <a:scrgbClr r="0" g="0" b="0"/>
+          </a:lnRef>
+          <a:fillRef idx="0">
+            <a:scrgbClr r="0" g="0" b="0"/>
+          </a:fillRef>
+          <a:effectRef idx="0">
+            <a:scrgbClr r="0" g="0" b="0"/>
+          </a:effectRef>
           <a:fontRef idx="minor"/>
         </p:style>
         <p:txBody>
-          <a:bodyPr lIns="0" rIns="0" tIns="35640" bIns="0" anchor="ctr"/>
+          <a:bodyPr lIns="0" tIns="35640" rIns="0" bIns="0" anchor="ctr"/>
+          <a:lstStyle/>
           <a:p>
             <a:pPr>
               <a:lnSpc>
@@ -4398,13 +5106,13 @@
               </a:lnSpc>
             </a:pPr>
             <a:r>
-              <a:rPr b="1" lang="en-GB" sz="1800" spc="-1" strike="noStrike">
+              <a:rPr lang="en-GB" sz="1800" b="1" strike="noStrike" spc="-1">
                 <a:solidFill>
                   <a:srgbClr val="808080"/>
                 </a:solidFill>
                 <a:uFill>
                   <a:solidFill>
-                    <a:srgbClr val="ffffff"/>
+                    <a:srgbClr val="FFFFFF"/>
                   </a:solidFill>
                 </a:uFill>
                 <a:latin typeface="Arial"/>
@@ -4412,13 +5120,13 @@
               </a:rPr>
               <a:t>Neuroinformatics tutorial</a:t>
             </a:r>
-            <a:endParaRPr b="0" lang="en-GB" sz="1800" spc="-1" strike="noStrike">
-              <a:solidFill>
-                <a:srgbClr val="000000"/>
-              </a:solidFill>
-              <a:uFill>
-                <a:solidFill>
-                  <a:srgbClr val="ffffff"/>
+            <a:endParaRPr lang="en-GB" sz="1800" b="0" strike="noStrike" spc="-1">
+              <a:solidFill>
+                <a:srgbClr val="000000"/>
+              </a:solidFill>
+              <a:uFill>
+                <a:solidFill>
+                  <a:srgbClr val="FFFFFF"/>
                 </a:solidFill>
               </a:uFill>
               <a:latin typeface="Arial"/>
@@ -4446,13 +5154,20 @@
           </a:ln>
         </p:spPr>
         <p:style>
-          <a:lnRef idx="0"/>
-          <a:fillRef idx="0"/>
-          <a:effectRef idx="0"/>
+          <a:lnRef idx="0">
+            <a:scrgbClr r="0" g="0" b="0"/>
+          </a:lnRef>
+          <a:fillRef idx="0">
+            <a:scrgbClr r="0" g="0" b="0"/>
+          </a:fillRef>
+          <a:effectRef idx="0">
+            <a:scrgbClr r="0" g="0" b="0"/>
+          </a:effectRef>
           <a:fontRef idx="minor"/>
         </p:style>
         <p:txBody>
-          <a:bodyPr lIns="90000" rIns="90000" tIns="60840" bIns="45000"/>
+          <a:bodyPr lIns="90000" tIns="60840" rIns="90000" bIns="45000"/>
+          <a:lstStyle/>
           <a:p>
             <a:pPr algn="just">
               <a:lnSpc>
@@ -4460,13 +5175,13 @@
               </a:lnSpc>
             </a:pPr>
             <a:r>
-              <a:rPr b="0" lang="en-GB" sz="1800" spc="-1" strike="noStrike">
+              <a:rPr lang="en-GB" sz="1800" b="0" strike="noStrike" spc="-1">
                 <a:solidFill>
                   <a:srgbClr val="000000"/>
                 </a:solidFill>
                 <a:uFill>
                   <a:solidFill>
-                    <a:srgbClr val="ffffff"/>
+                    <a:srgbClr val="FFFFFF"/>
                   </a:solidFill>
                 </a:uFill>
                 <a:latin typeface="Arial"/>
@@ -4474,13 +5189,13 @@
               </a:rPr>
               <a:t>Amazon Web Services (AWS) is a cloud computing platform by Amazon which provides on demand or 24/7 access to virtual computing resources such as computing (CPU &amp; GPU), storage, databases, etc.</a:t>
             </a:r>
-            <a:endParaRPr b="0" lang="en-GB" sz="1800" spc="-1" strike="noStrike">
-              <a:solidFill>
-                <a:srgbClr val="000000"/>
-              </a:solidFill>
-              <a:uFill>
-                <a:solidFill>
-                  <a:srgbClr val="ffffff"/>
+            <a:endParaRPr lang="en-GB" sz="1800" b="0" strike="noStrike" spc="-1">
+              <a:solidFill>
+                <a:srgbClr val="000000"/>
+              </a:solidFill>
+              <a:uFill>
+                <a:solidFill>
+                  <a:srgbClr val="FFFFFF"/>
                 </a:solidFill>
               </a:uFill>
               <a:latin typeface="Arial"/>
@@ -4510,9 +5225,15 @@
           </a:ln>
         </p:spPr>
         <p:style>
-          <a:lnRef idx="0"/>
-          <a:fillRef idx="0"/>
-          <a:effectRef idx="0"/>
+          <a:lnRef idx="0">
+            <a:scrgbClr r="0" g="0" b="0"/>
+          </a:lnRef>
+          <a:fillRef idx="0">
+            <a:scrgbClr r="0" g="0" b="0"/>
+          </a:fillRef>
+          <a:effectRef idx="0">
+            <a:scrgbClr r="0" g="0" b="0"/>
+          </a:effectRef>
           <a:fontRef idx="minor"/>
         </p:style>
       </p:sp>
@@ -4536,13 +5257,20 @@
           </a:ln>
         </p:spPr>
         <p:style>
-          <a:lnRef idx="0"/>
-          <a:fillRef idx="0"/>
-          <a:effectRef idx="0"/>
+          <a:lnRef idx="0">
+            <a:scrgbClr r="0" g="0" b="0"/>
+          </a:lnRef>
+          <a:fillRef idx="0">
+            <a:scrgbClr r="0" g="0" b="0"/>
+          </a:fillRef>
+          <a:effectRef idx="0">
+            <a:scrgbClr r="0" g="0" b="0"/>
+          </a:effectRef>
           <a:fontRef idx="minor"/>
         </p:style>
         <p:txBody>
-          <a:bodyPr lIns="0" rIns="0" tIns="35640" bIns="0" anchor="ctr"/>
+          <a:bodyPr lIns="0" tIns="35640" rIns="0" bIns="0" anchor="ctr"/>
+          <a:lstStyle/>
           <a:p>
             <a:pPr algn="r">
               <a:lnSpc>
@@ -4550,13 +5278,13 @@
               </a:lnSpc>
             </a:pPr>
             <a:r>
-              <a:rPr b="0" lang="en-GB" sz="1800" spc="-1" strike="noStrike">
+              <a:rPr lang="en-GB" sz="1800" b="0" strike="noStrike" spc="-1">
                 <a:solidFill>
                   <a:srgbClr val="808080"/>
                 </a:solidFill>
                 <a:uFill>
                   <a:solidFill>
-                    <a:srgbClr val="ffffff"/>
+                    <a:srgbClr val="FFFFFF"/>
                   </a:solidFill>
                 </a:uFill>
                 <a:latin typeface="Arial"/>
@@ -4564,13 +5292,13 @@
               </a:rPr>
               <a:t>1.6 Computing infrastructure</a:t>
             </a:r>
-            <a:endParaRPr b="0" lang="en-GB" sz="1800" spc="-1" strike="noStrike">
-              <a:solidFill>
-                <a:srgbClr val="000000"/>
-              </a:solidFill>
-              <a:uFill>
-                <a:solidFill>
-                  <a:srgbClr val="ffffff"/>
+            <a:endParaRPr lang="en-GB" sz="1800" b="0" strike="noStrike" spc="-1">
+              <a:solidFill>
+                <a:srgbClr val="000000"/>
+              </a:solidFill>
+              <a:uFill>
+                <a:solidFill>
+                  <a:srgbClr val="FFFFFF"/>
                 </a:solidFill>
               </a:uFill>
               <a:latin typeface="Arial"/>
@@ -4580,6 +5308,9 @@
       </p:sp>
     </p:spTree>
   </p:cSld>
+  <p:clrMapOvr>
+    <a:masterClrMapping/>
+  </p:clrMapOvr>
   <p:timing>
     <p:tnLst>
       <p:par>
@@ -4588,14 +5319,14 @@
             <p:seq>
               <p:cTn id="2" nodeType="mainSeq"/>
               <p:prevCondLst>
-                <p:cond delay="0" evt="onPrev">
+                <p:cond evt="onPrev" delay="0">
                   <p:tgtEl>
                     <p:sldTgt/>
                   </p:tgtEl>
                 </p:cond>
               </p:prevCondLst>
               <p:nextCondLst>
-                <p:cond delay="0" evt="onNext">
+                <p:cond evt="onNext" delay="0">
                   <p:tgtEl>
                     <p:sldTgt/>
                   </p:tgtEl>
@@ -4611,7 +5342,7 @@
 </file>
 
 <file path=ppt/slides/slide2.xml><?xml version="1.0" encoding="utf-8"?>
-<p:sld xmlns:a="http://schemas.openxmlformats.org/drawingml/2006/main" xmlns:p="http://schemas.openxmlformats.org/presentationml/2006/main" xmlns:r="http://schemas.openxmlformats.org/officeDocument/2006/relationships" xmlns:p14="http://schemas.microsoft.com/office/powerpoint/2010/main" xmlns:p15="http://schemas.microsoft.com/office/powerpoint/2012/main" xmlns:mc="http://schemas.openxmlformats.org/markup-compatibility/2006">
+<p:sld xmlns:a="http://schemas.openxmlformats.org/drawingml/2006/main" xmlns:r="http://schemas.openxmlformats.org/officeDocument/2006/relationships" xmlns:p="http://schemas.openxmlformats.org/presentationml/2006/main">
   <p:cSld>
     <p:spTree>
       <p:nvGrpSpPr>
@@ -4647,13 +5378,20 @@
           </a:ln>
         </p:spPr>
         <p:style>
-          <a:lnRef idx="0"/>
-          <a:fillRef idx="0"/>
-          <a:effectRef idx="0"/>
+          <a:lnRef idx="0">
+            <a:scrgbClr r="0" g="0" b="0"/>
+          </a:lnRef>
+          <a:fillRef idx="0">
+            <a:scrgbClr r="0" g="0" b="0"/>
+          </a:fillRef>
+          <a:effectRef idx="0">
+            <a:scrgbClr r="0" g="0" b="0"/>
+          </a:effectRef>
           <a:fontRef idx="minor"/>
         </p:style>
         <p:txBody>
-          <a:bodyPr lIns="90000" rIns="90000" tIns="60840" bIns="45000"/>
+          <a:bodyPr lIns="90000" tIns="60840" rIns="90000" bIns="45000"/>
+          <a:lstStyle/>
           <a:p>
             <a:pPr>
               <a:lnSpc>
@@ -4661,13 +5399,13 @@
               </a:lnSpc>
             </a:pPr>
             <a:r>
-              <a:rPr b="1" lang="en-GB" sz="3600" spc="-1" strike="noStrike">
+              <a:rPr lang="en-GB" sz="3600" b="1" strike="noStrike" spc="-1" dirty="0">
                 <a:solidFill>
                   <a:srgbClr val="000000"/>
                 </a:solidFill>
                 <a:uFill>
                   <a:solidFill>
-                    <a:srgbClr val="ffffff"/>
+                    <a:srgbClr val="FFFFFF"/>
                   </a:solidFill>
                 </a:uFill>
                 <a:latin typeface="Arial"/>
@@ -4675,13 +5413,13 @@
               </a:rPr>
               <a:t>Amazon Web Services</a:t>
             </a:r>
-            <a:endParaRPr b="0" lang="en-GB" sz="1800" spc="-1" strike="noStrike">
-              <a:solidFill>
-                <a:srgbClr val="000000"/>
-              </a:solidFill>
-              <a:uFill>
-                <a:solidFill>
-                  <a:srgbClr val="ffffff"/>
+            <a:endParaRPr lang="en-GB" sz="1800" b="0" strike="noStrike" spc="-1" dirty="0">
+              <a:solidFill>
+                <a:srgbClr val="000000"/>
+              </a:solidFill>
+              <a:uFill>
+                <a:solidFill>
+                  <a:srgbClr val="FFFFFF"/>
                 </a:solidFill>
               </a:uFill>
               <a:latin typeface="Arial"/>
@@ -4693,13 +5431,13 @@
                 <a:spcPct val="93000"/>
               </a:lnSpc>
             </a:pPr>
-            <a:endParaRPr b="0" lang="en-GB" sz="1800" spc="-1" strike="noStrike">
-              <a:solidFill>
-                <a:srgbClr val="000000"/>
-              </a:solidFill>
-              <a:uFill>
-                <a:solidFill>
-                  <a:srgbClr val="ffffff"/>
+            <a:endParaRPr lang="en-GB" sz="1800" b="0" strike="noStrike" spc="-1" dirty="0">
+              <a:solidFill>
+                <a:srgbClr val="000000"/>
+              </a:solidFill>
+              <a:uFill>
+                <a:solidFill>
+                  <a:srgbClr val="FFFFFF"/>
                 </a:solidFill>
               </a:uFill>
               <a:latin typeface="Arial"/>
@@ -4712,13 +5450,13 @@
               </a:lnSpc>
             </a:pPr>
             <a:r>
-              <a:rPr b="0" lang="en-GB" sz="2200" spc="-1" strike="noStrike">
+              <a:rPr lang="en-GB" sz="2200" b="0" strike="noStrike" spc="-1" dirty="0">
                 <a:solidFill>
                   <a:srgbClr val="000000"/>
                 </a:solidFill>
                 <a:uFill>
                   <a:solidFill>
-                    <a:srgbClr val="ffffff"/>
+                    <a:srgbClr val="FFFFFF"/>
                   </a:solidFill>
                 </a:uFill>
                 <a:latin typeface="Arial"/>
@@ -4726,13 +5464,13 @@
               </a:rPr>
               <a:t>Widely used cloud computing platform</a:t>
             </a:r>
-            <a:endParaRPr b="0" lang="en-GB" sz="1800" spc="-1" strike="noStrike">
-              <a:solidFill>
-                <a:srgbClr val="000000"/>
-              </a:solidFill>
-              <a:uFill>
-                <a:solidFill>
-                  <a:srgbClr val="ffffff"/>
+            <a:endParaRPr lang="en-GB" sz="1800" b="0" strike="noStrike" spc="-1" dirty="0">
+              <a:solidFill>
+                <a:srgbClr val="000000"/>
+              </a:solidFill>
+              <a:uFill>
+                <a:solidFill>
+                  <a:srgbClr val="FFFFFF"/>
                 </a:solidFill>
               </a:uFill>
               <a:latin typeface="Arial"/>
@@ -4744,13 +5482,13 @@
                 <a:spcPct val="93000"/>
               </a:lnSpc>
             </a:pPr>
-            <a:endParaRPr b="0" lang="en-GB" sz="1800" spc="-1" strike="noStrike">
-              <a:solidFill>
-                <a:srgbClr val="000000"/>
-              </a:solidFill>
-              <a:uFill>
-                <a:solidFill>
-                  <a:srgbClr val="ffffff"/>
+            <a:endParaRPr lang="en-GB" sz="1800" b="0" strike="noStrike" spc="-1" dirty="0">
+              <a:solidFill>
+                <a:srgbClr val="000000"/>
+              </a:solidFill>
+              <a:uFill>
+                <a:solidFill>
+                  <a:srgbClr val="FFFFFF"/>
                 </a:solidFill>
               </a:uFill>
               <a:latin typeface="Arial"/>
@@ -4763,13 +5501,13 @@
               </a:lnSpc>
             </a:pPr>
             <a:r>
-              <a:rPr b="0" lang="en-GB" sz="2200" spc="-1" strike="noStrike">
+              <a:rPr lang="en-GB" sz="2200" b="0" strike="noStrike" spc="-1" dirty="0">
                 <a:solidFill>
                   <a:srgbClr val="000000"/>
                 </a:solidFill>
                 <a:uFill>
                   <a:solidFill>
-                    <a:srgbClr val="ffffff"/>
+                    <a:srgbClr val="FFFFFF"/>
                   </a:solidFill>
                 </a:uFill>
                 <a:latin typeface="Arial"/>
@@ -4777,20 +5515,20 @@
               </a:rPr>
               <a:t>Can be used for:</a:t>
             </a:r>
-            <a:endParaRPr b="0" lang="en-GB" sz="1800" spc="-1" strike="noStrike">
-              <a:solidFill>
-                <a:srgbClr val="000000"/>
-              </a:solidFill>
-              <a:uFill>
-                <a:solidFill>
-                  <a:srgbClr val="ffffff"/>
-                </a:solidFill>
-              </a:uFill>
-              <a:latin typeface="Arial"/>
-            </a:endParaRPr>
-          </a:p>
-          <a:p>
-            <a:pPr lvl="1" marL="432000" indent="-216000">
+            <a:endParaRPr lang="en-GB" sz="1800" b="0" strike="noStrike" spc="-1" dirty="0">
+              <a:solidFill>
+                <a:srgbClr val="000000"/>
+              </a:solidFill>
+              <a:uFill>
+                <a:solidFill>
+                  <a:srgbClr val="FFFFFF"/>
+                </a:solidFill>
+              </a:uFill>
+              <a:latin typeface="Arial"/>
+            </a:endParaRPr>
+          </a:p>
+          <a:p>
+            <a:pPr marL="432000" lvl="1" indent="-216000">
               <a:lnSpc>
                 <a:spcPct val="150000"/>
               </a:lnSpc>
@@ -4802,13 +5540,13 @@
               <a:buChar char=""/>
             </a:pPr>
             <a:r>
-              <a:rPr b="0" lang="en-GB" sz="2200" spc="-1" strike="noStrike">
+              <a:rPr lang="en-GB" sz="2200" b="0" strike="noStrike" spc="-1" dirty="0">
                 <a:solidFill>
                   <a:srgbClr val="000000"/>
                 </a:solidFill>
                 <a:uFill>
                   <a:solidFill>
-                    <a:srgbClr val="ffffff"/>
+                    <a:srgbClr val="FFFFFF"/>
                   </a:solidFill>
                 </a:uFill>
                 <a:latin typeface="Arial"/>
@@ -4816,20 +5554,20 @@
               </a:rPr>
               <a:t>Web hosting</a:t>
             </a:r>
-            <a:endParaRPr b="0" lang="en-GB" sz="1800" spc="-1" strike="noStrike">
-              <a:solidFill>
-                <a:srgbClr val="000000"/>
-              </a:solidFill>
-              <a:uFill>
-                <a:solidFill>
-                  <a:srgbClr val="ffffff"/>
-                </a:solidFill>
-              </a:uFill>
-              <a:latin typeface="Arial"/>
-            </a:endParaRPr>
-          </a:p>
-          <a:p>
-            <a:pPr lvl="1" marL="432000" indent="-216000">
+            <a:endParaRPr lang="en-GB" sz="1800" b="0" strike="noStrike" spc="-1" dirty="0">
+              <a:solidFill>
+                <a:srgbClr val="000000"/>
+              </a:solidFill>
+              <a:uFill>
+                <a:solidFill>
+                  <a:srgbClr val="FFFFFF"/>
+                </a:solidFill>
+              </a:uFill>
+              <a:latin typeface="Arial"/>
+            </a:endParaRPr>
+          </a:p>
+          <a:p>
+            <a:pPr marL="432000" lvl="1" indent="-216000">
               <a:lnSpc>
                 <a:spcPct val="150000"/>
               </a:lnSpc>
@@ -4841,13 +5579,13 @@
               <a:buChar char=""/>
             </a:pPr>
             <a:r>
-              <a:rPr b="0" lang="en-GB" sz="2200" spc="-1" strike="noStrike">
+              <a:rPr lang="en-GB" sz="2200" b="0" strike="noStrike" spc="-1" dirty="0" err="1">
                 <a:solidFill>
                   <a:srgbClr val="000000"/>
                 </a:solidFill>
                 <a:uFill>
                   <a:solidFill>
-                    <a:srgbClr val="ffffff"/>
+                    <a:srgbClr val="FFFFFF"/>
                   </a:solidFill>
                 </a:uFill>
                 <a:latin typeface="Arial"/>
@@ -4855,20 +5593,20 @@
               </a:rPr>
               <a:t>Databasing</a:t>
             </a:r>
-            <a:endParaRPr b="0" lang="en-GB" sz="1800" spc="-1" strike="noStrike">
-              <a:solidFill>
-                <a:srgbClr val="000000"/>
-              </a:solidFill>
-              <a:uFill>
-                <a:solidFill>
-                  <a:srgbClr val="ffffff"/>
-                </a:solidFill>
-              </a:uFill>
-              <a:latin typeface="Arial"/>
-            </a:endParaRPr>
-          </a:p>
-          <a:p>
-            <a:pPr lvl="1" marL="432000" indent="-216000">
+            <a:endParaRPr lang="en-GB" sz="1800" b="0" strike="noStrike" spc="-1" dirty="0">
+              <a:solidFill>
+                <a:srgbClr val="000000"/>
+              </a:solidFill>
+              <a:uFill>
+                <a:solidFill>
+                  <a:srgbClr val="FFFFFF"/>
+                </a:solidFill>
+              </a:uFill>
+              <a:latin typeface="Arial"/>
+            </a:endParaRPr>
+          </a:p>
+          <a:p>
+            <a:pPr marL="432000" lvl="1" indent="-216000">
               <a:lnSpc>
                 <a:spcPct val="150000"/>
               </a:lnSpc>
@@ -4880,66 +5618,64 @@
               <a:buChar char=""/>
             </a:pPr>
             <a:r>
-              <a:rPr b="0" lang="en-GB" sz="2200" spc="-1" strike="noStrike">
+              <a:rPr lang="en-GB" sz="2200" b="0" strike="noStrike" spc="-1" dirty="0">
                 <a:solidFill>
                   <a:srgbClr val="000000"/>
                 </a:solidFill>
                 <a:uFill>
                   <a:solidFill>
-                    <a:srgbClr val="ffffff"/>
+                    <a:srgbClr val="FFFFFF"/>
                   </a:solidFill>
                 </a:uFill>
                 <a:latin typeface="Arial"/>
                 <a:ea typeface="Noto Sans CJK SC Regular"/>
               </a:rPr>
-              <a:t>Compute intense tasks</a:t>
+              <a:t>Compute intense </a:t>
             </a:r>
-            <a:endParaRPr b="0" lang="en-GB" sz="1800" spc="-1" strike="noStrike">
-              <a:solidFill>
-                <a:srgbClr val="000000"/>
-              </a:solidFill>
-              <a:uFill>
-                <a:solidFill>
-                  <a:srgbClr val="ffffff"/>
-                </a:solidFill>
-              </a:uFill>
-              <a:latin typeface="Arial"/>
-            </a:endParaRPr>
-          </a:p>
-          <a:p>
-            <a:pPr lvl="1" marL="432000" indent="-216000">
-              <a:lnSpc>
-                <a:spcPct val="93000"/>
-              </a:lnSpc>
-              <a:buClr>
-                <a:srgbClr val="000000"/>
-              </a:buClr>
-              <a:buSzPct val="45000"/>
-              <a:buFont typeface="Wingdings" charset="2"/>
-              <a:buChar char=""/>
-            </a:pPr>
             <a:r>
-              <a:rPr b="0" lang="en-GB" sz="2200" spc="-1" strike="noStrike">
+              <a:rPr lang="en-GB" sz="2200" b="0" strike="noStrike" spc="-1" dirty="0" smtClean="0">
                 <a:solidFill>
                   <a:srgbClr val="000000"/>
                 </a:solidFill>
                 <a:uFill>
                   <a:solidFill>
-                    <a:srgbClr val="ffffff"/>
+                    <a:srgbClr val="FFFFFF"/>
                   </a:solidFill>
                 </a:uFill>
                 <a:latin typeface="Arial"/>
                 <a:ea typeface="Noto Sans CJK SC Regular"/>
               </a:rPr>
-              <a:t> </a:t>
+              <a:t>tasks</a:t>
             </a:r>
-            <a:endParaRPr b="0" lang="en-GB" sz="1800" spc="-1" strike="noStrike">
-              <a:solidFill>
-                <a:srgbClr val="000000"/>
-              </a:solidFill>
-              <a:uFill>
-                <a:solidFill>
-                  <a:srgbClr val="ffffff"/>
+            <a:endParaRPr lang="en-GB" spc="-1" dirty="0">
+              <a:solidFill>
+                <a:srgbClr val="000000"/>
+              </a:solidFill>
+              <a:uFill>
+                <a:solidFill>
+                  <a:srgbClr val="FFFFFF"/>
+                </a:solidFill>
+              </a:uFill>
+              <a:latin typeface="Arial"/>
+            </a:endParaRPr>
+          </a:p>
+          <a:p>
+            <a:pPr marL="216000" lvl="1">
+              <a:lnSpc>
+                <a:spcPct val="150000"/>
+              </a:lnSpc>
+              <a:buClr>
+                <a:srgbClr val="000000"/>
+              </a:buClr>
+              <a:buSzPct val="45000"/>
+            </a:pPr>
+            <a:endParaRPr lang="en-GB" sz="1800" b="0" strike="noStrike" spc="-1" dirty="0">
+              <a:solidFill>
+                <a:srgbClr val="000000"/>
+              </a:solidFill>
+              <a:uFill>
+                <a:solidFill>
+                  <a:srgbClr val="FFFFFF"/>
                 </a:solidFill>
               </a:uFill>
               <a:latin typeface="Arial"/>
@@ -4952,42 +5688,83 @@
               </a:lnSpc>
             </a:pPr>
             <a:r>
-              <a:rPr b="0" lang="en-GB" sz="2200" spc="-1" strike="noStrike">
+              <a:rPr lang="en-GB" sz="2200" b="0" strike="noStrike" spc="-1" dirty="0" smtClean="0">
                 <a:solidFill>
                   <a:srgbClr val="000000"/>
                 </a:solidFill>
                 <a:uFill>
                   <a:solidFill>
-                    <a:srgbClr val="ffffff"/>
+                    <a:srgbClr val="FFFFFF"/>
                   </a:solidFill>
                 </a:uFill>
                 <a:latin typeface="Arial"/>
                 <a:ea typeface="Noto Sans CJK SC Regular"/>
               </a:rPr>
-              <a:t>Example: OSB is hosted on AWS </a:t>
+              <a:t>Useful for short or long term managed computing (easier than maintaining your own servers)</a:t>
             </a:r>
+          </a:p>
+          <a:p>
+            <a:pPr>
+              <a:lnSpc>
+                <a:spcPct val="93000"/>
+              </a:lnSpc>
+            </a:pPr>
+            <a:endParaRPr lang="en-GB" sz="2200" spc="-1" dirty="0">
+              <a:solidFill>
+                <a:srgbClr val="000000"/>
+              </a:solidFill>
+              <a:uFill>
+                <a:solidFill>
+                  <a:srgbClr val="FFFFFF"/>
+                </a:solidFill>
+              </a:uFill>
+              <a:latin typeface="Arial"/>
+              <a:ea typeface="Noto Sans CJK SC Regular"/>
+            </a:endParaRPr>
+          </a:p>
+          <a:p>
+            <a:pPr>
+              <a:lnSpc>
+                <a:spcPct val="93000"/>
+              </a:lnSpc>
+            </a:pPr>
             <a:r>
-              <a:rPr b="0" lang="en-GB" sz="2200" spc="-1" strike="noStrike">
+              <a:rPr lang="en-GB" sz="2200" b="0" strike="noStrike" spc="-1" dirty="0" smtClean="0">
                 <a:solidFill>
                   <a:srgbClr val="000000"/>
                 </a:solidFill>
                 <a:uFill>
                   <a:solidFill>
-                    <a:srgbClr val="ffffff"/>
+                    <a:srgbClr val="FFFFFF"/>
                   </a:solidFill>
                 </a:uFill>
                 <a:latin typeface="Arial"/>
                 <a:ea typeface="Noto Sans CJK SC Regular"/>
               </a:rPr>
-              <a:t>(live and development servers)  </a:t>
+              <a:t>Example</a:t>
             </a:r>
-            <a:endParaRPr b="0" lang="en-GB" sz="1800" spc="-1" strike="noStrike">
-              <a:solidFill>
-                <a:srgbClr val="000000"/>
-              </a:solidFill>
-              <a:uFill>
-                <a:solidFill>
-                  <a:srgbClr val="ffffff"/>
+            <a:r>
+              <a:rPr lang="en-GB" sz="2200" b="0" strike="noStrike" spc="-1" dirty="0">
+                <a:solidFill>
+                  <a:srgbClr val="000000"/>
+                </a:solidFill>
+                <a:uFill>
+                  <a:solidFill>
+                    <a:srgbClr val="FFFFFF"/>
+                  </a:solidFill>
+                </a:uFill>
+                <a:latin typeface="Arial"/>
+                <a:ea typeface="Noto Sans CJK SC Regular"/>
+              </a:rPr>
+              <a:t>: OSB is hosted on AWS (live and development servers)  </a:t>
+            </a:r>
+            <a:endParaRPr lang="en-GB" sz="1800" b="0" strike="noStrike" spc="-1" dirty="0">
+              <a:solidFill>
+                <a:srgbClr val="000000"/>
+              </a:solidFill>
+              <a:uFill>
+                <a:solidFill>
+                  <a:srgbClr val="FFFFFF"/>
                 </a:solidFill>
               </a:uFill>
               <a:latin typeface="Arial"/>
@@ -4999,13 +5776,13 @@
                 <a:spcPct val="93000"/>
               </a:lnSpc>
             </a:pPr>
-            <a:endParaRPr b="0" lang="en-GB" sz="1800" spc="-1" strike="noStrike">
-              <a:solidFill>
-                <a:srgbClr val="000000"/>
-              </a:solidFill>
-              <a:uFill>
-                <a:solidFill>
-                  <a:srgbClr val="ffffff"/>
+            <a:endParaRPr lang="en-GB" sz="1800" b="0" strike="noStrike" spc="-1" dirty="0">
+              <a:solidFill>
+                <a:srgbClr val="000000"/>
+              </a:solidFill>
+              <a:uFill>
+                <a:solidFill>
+                  <a:srgbClr val="FFFFFF"/>
                 </a:solidFill>
               </a:uFill>
               <a:latin typeface="Arial"/>
@@ -5015,17 +5792,17 @@
       </p:sp>
       <p:pic>
         <p:nvPicPr>
-          <p:cNvPr id="84" name="" descr=""/>
+          <p:cNvPr id="84" name="Picture 83"/>
           <p:cNvPicPr/>
           <p:nvPr/>
         </p:nvPicPr>
         <p:blipFill>
-          <a:blip r:embed="rId1"/>
+          <a:blip r:embed="rId3"/>
           <a:stretch/>
         </p:blipFill>
         <p:spPr>
           <a:xfrm>
-            <a:off x="6480000" y="5900400"/>
+            <a:off x="6480000" y="6037560"/>
             <a:ext cx="3458160" cy="1299600"/>
           </a:xfrm>
           <a:prstGeom prst="rect">
@@ -5038,22 +5815,25 @@
       </p:pic>
     </p:spTree>
   </p:cSld>
+  <p:clrMapOvr>
+    <a:masterClrMapping/>
+  </p:clrMapOvr>
   <p:timing>
     <p:tnLst>
       <p:par>
-        <p:cTn id="3" dur="indefinite" restart="never" nodeType="tmRoot">
+        <p:cTn id="1" dur="indefinite" restart="never" nodeType="tmRoot">
           <p:childTnLst>
             <p:seq>
-              <p:cTn id="4" nodeType="mainSeq"/>
+              <p:cTn id="2" nodeType="mainSeq"/>
               <p:prevCondLst>
-                <p:cond delay="0" evt="onPrev">
+                <p:cond evt="onPrev" delay="0">
                   <p:tgtEl>
                     <p:sldTgt/>
                   </p:tgtEl>
                 </p:cond>
               </p:prevCondLst>
               <p:nextCondLst>
-                <p:cond delay="0" evt="onNext">
+                <p:cond evt="onNext" delay="0">
                   <p:tgtEl>
                     <p:sldTgt/>
                   </p:tgtEl>
@@ -5069,7 +5849,7 @@
 </file>
 
 <file path=ppt/slides/slide3.xml><?xml version="1.0" encoding="utf-8"?>
-<p:sld xmlns:a="http://schemas.openxmlformats.org/drawingml/2006/main" xmlns:p="http://schemas.openxmlformats.org/presentationml/2006/main" xmlns:r="http://schemas.openxmlformats.org/officeDocument/2006/relationships" xmlns:p14="http://schemas.microsoft.com/office/powerpoint/2010/main" xmlns:p15="http://schemas.microsoft.com/office/powerpoint/2012/main" xmlns:mc="http://schemas.openxmlformats.org/markup-compatibility/2006">
+<p:sld xmlns:a="http://schemas.openxmlformats.org/drawingml/2006/main" xmlns:r="http://schemas.openxmlformats.org/officeDocument/2006/relationships" xmlns:p="http://schemas.openxmlformats.org/presentationml/2006/main">
   <p:cSld>
     <p:spTree>
       <p:nvGrpSpPr>
@@ -5087,12 +5867,12 @@
       </p:grpSpPr>
       <p:pic>
         <p:nvPicPr>
-          <p:cNvPr id="85" name="" descr=""/>
+          <p:cNvPr id="85" name="Picture 84"/>
           <p:cNvPicPr/>
           <p:nvPr/>
         </p:nvPicPr>
         <p:blipFill>
-          <a:blip r:embed="rId1"/>
+          <a:blip r:embed="rId2"/>
           <a:stretch/>
         </p:blipFill>
         <p:spPr>
@@ -5110,22 +5890,25 @@
       </p:pic>
     </p:spTree>
   </p:cSld>
+  <p:clrMapOvr>
+    <a:masterClrMapping/>
+  </p:clrMapOvr>
   <p:timing>
     <p:tnLst>
       <p:par>
-        <p:cTn id="5" dur="indefinite" restart="never" nodeType="tmRoot">
+        <p:cTn id="1" dur="indefinite" restart="never" nodeType="tmRoot">
           <p:childTnLst>
             <p:seq>
-              <p:cTn id="6" nodeType="mainSeq"/>
+              <p:cTn id="2" nodeType="mainSeq"/>
               <p:prevCondLst>
-                <p:cond delay="0" evt="onPrev">
+                <p:cond evt="onPrev" delay="0">
                   <p:tgtEl>
                     <p:sldTgt/>
                   </p:tgtEl>
                 </p:cond>
               </p:prevCondLst>
               <p:nextCondLst>
-                <p:cond delay="0" evt="onNext">
+                <p:cond evt="onNext" delay="0">
                   <p:tgtEl>
                     <p:sldTgt/>
                   </p:tgtEl>
@@ -5141,7 +5924,7 @@
 </file>
 
 <file path=ppt/slides/slide4.xml><?xml version="1.0" encoding="utf-8"?>
-<p:sld xmlns:a="http://schemas.openxmlformats.org/drawingml/2006/main" xmlns:p="http://schemas.openxmlformats.org/presentationml/2006/main" xmlns:r="http://schemas.openxmlformats.org/officeDocument/2006/relationships" xmlns:p14="http://schemas.microsoft.com/office/powerpoint/2010/main" xmlns:p15="http://schemas.microsoft.com/office/powerpoint/2012/main" xmlns:mc="http://schemas.openxmlformats.org/markup-compatibility/2006">
+<p:sld xmlns:a="http://schemas.openxmlformats.org/drawingml/2006/main" xmlns:r="http://schemas.openxmlformats.org/officeDocument/2006/relationships" xmlns:p="http://schemas.openxmlformats.org/presentationml/2006/main">
   <p:cSld>
     <p:spTree>
       <p:nvGrpSpPr>
@@ -5159,12 +5942,12 @@
       </p:grpSpPr>
       <p:pic>
         <p:nvPicPr>
-          <p:cNvPr id="86" name="" descr=""/>
+          <p:cNvPr id="86" name="Picture 85"/>
           <p:cNvPicPr/>
           <p:nvPr/>
         </p:nvPicPr>
         <p:blipFill>
-          <a:blip r:embed="rId1"/>
+          <a:blip r:embed="rId2"/>
           <a:stretch/>
         </p:blipFill>
         <p:spPr>
@@ -5182,22 +5965,25 @@
       </p:pic>
     </p:spTree>
   </p:cSld>
+  <p:clrMapOvr>
+    <a:masterClrMapping/>
+  </p:clrMapOvr>
   <p:timing>
     <p:tnLst>
       <p:par>
-        <p:cTn id="7" dur="indefinite" restart="never" nodeType="tmRoot">
+        <p:cTn id="1" dur="indefinite" restart="never" nodeType="tmRoot">
           <p:childTnLst>
             <p:seq>
-              <p:cTn id="8" nodeType="mainSeq"/>
+              <p:cTn id="2" nodeType="mainSeq"/>
               <p:prevCondLst>
-                <p:cond delay="0" evt="onPrev">
+                <p:cond evt="onPrev" delay="0">
                   <p:tgtEl>
                     <p:sldTgt/>
                   </p:tgtEl>
                 </p:cond>
               </p:prevCondLst>
               <p:nextCondLst>
-                <p:cond delay="0" evt="onNext">
+                <p:cond evt="onNext" delay="0">
                   <p:tgtEl>
                     <p:sldTgt/>
                   </p:tgtEl>
@@ -5432,6 +6218,8 @@
       </a:bgFillStyleLst>
     </a:fmtScheme>
   </a:themeElements>
+  <a:objectDefaults/>
+  <a:extraClrSchemeLst/>
 </a:theme>
 </file>
 
@@ -5655,6 +6443,8 @@
       </a:bgFillStyleLst>
     </a:fmtScheme>
   </a:themeElements>
+  <a:objectDefaults/>
+  <a:extraClrSchemeLst/>
 </a:theme>
 </file>
 
@@ -5878,5 +6668,7 @@
       </a:bgFillStyleLst>
     </a:fmtScheme>
   </a:themeElements>
+  <a:objectDefaults/>
+  <a:extraClrSchemeLst/>
 </a:theme>
 </file>